--- a/trunk/HeadMovement/research/kepaf/ppt/bertok.kornel.kepaf.2013.pptx
+++ b/trunk/HeadMovement/research/kepaf/ppt/bertok.kornel.kepaf.2013.pptx
@@ -13,14 +13,19 @@
     <p:sldMasterId id="2147483749" r:id="rId9"/>
   </p:sldMasterIdLst>
   <p:notesMasterIdLst>
-    <p:notesMasterId r:id="rId15"/>
+    <p:notesMasterId r:id="rId17"/>
   </p:notesMasterIdLst>
+  <p:handoutMasterIdLst>
+    <p:handoutMasterId r:id="rId18"/>
+  </p:handoutMasterIdLst>
   <p:sldIdLst>
     <p:sldId id="256" r:id="rId10"/>
     <p:sldId id="268" r:id="rId11"/>
     <p:sldId id="269" r:id="rId12"/>
     <p:sldId id="270" r:id="rId13"/>
-    <p:sldId id="267" r:id="rId14"/>
+    <p:sldId id="271" r:id="rId14"/>
+    <p:sldId id="272" r:id="rId15"/>
+    <p:sldId id="267" r:id="rId16"/>
   </p:sldIdLst>
   <p:sldSz cx="9144000" cy="6858000" type="screen4x3"/>
   <p:notesSz cx="6858000" cy="9144000"/>
@@ -150,6 +155,166 @@
     </a:lvl9pPr>
   </p:defaultTextStyle>
 </p:presentation>
+</file>
+
+<file path=ppt/handoutMasters/handoutMaster1.xml><?xml version="1.0" encoding="utf-8"?>
+<p:handoutMaster xmlns:a="http://schemas.openxmlformats.org/drawingml/2006/main" xmlns:r="http://schemas.openxmlformats.org/officeDocument/2006/relationships" xmlns:p="http://schemas.openxmlformats.org/presentationml/2006/main">
+  <p:cSld>
+    <p:bg>
+      <p:bgRef idx="1001">
+        <a:schemeClr val="bg1"/>
+      </p:bgRef>
+    </p:bg>
+    <p:spTree>
+      <p:nvGrpSpPr>
+        <p:cNvPr id="1" name=""/>
+        <p:cNvGrpSpPr/>
+        <p:nvPr/>
+      </p:nvGrpSpPr>
+      <p:grpSpPr>
+        <a:xfrm>
+          <a:off x="0" y="0"/>
+          <a:ext cx="0" cy="0"/>
+          <a:chOff x="0" y="0"/>
+          <a:chExt cx="0" cy="0"/>
+        </a:xfrm>
+      </p:grpSpPr>
+      <p:sp>
+        <p:nvSpPr>
+          <p:cNvPr id="2" name="Élőfej helye 1"/>
+          <p:cNvSpPr>
+            <a:spLocks noGrp="1"/>
+          </p:cNvSpPr>
+          <p:nvPr>
+            <p:ph type="hdr" sz="quarter"/>
+          </p:nvPr>
+        </p:nvSpPr>
+        <p:spPr>
+          <a:xfrm>
+            <a:off x="0" y="0"/>
+            <a:ext cx="2971800" cy="457200"/>
+          </a:xfrm>
+          <a:prstGeom prst="rect">
+            <a:avLst/>
+          </a:prstGeom>
+        </p:spPr>
+        <p:txBody>
+          <a:bodyPr vert="horz" lIns="91440" tIns="45720" rIns="91440" bIns="45720" rtlCol="0"/>
+          <a:lstStyle>
+            <a:lvl1pPr algn="l">
+              <a:defRPr sz="1200"/>
+            </a:lvl1pPr>
+          </a:lstStyle>
+          <a:p>
+            <a:endParaRPr lang="en-US"/>
+          </a:p>
+        </p:txBody>
+      </p:sp>
+      <p:sp>
+        <p:nvSpPr>
+          <p:cNvPr id="3" name="Dátum helye 2"/>
+          <p:cNvSpPr>
+            <a:spLocks noGrp="1"/>
+          </p:cNvSpPr>
+          <p:nvPr>
+            <p:ph type="dt" sz="quarter" idx="1"/>
+          </p:nvPr>
+        </p:nvSpPr>
+        <p:spPr>
+          <a:xfrm>
+            <a:off x="3884613" y="0"/>
+            <a:ext cx="2971800" cy="457200"/>
+          </a:xfrm>
+          <a:prstGeom prst="rect">
+            <a:avLst/>
+          </a:prstGeom>
+        </p:spPr>
+        <p:txBody>
+          <a:bodyPr vert="horz" lIns="91440" tIns="45720" rIns="91440" bIns="45720" rtlCol="0"/>
+          <a:lstStyle>
+            <a:lvl1pPr algn="r">
+              <a:defRPr sz="1200"/>
+            </a:lvl1pPr>
+          </a:lstStyle>
+          <a:p>
+            <a:fld id="{9F882934-3326-4F95-A5C3-9CE2FA4385FB}" type="datetimeFigureOut">
+              <a:rPr lang="en-US" smtClean="0"/>
+              <a:t>1/27/2013</a:t>
+            </a:fld>
+            <a:endParaRPr lang="en-US"/>
+          </a:p>
+        </p:txBody>
+      </p:sp>
+      <p:sp>
+        <p:nvSpPr>
+          <p:cNvPr id="4" name="Élőláb helye 3"/>
+          <p:cNvSpPr>
+            <a:spLocks noGrp="1"/>
+          </p:cNvSpPr>
+          <p:nvPr>
+            <p:ph type="ftr" sz="quarter" idx="2"/>
+          </p:nvPr>
+        </p:nvSpPr>
+        <p:spPr>
+          <a:xfrm>
+            <a:off x="0" y="8685213"/>
+            <a:ext cx="2971800" cy="457200"/>
+          </a:xfrm>
+          <a:prstGeom prst="rect">
+            <a:avLst/>
+          </a:prstGeom>
+        </p:spPr>
+        <p:txBody>
+          <a:bodyPr vert="horz" lIns="91440" tIns="45720" rIns="91440" bIns="45720" rtlCol="0" anchor="b"/>
+          <a:lstStyle>
+            <a:lvl1pPr algn="l">
+              <a:defRPr sz="1200"/>
+            </a:lvl1pPr>
+          </a:lstStyle>
+          <a:p>
+            <a:endParaRPr lang="en-US"/>
+          </a:p>
+        </p:txBody>
+      </p:sp>
+      <p:sp>
+        <p:nvSpPr>
+          <p:cNvPr id="5" name="Dia számának helye 4"/>
+          <p:cNvSpPr>
+            <a:spLocks noGrp="1"/>
+          </p:cNvSpPr>
+          <p:nvPr>
+            <p:ph type="sldNum" sz="quarter" idx="3"/>
+          </p:nvPr>
+        </p:nvSpPr>
+        <p:spPr>
+          <a:xfrm>
+            <a:off x="3884613" y="8685213"/>
+            <a:ext cx="2971800" cy="457200"/>
+          </a:xfrm>
+          <a:prstGeom prst="rect">
+            <a:avLst/>
+          </a:prstGeom>
+        </p:spPr>
+        <p:txBody>
+          <a:bodyPr vert="horz" lIns="91440" tIns="45720" rIns="91440" bIns="45720" rtlCol="0" anchor="b"/>
+          <a:lstStyle>
+            <a:lvl1pPr algn="r">
+              <a:defRPr sz="1200"/>
+            </a:lvl1pPr>
+          </a:lstStyle>
+          <a:p>
+            <a:fld id="{B43749EB-DD32-49D4-80C5-CE65422CB43C}" type="slidenum">
+              <a:rPr lang="en-US" smtClean="0"/>
+              <a:t>‹#›</a:t>
+            </a:fld>
+            <a:endParaRPr lang="en-US"/>
+          </a:p>
+        </p:txBody>
+      </p:sp>
+    </p:spTree>
+  </p:cSld>
+  <p:clrMap bg1="lt1" tx1="dk1" bg2="lt2" tx2="dk2" accent1="accent1" accent2="accent2" accent3="accent3" accent4="accent4" accent5="accent5" accent6="accent6" hlink="hlink" folHlink="folHlink"/>
+</p:handoutMaster>
 </file>
 
 <file path=ppt/notesMasters/notesMaster1.xml><?xml version="1.0" encoding="utf-8"?>
@@ -749,6 +914,88 @@
 </p:notes>
 </file>
 
+<file path=ppt/notesSlides/notesSlide3.xml><?xml version="1.0" encoding="utf-8"?>
+<p:notes xmlns:a="http://schemas.openxmlformats.org/drawingml/2006/main" xmlns:r="http://schemas.openxmlformats.org/officeDocument/2006/relationships" xmlns:p="http://schemas.openxmlformats.org/presentationml/2006/main">
+  <p:cSld>
+    <p:spTree>
+      <p:nvGrpSpPr>
+        <p:cNvPr id="1" name=""/>
+        <p:cNvGrpSpPr/>
+        <p:nvPr/>
+      </p:nvGrpSpPr>
+      <p:grpSpPr>
+        <a:xfrm>
+          <a:off x="0" y="0"/>
+          <a:ext cx="0" cy="0"/>
+          <a:chOff x="0" y="0"/>
+          <a:chExt cx="0" cy="0"/>
+        </a:xfrm>
+      </p:grpSpPr>
+      <p:sp>
+        <p:nvSpPr>
+          <p:cNvPr id="2" name="Diakép helye 1"/>
+          <p:cNvSpPr>
+            <a:spLocks noGrp="1" noRot="1" noChangeAspect="1"/>
+          </p:cNvSpPr>
+          <p:nvPr>
+            <p:ph type="sldImg"/>
+          </p:nvPr>
+        </p:nvSpPr>
+        <p:spPr/>
+      </p:sp>
+      <p:sp>
+        <p:nvSpPr>
+          <p:cNvPr id="3" name="Jegyzetek helye 2"/>
+          <p:cNvSpPr>
+            <a:spLocks noGrp="1"/>
+          </p:cNvSpPr>
+          <p:nvPr>
+            <p:ph type="body" idx="1"/>
+          </p:nvPr>
+        </p:nvSpPr>
+        <p:spPr/>
+        <p:txBody>
+          <a:bodyPr>
+            <a:normAutofit/>
+          </a:bodyPr>
+          <a:lstStyle/>
+          <a:p>
+            <a:endParaRPr lang="en-US"/>
+          </a:p>
+        </p:txBody>
+      </p:sp>
+      <p:sp>
+        <p:nvSpPr>
+          <p:cNvPr id="4" name="Dia számának helye 3"/>
+          <p:cNvSpPr>
+            <a:spLocks noGrp="1"/>
+          </p:cNvSpPr>
+          <p:nvPr>
+            <p:ph type="sldNum" sz="quarter" idx="10"/>
+          </p:nvPr>
+        </p:nvSpPr>
+        <p:spPr/>
+        <p:txBody>
+          <a:bodyPr/>
+          <a:lstStyle/>
+          <a:p>
+            <a:fld id="{80683E9A-DC9E-4481-B5DE-15A61F91974C}" type="slidenum">
+              <a:rPr lang="en-US" smtClean="0"/>
+              <a:pPr/>
+              <a:t>7</a:t>
+            </a:fld>
+            <a:endParaRPr lang="en-US"/>
+          </a:p>
+        </p:txBody>
+      </p:sp>
+    </p:spTree>
+  </p:cSld>
+  <p:clrMapOvr>
+    <a:masterClrMapping/>
+  </p:clrMapOvr>
+</p:notes>
+</file>
+
 <file path=ppt/slideLayouts/slideLayout1.xml><?xml version="1.0" encoding="utf-8"?>
 <p:sldLayout xmlns:a="http://schemas.openxmlformats.org/drawingml/2006/main" xmlns:r="http://schemas.openxmlformats.org/officeDocument/2006/relationships" xmlns:p="http://schemas.openxmlformats.org/presentationml/2006/main" type="title" preserve="1">
   <p:cSld name="Címdia">
@@ -3944,7 +4191,7 @@
             <a:fld id="{C47046F5-0D2D-4F75-828A-F26A4AE1EC39}" type="datetime8">
               <a:rPr lang="hu-HU"/>
               <a:pPr/>
-              <a:t>2013.01.26. 11:47</a:t>
+              <a:t>2013.01.27. 12:47</a:t>
             </a:fld>
             <a:endParaRPr lang="en-US"/>
           </a:p>
@@ -4226,7 +4473,7 @@
             <a:fld id="{8E0ECF17-21A1-4F8E-B5FB-A38B67AB2214}" type="datetime8">
               <a:rPr lang="hu-HU"/>
               <a:pPr/>
-              <a:t>2013.01.26. 11:47</a:t>
+              <a:t>2013.01.27. 12:47</a:t>
             </a:fld>
             <a:endParaRPr lang="en-US"/>
           </a:p>
@@ -18157,11 +18404,7 @@
             </a:pPr>
             <a:r>
               <a:rPr lang="hu-HU" dirty="0" smtClean="0"/>
-              <a:t>Bertók Kornél, Fazekas </a:t>
-            </a:r>
-            <a:r>
-              <a:rPr lang="hu-HU" dirty="0" smtClean="0"/>
-              <a:t>Attila</a:t>
+              <a:t>Bertók Kornél, Fazekas Attila</a:t>
             </a:r>
           </a:p>
           <a:p>
@@ -18172,15 +18415,7 @@
             </a:pPr>
             <a:r>
               <a:rPr lang="hu-HU" sz="1400" dirty="0" smtClean="0"/>
-              <a:t>Debreceni </a:t>
-            </a:r>
-            <a:r>
-              <a:rPr lang="hu-HU" sz="1400" dirty="0" smtClean="0"/>
-              <a:t>Egyetem, Informatikai </a:t>
-            </a:r>
-            <a:r>
-              <a:rPr lang="hu-HU" sz="1400" dirty="0" smtClean="0"/>
-              <a:t>Kar</a:t>
+              <a:t>Debreceni Egyetem, Informatikai Kar</a:t>
             </a:r>
           </a:p>
           <a:p>
@@ -18191,11 +18426,7 @@
             </a:pPr>
             <a:r>
               <a:rPr lang="hu-HU" sz="1400" dirty="0" smtClean="0"/>
-              <a:t>Debreceni Képfeldolgozó </a:t>
-            </a:r>
-            <a:r>
-              <a:rPr lang="hu-HU" sz="1400" dirty="0" smtClean="0"/>
-              <a:t>Csoport</a:t>
+              <a:t>Debreceni Képfeldolgozó Csoport</a:t>
             </a:r>
             <a:endParaRPr lang="hu-HU" dirty="0" smtClean="0"/>
           </a:p>
@@ -18209,26 +18440,13 @@
               <a:rPr lang="hu-HU" sz="1400" dirty="0" smtClean="0"/>
               <a:t>KÉPAF 2013, Bakonybél</a:t>
             </a:r>
-            <a:r>
-              <a:rPr lang="hu-HU" sz="1400" dirty="0" smtClean="0"/>
-              <a:t/>
-            </a:r>
             <a:br>
               <a:rPr lang="hu-HU" sz="1400" dirty="0" smtClean="0"/>
             </a:br>
             <a:r>
               <a:rPr lang="hu-HU" sz="1400" dirty="0" smtClean="0"/>
-              <a:t>2013. </a:t>
-            </a:r>
-            <a:r>
-              <a:rPr lang="hu-HU" sz="1400" dirty="0" smtClean="0"/>
-              <a:t>január </a:t>
-            </a:r>
-            <a:r>
-              <a:rPr lang="hu-HU" sz="1400" dirty="0" smtClean="0"/>
-              <a:t>29 – február 1.</a:t>
-            </a:r>
-            <a:endParaRPr lang="hu-HU" sz="1400" dirty="0" smtClean="0"/>
+              <a:t>2013. január 29 – február 1.</a:t>
+            </a:r>
           </a:p>
         </p:txBody>
       </p:sp>
@@ -18304,15 +18522,50 @@
           <a:p>
             <a:r>
               <a:rPr lang="hu-HU" dirty="0" smtClean="0"/>
-              <a:t>Gesztusfelismerő rendszer: tudatos fejmozgások, mint mozdulatsorok felismerése</a:t>
+              <a:t>Gesztusfelismerő </a:t>
+            </a:r>
+            <a:r>
+              <a:rPr lang="hu-HU" dirty="0" smtClean="0"/>
+              <a:t>rendszer</a:t>
             </a:r>
           </a:p>
           <a:p>
             <a:pPr lvl="1"/>
             <a:r>
               <a:rPr lang="hu-HU" dirty="0" smtClean="0"/>
-              <a:t>Hatékony reprezentáció</a:t>
-            </a:r>
+              <a:t>T</a:t>
+            </a:r>
+            <a:r>
+              <a:rPr lang="hu-HU" dirty="0" smtClean="0"/>
+              <a:t>udatos </a:t>
+            </a:r>
+            <a:r>
+              <a:rPr lang="hu-HU" dirty="0" smtClean="0"/>
+              <a:t>fejmozgások, mint mozdulatsorok </a:t>
+            </a:r>
+            <a:r>
+              <a:rPr lang="hu-HU" dirty="0" smtClean="0"/>
+              <a:t>felismerése</a:t>
+            </a:r>
+          </a:p>
+          <a:p>
+            <a:r>
+              <a:rPr lang="hu-HU" dirty="0" smtClean="0"/>
+              <a:t>Gesztus definiálása</a:t>
+            </a:r>
+            <a:endParaRPr lang="hu-HU" dirty="0" smtClean="0"/>
+          </a:p>
+          <a:p>
+            <a:pPr lvl="1"/>
+            <a:r>
+              <a:rPr lang="hu-HU" dirty="0" smtClean="0"/>
+              <a:t>Hatékony </a:t>
+            </a:r>
+            <a:r>
+              <a:rPr lang="hu-HU" dirty="0" smtClean="0"/>
+              <a:t>reprezentáció: térben és időben</a:t>
+            </a:r>
+            <a:endParaRPr lang="hu-HU" dirty="0" smtClean="0"/>
           </a:p>
           <a:p>
             <a:pPr lvl="1"/>
@@ -18322,32 +18575,20 @@
             </a:r>
           </a:p>
           <a:p>
+            <a:r>
+              <a:rPr lang="hu-HU" dirty="0" smtClean="0"/>
+              <a:t>Gesztus </a:t>
+            </a:r>
+            <a:r>
+              <a:rPr lang="hu-HU" dirty="0" smtClean="0"/>
+              <a:t>adatbázis</a:t>
+            </a:r>
+          </a:p>
+          <a:p>
             <a:pPr lvl="1"/>
             <a:r>
               <a:rPr lang="hu-HU" dirty="0" smtClean="0"/>
-              <a:t>Metakommunikációs </a:t>
-            </a:r>
-            <a:r>
-              <a:rPr lang="hu-HU" dirty="0" smtClean="0"/>
-              <a:t>csatornák vizsgálata</a:t>
-            </a:r>
-            <a:endParaRPr lang="hu-HU" dirty="0" smtClean="0"/>
-          </a:p>
-          <a:p>
-            <a:r>
-              <a:rPr lang="hu-HU" dirty="0" smtClean="0"/>
-              <a:t>Gesztus adatbázis</a:t>
-            </a:r>
-          </a:p>
-          <a:p>
-            <a:pPr lvl="1"/>
-            <a:r>
-              <a:rPr lang="hu-HU" dirty="0" smtClean="0"/>
-              <a:t>Rögzítés </a:t>
-            </a:r>
-            <a:r>
-              <a:rPr lang="hu-HU" dirty="0" smtClean="0"/>
-              <a:t>és elemzés</a:t>
+              <a:t>Rögzítés és elemzés</a:t>
             </a:r>
           </a:p>
           <a:p>
@@ -18388,6 +18629,13 @@
   <p:clrMapOvr>
     <a:masterClrMapping/>
   </p:clrMapOvr>
+  <p:timing>
+    <p:tnLst>
+      <p:par>
+        <p:cTn id="1" dur="indefinite" restart="never" nodeType="tmRoot"/>
+      </p:par>
+    </p:tnLst>
+  </p:timing>
 </p:sld>
 </file>
 
@@ -18455,24 +18703,37 @@
             <a:pPr lvl="1"/>
             <a:r>
               <a:rPr lang="hu-HU" dirty="0" smtClean="0"/>
-              <a:t>Tudatos fejmozgás: 3-5 sec hosszúságú</a:t>
+              <a:t>Tudatos </a:t>
+            </a:r>
+            <a:r>
+              <a:rPr lang="hu-HU" dirty="0" smtClean="0"/>
+              <a:t>mozgás</a:t>
+            </a:r>
+            <a:r>
+              <a:rPr lang="hu-HU" dirty="0" smtClean="0"/>
+              <a:t>: 3-5 sec hosszúságú</a:t>
             </a:r>
           </a:p>
           <a:p>
             <a:pPr lvl="1"/>
             <a:r>
               <a:rPr lang="hu-HU" dirty="0" smtClean="0"/>
-              <a:t>Mozdulatsorok eltérő ütemben történő végrehajtása</a:t>
-            </a:r>
-          </a:p>
-          <a:p>
+              <a:t>Mozdulatok </a:t>
+            </a:r>
             <a:r>
               <a:rPr lang="hu-HU" dirty="0" smtClean="0"/>
-              <a:t>A probléma nem-lineáris illesztést követel</a:t>
-            </a:r>
-          </a:p>
-          <a:p>
-            <a:pPr lvl="1"/>
+              <a:t>eltérő ütemben történő végrehajtása</a:t>
+            </a:r>
+          </a:p>
+          <a:p>
+            <a:pPr lvl="2"/>
+            <a:r>
+              <a:rPr lang="hu-HU" dirty="0" smtClean="0"/>
+              <a:t>Nem-lineáris illesztés</a:t>
+            </a:r>
+            <a:endParaRPr lang="hu-HU" dirty="0" smtClean="0"/>
+          </a:p>
+          <a:p>
             <a:r>
               <a:rPr lang="hu-HU" dirty="0" smtClean="0"/>
               <a:t>Követelmény a valós idejű felismerés</a:t>
@@ -18489,8 +18750,17 @@
             <a:pPr lvl="1"/>
             <a:r>
               <a:rPr lang="hu-HU" dirty="0" smtClean="0"/>
-              <a:t>Gesztusok elkülönítése kis számú adat alapján</a:t>
-            </a:r>
+              <a:t>Kis </a:t>
+            </a:r>
+            <a:r>
+              <a:rPr lang="hu-HU" dirty="0" smtClean="0"/>
+              <a:t>számú adat </a:t>
+            </a:r>
+            <a:r>
+              <a:rPr lang="hu-HU" dirty="0" smtClean="0"/>
+              <a:t>alapján kell megkülönböztetni a gesztusokat</a:t>
+            </a:r>
+            <a:endParaRPr lang="hu-HU" dirty="0" smtClean="0"/>
           </a:p>
         </p:txBody>
       </p:sp>
@@ -18523,6 +18793,13 @@
   <p:clrMapOvr>
     <a:masterClrMapping/>
   </p:clrMapOvr>
+  <p:timing>
+    <p:tnLst>
+      <p:par>
+        <p:cTn id="1" dur="indefinite" restart="never" nodeType="tmRoot"/>
+      </p:par>
+    </p:tnLst>
+  </p:timing>
 </p:sld>
 </file>
 
@@ -18558,13 +18835,17 @@
           <a:bodyPr/>
           <a:lstStyle/>
           <a:p>
-            <a:endParaRPr lang="en-US"/>
-          </a:p>
-        </p:txBody>
-      </p:sp>
-      <p:sp>
-        <p:nvSpPr>
-          <p:cNvPr id="3" name="Tartalom helye 2"/>
+            <a:r>
+              <a:rPr lang="hu-HU" dirty="0" smtClean="0"/>
+              <a:t>Fejmozgás detektálása</a:t>
+            </a:r>
+            <a:endParaRPr lang="en-US" dirty="0"/>
+          </a:p>
+        </p:txBody>
+      </p:sp>
+      <p:sp>
+        <p:nvSpPr>
+          <p:cNvPr id="5" name="Tartalom helye 4"/>
           <p:cNvSpPr>
             <a:spLocks noGrp="1"/>
           </p:cNvSpPr>
@@ -18577,7 +18858,54 @@
           <a:bodyPr/>
           <a:lstStyle/>
           <a:p>
-            <a:endParaRPr lang="en-US"/>
+            <a:r>
+              <a:rPr lang="hu-HU" dirty="0" smtClean="0"/>
+              <a:t>Fejmozgás behatárolása térben és időben</a:t>
+            </a:r>
+          </a:p>
+          <a:p>
+            <a:pPr lvl="1"/>
+            <a:r>
+              <a:rPr lang="hu-HU" dirty="0" smtClean="0"/>
+              <a:t>Egy arcdetektor által visszaadott ablakban</a:t>
+            </a:r>
+          </a:p>
+          <a:p>
+            <a:r>
+              <a:rPr lang="hu-HU" dirty="0" smtClean="0"/>
+              <a:t>MHI reprezentáció</a:t>
+            </a:r>
+          </a:p>
+          <a:p>
+            <a:pPr lvl="1"/>
+            <a:r>
+              <a:rPr lang="hu-HU" dirty="0" smtClean="0"/>
+              <a:t>Időalapú sablonozó eljárás</a:t>
+            </a:r>
+          </a:p>
+          <a:p>
+            <a:pPr lvl="1"/>
+            <a:r>
+              <a:rPr lang="hu-HU" dirty="0" smtClean="0"/>
+              <a:t>Sablon: minden egyes pixel értéke a mozgásnak egy időbeli függvénye</a:t>
+            </a:r>
+          </a:p>
+          <a:p>
+            <a:pPr lvl="1"/>
+            <a:r>
+              <a:rPr lang="hu-HU" dirty="0" smtClean="0"/>
+              <a:t>Képszekvencia mozgó objektumainak változásait írja le</a:t>
+            </a:r>
+          </a:p>
+          <a:p>
+            <a:pPr lvl="1"/>
+            <a:endParaRPr lang="hu-HU" dirty="0" smtClean="0"/>
+          </a:p>
+          <a:p>
+            <a:endParaRPr lang="hu-HU" dirty="0" smtClean="0"/>
+          </a:p>
+          <a:p>
+            <a:endParaRPr lang="en-US" dirty="0"/>
           </a:p>
         </p:txBody>
       </p:sp>
@@ -18610,10 +18938,324 @@
   <p:clrMapOvr>
     <a:masterClrMapping/>
   </p:clrMapOvr>
+  <p:timing>
+    <p:tnLst>
+      <p:par>
+        <p:cTn id="1" dur="indefinite" restart="never" nodeType="tmRoot"/>
+      </p:par>
+    </p:tnLst>
+  </p:timing>
 </p:sld>
 </file>
 
 <file path=ppt/slides/slide5.xml><?xml version="1.0" encoding="utf-8"?>
+<p:sld xmlns:a="http://schemas.openxmlformats.org/drawingml/2006/main" xmlns:r="http://schemas.openxmlformats.org/officeDocument/2006/relationships" xmlns:p="http://schemas.openxmlformats.org/presentationml/2006/main">
+  <p:cSld>
+    <p:spTree>
+      <p:nvGrpSpPr>
+        <p:cNvPr id="1" name=""/>
+        <p:cNvGrpSpPr/>
+        <p:nvPr/>
+      </p:nvGrpSpPr>
+      <p:grpSpPr>
+        <a:xfrm>
+          <a:off x="0" y="0"/>
+          <a:ext cx="0" cy="0"/>
+          <a:chOff x="0" y="0"/>
+          <a:chExt cx="0" cy="0"/>
+        </a:xfrm>
+      </p:grpSpPr>
+      <p:sp>
+        <p:nvSpPr>
+          <p:cNvPr id="2" name="Cím 1"/>
+          <p:cNvSpPr>
+            <a:spLocks noGrp="1"/>
+          </p:cNvSpPr>
+          <p:nvPr>
+            <p:ph type="title"/>
+          </p:nvPr>
+        </p:nvSpPr>
+        <p:spPr/>
+        <p:txBody>
+          <a:bodyPr/>
+          <a:lstStyle/>
+          <a:p>
+            <a:r>
+              <a:rPr lang="hu-HU" dirty="0" smtClean="0"/>
+              <a:t>Fejmozgás detektálása</a:t>
+            </a:r>
+            <a:endParaRPr lang="en-US" dirty="0"/>
+          </a:p>
+        </p:txBody>
+      </p:sp>
+      <p:sp>
+        <p:nvSpPr>
+          <p:cNvPr id="3" name="Tartalom helye 2"/>
+          <p:cNvSpPr>
+            <a:spLocks noGrp="1"/>
+          </p:cNvSpPr>
+          <p:nvPr>
+            <p:ph idx="1"/>
+          </p:nvPr>
+        </p:nvSpPr>
+        <p:spPr/>
+        <p:txBody>
+          <a:bodyPr/>
+          <a:lstStyle/>
+          <a:p>
+            <a:r>
+              <a:rPr lang="hu-HU" dirty="0" smtClean="0"/>
+              <a:t>MHI reprezentáció</a:t>
+            </a:r>
+          </a:p>
+          <a:p>
+            <a:r>
+              <a:rPr lang="hu-HU" dirty="0" smtClean="0"/>
+              <a:t>Maszk: azokat a régiókat jelöli ki, ahol mozgás volt az adott időpillanatban (</a:t>
+            </a:r>
+            <a:r>
+              <a:rPr lang="hu-HU" dirty="0" smtClean="0">
+                <a:sym typeface="Symbol"/>
+              </a:rPr>
+              <a:t></a:t>
+            </a:r>
+            <a:r>
+              <a:rPr lang="hu-HU" dirty="0" smtClean="0"/>
+              <a:t>)</a:t>
+            </a:r>
+          </a:p>
+          <a:p>
+            <a:pPr lvl="1"/>
+            <a:r>
+              <a:rPr lang="hu-HU" dirty="0" smtClean="0"/>
+              <a:t>Ahol mozgás volt, ott az összes pixel </a:t>
+            </a:r>
+            <a:r>
+              <a:rPr lang="hu-HU" dirty="0" smtClean="0">
+                <a:sym typeface="Symbol"/>
+              </a:rPr>
+              <a:t></a:t>
+            </a:r>
+            <a:r>
+              <a:rPr lang="hu-HU" dirty="0" smtClean="0"/>
+              <a:t> értéket vesz fel,</a:t>
+            </a:r>
+          </a:p>
+          <a:p>
+            <a:pPr lvl="1"/>
+            <a:r>
+              <a:rPr lang="hu-HU" dirty="0" smtClean="0"/>
+              <a:t>A többi fokozatosan elhalványul, majd törlődik.</a:t>
+            </a:r>
+            <a:r>
+              <a:rPr lang="hu-HU" dirty="0" smtClean="0"/>
+              <a:t> 	 </a:t>
+            </a:r>
+          </a:p>
+          <a:p>
+            <a:pPr lvl="1"/>
+            <a:endParaRPr lang="en-US" dirty="0"/>
+          </a:p>
+        </p:txBody>
+      </p:sp>
+      <p:sp>
+        <p:nvSpPr>
+          <p:cNvPr id="4" name="Dia számának helye 3"/>
+          <p:cNvSpPr>
+            <a:spLocks noGrp="1"/>
+          </p:cNvSpPr>
+          <p:nvPr>
+            <p:ph type="sldNum" sz="quarter" idx="11"/>
+          </p:nvPr>
+        </p:nvSpPr>
+        <p:spPr/>
+        <p:txBody>
+          <a:bodyPr/>
+          <a:lstStyle/>
+          <a:p>
+            <a:fld id="{9E9E5A1C-EDF7-40CE-9086-E60A1AAF709D}" type="slidenum">
+              <a:rPr lang="en-US" smtClean="0"/>
+              <a:pPr/>
+              <a:t>5</a:t>
+            </a:fld>
+            <a:endParaRPr lang="en-US"/>
+          </a:p>
+        </p:txBody>
+      </p:sp>
+      <p:pic>
+        <p:nvPicPr>
+          <p:cNvPr id="7" name="Kép 6"/>
+          <p:cNvPicPr>
+            <a:picLocks noChangeAspect="1"/>
+          </p:cNvPicPr>
+          <p:nvPr/>
+        </p:nvPicPr>
+        <p:blipFill>
+          <a:blip r:embed="rId3" cstate="print"/>
+          <a:srcRect/>
+          <a:stretch>
+            <a:fillRect/>
+          </a:stretch>
+        </p:blipFill>
+        <p:spPr bwMode="auto">
+          <a:xfrm>
+            <a:off x="2362200" y="4860000"/>
+            <a:ext cx="2490303" cy="1800000"/>
+          </a:xfrm>
+          <a:prstGeom prst="rect">
+            <a:avLst/>
+          </a:prstGeom>
+          <a:noFill/>
+          <a:ln w="9525">
+            <a:noFill/>
+            <a:miter lim="800000"/>
+            <a:headEnd/>
+            <a:tailEnd/>
+          </a:ln>
+        </p:spPr>
+      </p:pic>
+      <p:pic>
+        <p:nvPicPr>
+          <p:cNvPr id="8" name="Kép 7"/>
+          <p:cNvPicPr>
+            <a:picLocks noChangeAspect="1"/>
+          </p:cNvPicPr>
+          <p:nvPr/>
+        </p:nvPicPr>
+        <p:blipFill>
+          <a:blip r:embed="rId4" cstate="print"/>
+          <a:srcRect/>
+          <a:stretch>
+            <a:fillRect/>
+          </a:stretch>
+        </p:blipFill>
+        <p:spPr bwMode="auto">
+          <a:xfrm>
+            <a:off x="5562600" y="4860000"/>
+            <a:ext cx="2490304" cy="1800000"/>
+          </a:xfrm>
+          <a:prstGeom prst="rect">
+            <a:avLst/>
+          </a:prstGeom>
+          <a:noFill/>
+          <a:ln w="9525">
+            <a:noFill/>
+            <a:miter lim="800000"/>
+            <a:headEnd/>
+            <a:tailEnd/>
+          </a:ln>
+        </p:spPr>
+      </p:pic>
+    </p:spTree>
+  </p:cSld>
+  <p:clrMapOvr>
+    <a:masterClrMapping/>
+  </p:clrMapOvr>
+  <p:timing>
+    <p:tnLst>
+      <p:par>
+        <p:cTn id="1" dur="indefinite" restart="never" nodeType="tmRoot"/>
+      </p:par>
+    </p:tnLst>
+  </p:timing>
+</p:sld>
+</file>
+
+<file path=ppt/slides/slide6.xml><?xml version="1.0" encoding="utf-8"?>
+<p:sld xmlns:a="http://schemas.openxmlformats.org/drawingml/2006/main" xmlns:r="http://schemas.openxmlformats.org/officeDocument/2006/relationships" xmlns:p="http://schemas.openxmlformats.org/presentationml/2006/main">
+  <p:cSld>
+    <p:spTree>
+      <p:nvGrpSpPr>
+        <p:cNvPr id="1" name=""/>
+        <p:cNvGrpSpPr/>
+        <p:nvPr/>
+      </p:nvGrpSpPr>
+      <p:grpSpPr>
+        <a:xfrm>
+          <a:off x="0" y="0"/>
+          <a:ext cx="0" cy="0"/>
+          <a:chOff x="0" y="0"/>
+          <a:chExt cx="0" cy="0"/>
+        </a:xfrm>
+      </p:grpSpPr>
+      <p:sp>
+        <p:nvSpPr>
+          <p:cNvPr id="2" name="Cím 1"/>
+          <p:cNvSpPr>
+            <a:spLocks noGrp="1"/>
+          </p:cNvSpPr>
+          <p:nvPr>
+            <p:ph type="title"/>
+          </p:nvPr>
+        </p:nvSpPr>
+        <p:spPr/>
+        <p:txBody>
+          <a:bodyPr/>
+          <a:lstStyle/>
+          <a:p>
+            <a:endParaRPr lang="en-US"/>
+          </a:p>
+        </p:txBody>
+      </p:sp>
+      <p:sp>
+        <p:nvSpPr>
+          <p:cNvPr id="3" name="Tartalom helye 2"/>
+          <p:cNvSpPr>
+            <a:spLocks noGrp="1"/>
+          </p:cNvSpPr>
+          <p:nvPr>
+            <p:ph idx="1"/>
+          </p:nvPr>
+        </p:nvSpPr>
+        <p:spPr/>
+        <p:txBody>
+          <a:bodyPr/>
+          <a:lstStyle/>
+          <a:p>
+            <a:endParaRPr lang="en-US"/>
+          </a:p>
+        </p:txBody>
+      </p:sp>
+      <p:sp>
+        <p:nvSpPr>
+          <p:cNvPr id="4" name="Dia számának helye 3"/>
+          <p:cNvSpPr>
+            <a:spLocks noGrp="1"/>
+          </p:cNvSpPr>
+          <p:nvPr>
+            <p:ph type="sldNum" sz="quarter" idx="11"/>
+          </p:nvPr>
+        </p:nvSpPr>
+        <p:spPr/>
+        <p:txBody>
+          <a:bodyPr/>
+          <a:lstStyle/>
+          <a:p>
+            <a:fld id="{9E9E5A1C-EDF7-40CE-9086-E60A1AAF709D}" type="slidenum">
+              <a:rPr lang="en-US" smtClean="0"/>
+              <a:pPr/>
+              <a:t>6</a:t>
+            </a:fld>
+            <a:endParaRPr lang="en-US"/>
+          </a:p>
+        </p:txBody>
+      </p:sp>
+    </p:spTree>
+  </p:cSld>
+  <p:clrMapOvr>
+    <a:masterClrMapping/>
+  </p:clrMapOvr>
+  <p:timing>
+    <p:tnLst>
+      <p:par>
+        <p:cTn id="1" dur="indefinite" restart="never" nodeType="tmRoot"/>
+      </p:par>
+    </p:tnLst>
+  </p:timing>
+</p:sld>
+</file>
+
+<file path=ppt/slides/slide7.xml><?xml version="1.0" encoding="utf-8"?>
 <p:sld xmlns:a="http://schemas.openxmlformats.org/drawingml/2006/main" xmlns:r="http://schemas.openxmlformats.org/officeDocument/2006/relationships" xmlns:p="http://schemas.openxmlformats.org/presentationml/2006/main">
   <p:cSld>
     <p:spTree>
@@ -19692,6 +20334,289 @@
 </a:theme>
 </file>
 
+<file path=ppt/theme/theme11.xml><?xml version="1.0" encoding="utf-8"?>
+<a:theme xmlns:a="http://schemas.openxmlformats.org/drawingml/2006/main" name="Office-téma">
+  <a:themeElements>
+    <a:clrScheme name="Office">
+      <a:dk1>
+        <a:sysClr val="windowText" lastClr="000000"/>
+      </a:dk1>
+      <a:lt1>
+        <a:sysClr val="window" lastClr="FFFFFF"/>
+      </a:lt1>
+      <a:dk2>
+        <a:srgbClr val="1F497D"/>
+      </a:dk2>
+      <a:lt2>
+        <a:srgbClr val="EEECE1"/>
+      </a:lt2>
+      <a:accent1>
+        <a:srgbClr val="4F81BD"/>
+      </a:accent1>
+      <a:accent2>
+        <a:srgbClr val="C0504D"/>
+      </a:accent2>
+      <a:accent3>
+        <a:srgbClr val="9BBB59"/>
+      </a:accent3>
+      <a:accent4>
+        <a:srgbClr val="8064A2"/>
+      </a:accent4>
+      <a:accent5>
+        <a:srgbClr val="4BACC6"/>
+      </a:accent5>
+      <a:accent6>
+        <a:srgbClr val="F79646"/>
+      </a:accent6>
+      <a:hlink>
+        <a:srgbClr val="0000FF"/>
+      </a:hlink>
+      <a:folHlink>
+        <a:srgbClr val="800080"/>
+      </a:folHlink>
+    </a:clrScheme>
+    <a:fontScheme name="Office">
+      <a:majorFont>
+        <a:latin typeface="Calibri"/>
+        <a:ea typeface=""/>
+        <a:cs typeface=""/>
+        <a:font script="Jpan" typeface="ＭＳ Ｐゴシック"/>
+        <a:font script="Hang" typeface="맑은 고딕"/>
+        <a:font script="Hans" typeface="宋体"/>
+        <a:font script="Hant" typeface="新細明體"/>
+        <a:font script="Arab" typeface="Times New Roman"/>
+        <a:font script="Hebr" typeface="Times New Roman"/>
+        <a:font script="Thai" typeface="Angsana New"/>
+        <a:font script="Ethi" typeface="Nyala"/>
+        <a:font script="Beng" typeface="Vrinda"/>
+        <a:font script="Gujr" typeface="Shruti"/>
+        <a:font script="Khmr" typeface="MoolBoran"/>
+        <a:font script="Knda" typeface="Tunga"/>
+        <a:font script="Guru" typeface="Raavi"/>
+        <a:font script="Cans" typeface="Euphemia"/>
+        <a:font script="Cher" typeface="Plantagenet Cherokee"/>
+        <a:font script="Yiii" typeface="Microsoft Yi Baiti"/>
+        <a:font script="Tibt" typeface="Microsoft Himalaya"/>
+        <a:font script="Thaa" typeface="MV Boli"/>
+        <a:font script="Deva" typeface="Mangal"/>
+        <a:font script="Telu" typeface="Gautami"/>
+        <a:font script="Taml" typeface="Latha"/>
+        <a:font script="Syrc" typeface="Estrangelo Edessa"/>
+        <a:font script="Orya" typeface="Kalinga"/>
+        <a:font script="Mlym" typeface="Kartika"/>
+        <a:font script="Laoo" typeface="DokChampa"/>
+        <a:font script="Sinh" typeface="Iskoola Pota"/>
+        <a:font script="Mong" typeface="Mongolian Baiti"/>
+        <a:font script="Viet" typeface="Times New Roman"/>
+        <a:font script="Uigh" typeface="Microsoft Uighur"/>
+      </a:majorFont>
+      <a:minorFont>
+        <a:latin typeface="Calibri"/>
+        <a:ea typeface=""/>
+        <a:cs typeface=""/>
+        <a:font script="Jpan" typeface="ＭＳ Ｐゴシック"/>
+        <a:font script="Hang" typeface="맑은 고딕"/>
+        <a:font script="Hans" typeface="宋体"/>
+        <a:font script="Hant" typeface="新細明體"/>
+        <a:font script="Arab" typeface="Arial"/>
+        <a:font script="Hebr" typeface="Arial"/>
+        <a:font script="Thai" typeface="Cordia New"/>
+        <a:font script="Ethi" typeface="Nyala"/>
+        <a:font script="Beng" typeface="Vrinda"/>
+        <a:font script="Gujr" typeface="Shruti"/>
+        <a:font script="Khmr" typeface="DaunPenh"/>
+        <a:font script="Knda" typeface="Tunga"/>
+        <a:font script="Guru" typeface="Raavi"/>
+        <a:font script="Cans" typeface="Euphemia"/>
+        <a:font script="Cher" typeface="Plantagenet Cherokee"/>
+        <a:font script="Yiii" typeface="Microsoft Yi Baiti"/>
+        <a:font script="Tibt" typeface="Microsoft Himalaya"/>
+        <a:font script="Thaa" typeface="MV Boli"/>
+        <a:font script="Deva" typeface="Mangal"/>
+        <a:font script="Telu" typeface="Gautami"/>
+        <a:font script="Taml" typeface="Latha"/>
+        <a:font script="Syrc" typeface="Estrangelo Edessa"/>
+        <a:font script="Orya" typeface="Kalinga"/>
+        <a:font script="Mlym" typeface="Kartika"/>
+        <a:font script="Laoo" typeface="DokChampa"/>
+        <a:font script="Sinh" typeface="Iskoola Pota"/>
+        <a:font script="Mong" typeface="Mongolian Baiti"/>
+        <a:font script="Viet" typeface="Arial"/>
+        <a:font script="Uigh" typeface="Microsoft Uighur"/>
+      </a:minorFont>
+    </a:fontScheme>
+    <a:fmtScheme name="Office">
+      <a:fillStyleLst>
+        <a:solidFill>
+          <a:schemeClr val="phClr"/>
+        </a:solidFill>
+        <a:gradFill rotWithShape="1">
+          <a:gsLst>
+            <a:gs pos="0">
+              <a:schemeClr val="phClr">
+                <a:tint val="50000"/>
+                <a:satMod val="300000"/>
+              </a:schemeClr>
+            </a:gs>
+            <a:gs pos="35000">
+              <a:schemeClr val="phClr">
+                <a:tint val="37000"/>
+                <a:satMod val="300000"/>
+              </a:schemeClr>
+            </a:gs>
+            <a:gs pos="100000">
+              <a:schemeClr val="phClr">
+                <a:tint val="15000"/>
+                <a:satMod val="350000"/>
+              </a:schemeClr>
+            </a:gs>
+          </a:gsLst>
+          <a:lin ang="16200000" scaled="1"/>
+        </a:gradFill>
+        <a:gradFill rotWithShape="1">
+          <a:gsLst>
+            <a:gs pos="0">
+              <a:schemeClr val="phClr">
+                <a:shade val="51000"/>
+                <a:satMod val="130000"/>
+              </a:schemeClr>
+            </a:gs>
+            <a:gs pos="80000">
+              <a:schemeClr val="phClr">
+                <a:shade val="93000"/>
+                <a:satMod val="130000"/>
+              </a:schemeClr>
+            </a:gs>
+            <a:gs pos="100000">
+              <a:schemeClr val="phClr">
+                <a:shade val="94000"/>
+                <a:satMod val="135000"/>
+              </a:schemeClr>
+            </a:gs>
+          </a:gsLst>
+          <a:lin ang="16200000" scaled="0"/>
+        </a:gradFill>
+      </a:fillStyleLst>
+      <a:lnStyleLst>
+        <a:ln w="9525" cap="flat" cmpd="sng" algn="ctr">
+          <a:solidFill>
+            <a:schemeClr val="phClr">
+              <a:shade val="95000"/>
+              <a:satMod val="105000"/>
+            </a:schemeClr>
+          </a:solidFill>
+          <a:prstDash val="solid"/>
+        </a:ln>
+        <a:ln w="25400" cap="flat" cmpd="sng" algn="ctr">
+          <a:solidFill>
+            <a:schemeClr val="phClr"/>
+          </a:solidFill>
+          <a:prstDash val="solid"/>
+        </a:ln>
+        <a:ln w="38100" cap="flat" cmpd="sng" algn="ctr">
+          <a:solidFill>
+            <a:schemeClr val="phClr"/>
+          </a:solidFill>
+          <a:prstDash val="solid"/>
+        </a:ln>
+      </a:lnStyleLst>
+      <a:effectStyleLst>
+        <a:effectStyle>
+          <a:effectLst>
+            <a:outerShdw blurRad="40000" dist="20000" dir="5400000" rotWithShape="0">
+              <a:srgbClr val="000000">
+                <a:alpha val="38000"/>
+              </a:srgbClr>
+            </a:outerShdw>
+          </a:effectLst>
+        </a:effectStyle>
+        <a:effectStyle>
+          <a:effectLst>
+            <a:outerShdw blurRad="40000" dist="23000" dir="5400000" rotWithShape="0">
+              <a:srgbClr val="000000">
+                <a:alpha val="35000"/>
+              </a:srgbClr>
+            </a:outerShdw>
+          </a:effectLst>
+        </a:effectStyle>
+        <a:effectStyle>
+          <a:effectLst>
+            <a:outerShdw blurRad="40000" dist="23000" dir="5400000" rotWithShape="0">
+              <a:srgbClr val="000000">
+                <a:alpha val="35000"/>
+              </a:srgbClr>
+            </a:outerShdw>
+          </a:effectLst>
+          <a:scene3d>
+            <a:camera prst="orthographicFront">
+              <a:rot lat="0" lon="0" rev="0"/>
+            </a:camera>
+            <a:lightRig rig="threePt" dir="t">
+              <a:rot lat="0" lon="0" rev="1200000"/>
+            </a:lightRig>
+          </a:scene3d>
+          <a:sp3d>
+            <a:bevelT w="63500" h="25400"/>
+          </a:sp3d>
+        </a:effectStyle>
+      </a:effectStyleLst>
+      <a:bgFillStyleLst>
+        <a:solidFill>
+          <a:schemeClr val="phClr"/>
+        </a:solidFill>
+        <a:gradFill rotWithShape="1">
+          <a:gsLst>
+            <a:gs pos="0">
+              <a:schemeClr val="phClr">
+                <a:tint val="40000"/>
+                <a:satMod val="350000"/>
+              </a:schemeClr>
+            </a:gs>
+            <a:gs pos="40000">
+              <a:schemeClr val="phClr">
+                <a:tint val="45000"/>
+                <a:shade val="99000"/>
+                <a:satMod val="350000"/>
+              </a:schemeClr>
+            </a:gs>
+            <a:gs pos="100000">
+              <a:schemeClr val="phClr">
+                <a:shade val="20000"/>
+                <a:satMod val="255000"/>
+              </a:schemeClr>
+            </a:gs>
+          </a:gsLst>
+          <a:path path="circle">
+            <a:fillToRect l="50000" t="-80000" r="50000" b="180000"/>
+          </a:path>
+        </a:gradFill>
+        <a:gradFill rotWithShape="1">
+          <a:gsLst>
+            <a:gs pos="0">
+              <a:schemeClr val="phClr">
+                <a:tint val="80000"/>
+                <a:satMod val="300000"/>
+              </a:schemeClr>
+            </a:gs>
+            <a:gs pos="100000">
+              <a:schemeClr val="phClr">
+                <a:shade val="30000"/>
+                <a:satMod val="200000"/>
+              </a:schemeClr>
+            </a:gs>
+          </a:gsLst>
+          <a:path path="circle">
+            <a:fillToRect l="50000" t="50000" r="50000" b="50000"/>
+          </a:path>
+        </a:gradFill>
+      </a:bgFillStyleLst>
+    </a:fmtScheme>
+  </a:themeElements>
+  <a:objectDefaults/>
+  <a:extraClrSchemeLst/>
+</a:theme>
+</file>
+
 <file path=ppt/theme/theme2.xml><?xml version="1.0" encoding="utf-8"?>
 <a:theme xmlns:a="http://schemas.openxmlformats.org/drawingml/2006/main" name="2_Fejmozgás_meghatározása">
   <a:themeElements>

--- a/trunk/HeadMovement/research/kepaf/ppt/bertok.kornel.kepaf.2013.pptx
+++ b/trunk/HeadMovement/research/kepaf/ppt/bertok.kornel.kepaf.2013.pptx
@@ -13,10 +13,10 @@
     <p:sldMasterId id="2147483749" r:id="rId9"/>
   </p:sldMasterIdLst>
   <p:notesMasterIdLst>
-    <p:notesMasterId r:id="rId17"/>
+    <p:notesMasterId r:id="rId24"/>
   </p:notesMasterIdLst>
   <p:handoutMasterIdLst>
-    <p:handoutMasterId r:id="rId18"/>
+    <p:handoutMasterId r:id="rId25"/>
   </p:handoutMasterIdLst>
   <p:sldIdLst>
     <p:sldId id="256" r:id="rId10"/>
@@ -25,7 +25,14 @@
     <p:sldId id="270" r:id="rId13"/>
     <p:sldId id="271" r:id="rId14"/>
     <p:sldId id="272" r:id="rId15"/>
-    <p:sldId id="267" r:id="rId16"/>
+    <p:sldId id="273" r:id="rId16"/>
+    <p:sldId id="274" r:id="rId17"/>
+    <p:sldId id="275" r:id="rId18"/>
+    <p:sldId id="276" r:id="rId19"/>
+    <p:sldId id="277" r:id="rId20"/>
+    <p:sldId id="278" r:id="rId21"/>
+    <p:sldId id="279" r:id="rId22"/>
+    <p:sldId id="267" r:id="rId23"/>
   </p:sldIdLst>
   <p:sldSz cx="9144000" cy="6858000" type="screen4x3"/>
   <p:notesSz cx="6858000" cy="9144000"/>
@@ -239,7 +246,8 @@
           <a:p>
             <a:fld id="{9F882934-3326-4F95-A5C3-9CE2FA4385FB}" type="datetimeFigureOut">
               <a:rPr lang="en-US" smtClean="0"/>
-              <a:t>1/27/2013</a:t>
+              <a:pPr/>
+              <a:t>1/28/2013</a:t>
             </a:fld>
             <a:endParaRPr lang="en-US"/>
           </a:p>
@@ -305,6 +313,7 @@
           <a:p>
             <a:fld id="{B43749EB-DD32-49D4-80C5-CE65422CB43C}" type="slidenum">
               <a:rPr lang="en-US" smtClean="0"/>
+              <a:pPr/>
               <a:t>‹#›</a:t>
             </a:fld>
             <a:endParaRPr lang="en-US"/>
@@ -982,7 +991,7 @@
             <a:fld id="{80683E9A-DC9E-4481-B5DE-15A61F91974C}" type="slidenum">
               <a:rPr lang="en-US" smtClean="0"/>
               <a:pPr/>
-              <a:t>7</a:t>
+              <a:t>14</a:t>
             </a:fld>
             <a:endParaRPr lang="en-US"/>
           </a:p>
@@ -4191,7 +4200,7 @@
             <a:fld id="{C47046F5-0D2D-4F75-828A-F26A4AE1EC39}" type="datetime8">
               <a:rPr lang="hu-HU"/>
               <a:pPr/>
-              <a:t>2013.01.27. 12:47</a:t>
+              <a:t>2013.01.28. 16:17</a:t>
             </a:fld>
             <a:endParaRPr lang="en-US"/>
           </a:p>
@@ -4473,7 +4482,7 @@
             <a:fld id="{8E0ECF17-21A1-4F8E-B5FB-A38B67AB2214}" type="datetime8">
               <a:rPr lang="hu-HU"/>
               <a:pPr/>
-              <a:t>2013.01.27. 12:47</a:t>
+              <a:t>2013.01.28. 16:17</a:t>
             </a:fld>
             <a:endParaRPr lang="en-US"/>
           </a:p>
@@ -18465,6 +18474,529 @@
 </p:sld>
 </file>
 
+<file path=ppt/slides/slide10.xml><?xml version="1.0" encoding="utf-8"?>
+<p:sld xmlns:a="http://schemas.openxmlformats.org/drawingml/2006/main" xmlns:r="http://schemas.openxmlformats.org/officeDocument/2006/relationships" xmlns:p="http://schemas.openxmlformats.org/presentationml/2006/main">
+  <p:cSld>
+    <p:spTree>
+      <p:nvGrpSpPr>
+        <p:cNvPr id="1" name=""/>
+        <p:cNvGrpSpPr/>
+        <p:nvPr/>
+      </p:nvGrpSpPr>
+      <p:grpSpPr>
+        <a:xfrm>
+          <a:off x="0" y="0"/>
+          <a:ext cx="0" cy="0"/>
+          <a:chOff x="0" y="0"/>
+          <a:chExt cx="0" cy="0"/>
+        </a:xfrm>
+      </p:grpSpPr>
+      <p:sp>
+        <p:nvSpPr>
+          <p:cNvPr id="5" name="Cím 4"/>
+          <p:cNvSpPr>
+            <a:spLocks noGrp="1"/>
+          </p:cNvSpPr>
+          <p:nvPr>
+            <p:ph type="title"/>
+          </p:nvPr>
+        </p:nvSpPr>
+        <p:spPr/>
+        <p:txBody>
+          <a:bodyPr/>
+          <a:lstStyle/>
+          <a:p>
+            <a:r>
+              <a:rPr lang="hu-HU" dirty="0" smtClean="0"/>
+              <a:t>Gesztusfelismerés</a:t>
+            </a:r>
+            <a:endParaRPr lang="en-US" dirty="0"/>
+          </a:p>
+        </p:txBody>
+      </p:sp>
+      <p:sp>
+        <p:nvSpPr>
+          <p:cNvPr id="6" name="Tartalom helye 5"/>
+          <p:cNvSpPr>
+            <a:spLocks noGrp="1"/>
+          </p:cNvSpPr>
+          <p:nvPr>
+            <p:ph idx="1"/>
+          </p:nvPr>
+        </p:nvSpPr>
+        <p:spPr/>
+        <p:txBody>
+          <a:bodyPr/>
+          <a:lstStyle/>
+          <a:p>
+            <a:r>
+              <a:rPr lang="hu-HU" dirty="0" smtClean="0"/>
+              <a:t>Gesztus időbeli szegmentálása</a:t>
+            </a:r>
+          </a:p>
+          <a:p>
+            <a:pPr lvl="1"/>
+            <a:r>
+              <a:rPr lang="hu-HU" dirty="0" smtClean="0"/>
+              <a:t>MHI átlagintenzitás alapján</a:t>
+            </a:r>
+          </a:p>
+          <a:p>
+            <a:pPr lvl="1"/>
+            <a:r>
+              <a:rPr lang="hu-HU" dirty="0" smtClean="0"/>
+              <a:t>Szegmens: képkockák sorozata</a:t>
+            </a:r>
+          </a:p>
+          <a:p>
+            <a:pPr lvl="2"/>
+            <a:r>
+              <a:rPr lang="hu-HU" dirty="0" smtClean="0"/>
+              <a:t>Elhanyagolható átlagintenzitással a szekvencia elején és végén</a:t>
+            </a:r>
+          </a:p>
+          <a:p>
+            <a:r>
+              <a:rPr lang="hu-HU" dirty="0" smtClean="0"/>
+              <a:t>Gesztus: szekvencia szomszédos tagjaira számított szögek sorozata</a:t>
+            </a:r>
+          </a:p>
+          <a:p>
+            <a:pPr lvl="1"/>
+            <a:r>
+              <a:rPr lang="hu-HU" sz="2000" dirty="0" smtClean="0"/>
+              <a:t>{"fejrázás";  [90°,</a:t>
+            </a:r>
+            <a:r>
+              <a:rPr lang="hu-HU" sz="2000" dirty="0" err="1" smtClean="0"/>
+              <a:t>90°</a:t>
+            </a:r>
+            <a:r>
+              <a:rPr lang="hu-HU" sz="2000" dirty="0" smtClean="0"/>
+              <a:t>,</a:t>
+            </a:r>
+            <a:r>
+              <a:rPr lang="hu-HU" sz="2000" dirty="0" err="1" smtClean="0"/>
+              <a:t>90°</a:t>
+            </a:r>
+            <a:r>
+              <a:rPr lang="hu-HU" sz="2000" dirty="0" smtClean="0"/>
+              <a:t>,</a:t>
+            </a:r>
+            <a:r>
+              <a:rPr lang="hu-HU" sz="2000" dirty="0" err="1" smtClean="0"/>
+              <a:t>90°</a:t>
+            </a:r>
+            <a:r>
+              <a:rPr lang="hu-HU" sz="2000" dirty="0" smtClean="0"/>
+              <a:t>,270°,</a:t>
+            </a:r>
+            <a:r>
+              <a:rPr lang="hu-HU" sz="2000" dirty="0" err="1" smtClean="0"/>
+              <a:t>270°</a:t>
+            </a:r>
+            <a:r>
+              <a:rPr lang="hu-HU" sz="2000" dirty="0" smtClean="0"/>
+              <a:t>,</a:t>
+            </a:r>
+            <a:r>
+              <a:rPr lang="hu-HU" sz="2000" dirty="0" err="1" smtClean="0"/>
+              <a:t>270°</a:t>
+            </a:r>
+            <a:r>
+              <a:rPr lang="hu-HU" sz="2000" dirty="0" smtClean="0"/>
+              <a:t>,225°,135°]}</a:t>
+            </a:r>
+          </a:p>
+          <a:p>
+            <a:pPr lvl="1"/>
+            <a:endParaRPr lang="en-US" dirty="0"/>
+          </a:p>
+        </p:txBody>
+      </p:sp>
+      <p:sp>
+        <p:nvSpPr>
+          <p:cNvPr id="4" name="Dia számának helye 3"/>
+          <p:cNvSpPr>
+            <a:spLocks noGrp="1"/>
+          </p:cNvSpPr>
+          <p:nvPr>
+            <p:ph type="sldNum" sz="quarter" idx="11"/>
+          </p:nvPr>
+        </p:nvSpPr>
+        <p:spPr/>
+        <p:txBody>
+          <a:bodyPr/>
+          <a:lstStyle/>
+          <a:p>
+            <a:fld id="{22E22E5D-D770-43BC-AE42-B297AEBDF44E}" type="slidenum">
+              <a:rPr lang="en-US" smtClean="0"/>
+              <a:pPr/>
+              <a:t>10</a:t>
+            </a:fld>
+            <a:endParaRPr lang="en-US"/>
+          </a:p>
+        </p:txBody>
+      </p:sp>
+    </p:spTree>
+  </p:cSld>
+  <p:clrMapOvr>
+    <a:masterClrMapping/>
+  </p:clrMapOvr>
+</p:sld>
+</file>
+
+<file path=ppt/slides/slide11.xml><?xml version="1.0" encoding="utf-8"?>
+<p:sld xmlns:a="http://schemas.openxmlformats.org/drawingml/2006/main" xmlns:r="http://schemas.openxmlformats.org/officeDocument/2006/relationships" xmlns:p="http://schemas.openxmlformats.org/presentationml/2006/main">
+  <p:cSld>
+    <p:spTree>
+      <p:nvGrpSpPr>
+        <p:cNvPr id="1" name=""/>
+        <p:cNvGrpSpPr/>
+        <p:nvPr/>
+      </p:nvGrpSpPr>
+      <p:grpSpPr>
+        <a:xfrm>
+          <a:off x="0" y="0"/>
+          <a:ext cx="0" cy="0"/>
+          <a:chOff x="0" y="0"/>
+          <a:chExt cx="0" cy="0"/>
+        </a:xfrm>
+      </p:grpSpPr>
+      <p:sp>
+        <p:nvSpPr>
+          <p:cNvPr id="2" name="Cím 1"/>
+          <p:cNvSpPr>
+            <a:spLocks noGrp="1"/>
+          </p:cNvSpPr>
+          <p:nvPr>
+            <p:ph type="title"/>
+          </p:nvPr>
+        </p:nvSpPr>
+        <p:spPr/>
+        <p:txBody>
+          <a:bodyPr/>
+          <a:lstStyle/>
+          <a:p>
+            <a:r>
+              <a:rPr lang="hu-HU" dirty="0" smtClean="0"/>
+              <a:t>Gesztusadatbázis</a:t>
+            </a:r>
+            <a:endParaRPr lang="en-US" dirty="0"/>
+          </a:p>
+        </p:txBody>
+      </p:sp>
+      <p:sp>
+        <p:nvSpPr>
+          <p:cNvPr id="5" name="Tartalom helye 4"/>
+          <p:cNvSpPr>
+            <a:spLocks noGrp="1"/>
+          </p:cNvSpPr>
+          <p:nvPr>
+            <p:ph idx="1"/>
+          </p:nvPr>
+        </p:nvSpPr>
+        <p:spPr/>
+        <p:txBody>
+          <a:bodyPr/>
+          <a:lstStyle/>
+          <a:p>
+            <a:endParaRPr lang="en-US"/>
+          </a:p>
+        </p:txBody>
+      </p:sp>
+      <p:sp>
+        <p:nvSpPr>
+          <p:cNvPr id="4" name="Dia számának helye 3"/>
+          <p:cNvSpPr>
+            <a:spLocks noGrp="1"/>
+          </p:cNvSpPr>
+          <p:nvPr>
+            <p:ph type="sldNum" sz="quarter" idx="11"/>
+          </p:nvPr>
+        </p:nvSpPr>
+        <p:spPr/>
+        <p:txBody>
+          <a:bodyPr/>
+          <a:lstStyle/>
+          <a:p>
+            <a:fld id="{542D1DA9-52F1-4142-B312-8F3B3A48E1E0}" type="slidenum">
+              <a:rPr lang="en-US" smtClean="0"/>
+              <a:pPr/>
+              <a:t>11</a:t>
+            </a:fld>
+            <a:endParaRPr lang="en-US"/>
+          </a:p>
+        </p:txBody>
+      </p:sp>
+    </p:spTree>
+  </p:cSld>
+  <p:clrMapOvr>
+    <a:masterClrMapping/>
+  </p:clrMapOvr>
+</p:sld>
+</file>
+
+<file path=ppt/slides/slide12.xml><?xml version="1.0" encoding="utf-8"?>
+<p:sld xmlns:a="http://schemas.openxmlformats.org/drawingml/2006/main" xmlns:r="http://schemas.openxmlformats.org/officeDocument/2006/relationships" xmlns:p="http://schemas.openxmlformats.org/presentationml/2006/main">
+  <p:cSld>
+    <p:spTree>
+      <p:nvGrpSpPr>
+        <p:cNvPr id="1" name=""/>
+        <p:cNvGrpSpPr/>
+        <p:nvPr/>
+      </p:nvGrpSpPr>
+      <p:grpSpPr>
+        <a:xfrm>
+          <a:off x="0" y="0"/>
+          <a:ext cx="0" cy="0"/>
+          <a:chOff x="0" y="0"/>
+          <a:chExt cx="0" cy="0"/>
+        </a:xfrm>
+      </p:grpSpPr>
+      <p:sp>
+        <p:nvSpPr>
+          <p:cNvPr id="2" name="Cím 1"/>
+          <p:cNvSpPr>
+            <a:spLocks noGrp="1"/>
+          </p:cNvSpPr>
+          <p:nvPr>
+            <p:ph type="title"/>
+          </p:nvPr>
+        </p:nvSpPr>
+        <p:spPr/>
+        <p:txBody>
+          <a:bodyPr/>
+          <a:lstStyle/>
+          <a:p>
+            <a:r>
+              <a:rPr lang="hu-HU" dirty="0" smtClean="0"/>
+              <a:t>DTW</a:t>
+            </a:r>
+            <a:endParaRPr lang="en-US" dirty="0"/>
+          </a:p>
+        </p:txBody>
+      </p:sp>
+      <p:sp>
+        <p:nvSpPr>
+          <p:cNvPr id="5" name="Tartalom helye 4"/>
+          <p:cNvSpPr>
+            <a:spLocks noGrp="1"/>
+          </p:cNvSpPr>
+          <p:nvPr>
+            <p:ph idx="1"/>
+          </p:nvPr>
+        </p:nvSpPr>
+        <p:spPr/>
+        <p:txBody>
+          <a:bodyPr/>
+          <a:lstStyle/>
+          <a:p>
+            <a:endParaRPr lang="en-US"/>
+          </a:p>
+        </p:txBody>
+      </p:sp>
+      <p:sp>
+        <p:nvSpPr>
+          <p:cNvPr id="4" name="Dia számának helye 3"/>
+          <p:cNvSpPr>
+            <a:spLocks noGrp="1"/>
+          </p:cNvSpPr>
+          <p:nvPr>
+            <p:ph type="sldNum" sz="quarter" idx="11"/>
+          </p:nvPr>
+        </p:nvSpPr>
+        <p:spPr/>
+        <p:txBody>
+          <a:bodyPr/>
+          <a:lstStyle/>
+          <a:p>
+            <a:fld id="{542D1DA9-52F1-4142-B312-8F3B3A48E1E0}" type="slidenum">
+              <a:rPr lang="en-US" smtClean="0"/>
+              <a:pPr/>
+              <a:t>12</a:t>
+            </a:fld>
+            <a:endParaRPr lang="en-US"/>
+          </a:p>
+        </p:txBody>
+      </p:sp>
+    </p:spTree>
+  </p:cSld>
+  <p:clrMapOvr>
+    <a:masterClrMapping/>
+  </p:clrMapOvr>
+</p:sld>
+</file>
+
+<file path=ppt/slides/slide13.xml><?xml version="1.0" encoding="utf-8"?>
+<p:sld xmlns:a="http://schemas.openxmlformats.org/drawingml/2006/main" xmlns:r="http://schemas.openxmlformats.org/officeDocument/2006/relationships" xmlns:p="http://schemas.openxmlformats.org/presentationml/2006/main">
+  <p:cSld>
+    <p:spTree>
+      <p:nvGrpSpPr>
+        <p:cNvPr id="1" name=""/>
+        <p:cNvGrpSpPr/>
+        <p:nvPr/>
+      </p:nvGrpSpPr>
+      <p:grpSpPr>
+        <a:xfrm>
+          <a:off x="0" y="0"/>
+          <a:ext cx="0" cy="0"/>
+          <a:chOff x="0" y="0"/>
+          <a:chExt cx="0" cy="0"/>
+        </a:xfrm>
+      </p:grpSpPr>
+      <p:sp>
+        <p:nvSpPr>
+          <p:cNvPr id="2" name="Cím 1"/>
+          <p:cNvSpPr>
+            <a:spLocks noGrp="1"/>
+          </p:cNvSpPr>
+          <p:nvPr>
+            <p:ph type="title"/>
+          </p:nvPr>
+        </p:nvSpPr>
+        <p:spPr/>
+        <p:txBody>
+          <a:bodyPr/>
+          <a:lstStyle/>
+          <a:p>
+            <a:r>
+              <a:rPr lang="hu-HU" dirty="0" smtClean="0"/>
+              <a:t>Eredmények</a:t>
+            </a:r>
+            <a:endParaRPr lang="en-US" dirty="0"/>
+          </a:p>
+        </p:txBody>
+      </p:sp>
+      <p:sp>
+        <p:nvSpPr>
+          <p:cNvPr id="6" name="Tartalom helye 5"/>
+          <p:cNvSpPr>
+            <a:spLocks noGrp="1"/>
+          </p:cNvSpPr>
+          <p:nvPr>
+            <p:ph idx="1"/>
+          </p:nvPr>
+        </p:nvSpPr>
+        <p:spPr/>
+        <p:txBody>
+          <a:bodyPr/>
+          <a:lstStyle/>
+          <a:p>
+            <a:endParaRPr lang="en-US"/>
+          </a:p>
+        </p:txBody>
+      </p:sp>
+      <p:sp>
+        <p:nvSpPr>
+          <p:cNvPr id="5" name="Dia számának helye 4"/>
+          <p:cNvSpPr>
+            <a:spLocks noGrp="1"/>
+          </p:cNvSpPr>
+          <p:nvPr>
+            <p:ph type="sldNum" sz="quarter" idx="11"/>
+          </p:nvPr>
+        </p:nvSpPr>
+        <p:spPr/>
+        <p:txBody>
+          <a:bodyPr/>
+          <a:lstStyle/>
+          <a:p>
+            <a:fld id="{6D1DA897-3744-4D5B-9984-8F2633B79E23}" type="slidenum">
+              <a:rPr lang="en-US" smtClean="0"/>
+              <a:pPr/>
+              <a:t>13</a:t>
+            </a:fld>
+            <a:endParaRPr lang="en-US"/>
+          </a:p>
+        </p:txBody>
+      </p:sp>
+    </p:spTree>
+  </p:cSld>
+  <p:clrMapOvr>
+    <a:masterClrMapping/>
+  </p:clrMapOvr>
+</p:sld>
+</file>
+
+<file path=ppt/slides/slide14.xml><?xml version="1.0" encoding="utf-8"?>
+<p:sld xmlns:a="http://schemas.openxmlformats.org/drawingml/2006/main" xmlns:r="http://schemas.openxmlformats.org/officeDocument/2006/relationships" xmlns:p="http://schemas.openxmlformats.org/presentationml/2006/main">
+  <p:cSld>
+    <p:spTree>
+      <p:nvGrpSpPr>
+        <p:cNvPr id="1" name=""/>
+        <p:cNvGrpSpPr/>
+        <p:nvPr/>
+      </p:nvGrpSpPr>
+      <p:grpSpPr>
+        <a:xfrm>
+          <a:off x="0" y="0"/>
+          <a:ext cx="0" cy="0"/>
+          <a:chOff x="0" y="0"/>
+          <a:chExt cx="0" cy="0"/>
+        </a:xfrm>
+      </p:grpSpPr>
+      <p:sp>
+        <p:nvSpPr>
+          <p:cNvPr id="6" name="Cím 5"/>
+          <p:cNvSpPr>
+            <a:spLocks noGrp="1"/>
+          </p:cNvSpPr>
+          <p:nvPr>
+            <p:ph type="ctrTitle"/>
+          </p:nvPr>
+        </p:nvSpPr>
+        <p:spPr/>
+        <p:txBody>
+          <a:bodyPr/>
+          <a:lstStyle/>
+          <a:p>
+            <a:r>
+              <a:rPr lang="hu-HU" dirty="0" smtClean="0">
+                <a:solidFill>
+                  <a:srgbClr val="AC8623"/>
+                </a:solidFill>
+              </a:rPr>
+              <a:t>Köszönöm a figyelmet!</a:t>
+            </a:r>
+            <a:endParaRPr lang="en-US" dirty="0"/>
+          </a:p>
+        </p:txBody>
+      </p:sp>
+      <p:sp>
+        <p:nvSpPr>
+          <p:cNvPr id="4" name="Alcím 3"/>
+          <p:cNvSpPr>
+            <a:spLocks noGrp="1"/>
+          </p:cNvSpPr>
+          <p:nvPr>
+            <p:ph type="subTitle" idx="1"/>
+          </p:nvPr>
+        </p:nvSpPr>
+        <p:spPr/>
+        <p:txBody>
+          <a:bodyPr/>
+          <a:lstStyle/>
+          <a:p>
+            <a:endParaRPr lang="en-US"/>
+          </a:p>
+        </p:txBody>
+      </p:sp>
+    </p:spTree>
+  </p:cSld>
+  <p:clrMapOvr>
+    <a:masterClrMapping/>
+  </p:clrMapOvr>
+  <p:timing>
+    <p:tnLst>
+      <p:par>
+        <p:cTn id="1" dur="indefinite" restart="never" nodeType="tmRoot"/>
+      </p:par>
+    </p:tnLst>
+  </p:timing>
+</p:sld>
+</file>
+
 <file path=ppt/slides/slide2.xml><?xml version="1.0" encoding="utf-8"?>
 <p:sld xmlns:a="http://schemas.openxmlformats.org/drawingml/2006/main" xmlns:r="http://schemas.openxmlformats.org/officeDocument/2006/relationships" xmlns:p="http://schemas.openxmlformats.org/presentationml/2006/main">
   <p:cSld>
@@ -18522,30 +19054,14 @@
           <a:p>
             <a:r>
               <a:rPr lang="hu-HU" dirty="0" smtClean="0"/>
-              <a:t>Gesztusfelismerő </a:t>
-            </a:r>
+              <a:t>Gesztusfelismerő rendszer</a:t>
+            </a:r>
+          </a:p>
+          <a:p>
+            <a:pPr lvl="1"/>
             <a:r>
               <a:rPr lang="hu-HU" dirty="0" smtClean="0"/>
-              <a:t>rendszer</a:t>
-            </a:r>
-          </a:p>
-          <a:p>
-            <a:pPr lvl="1"/>
-            <a:r>
-              <a:rPr lang="hu-HU" dirty="0" smtClean="0"/>
-              <a:t>T</a:t>
-            </a:r>
-            <a:r>
-              <a:rPr lang="hu-HU" dirty="0" smtClean="0"/>
-              <a:t>udatos </a:t>
-            </a:r>
-            <a:r>
-              <a:rPr lang="hu-HU" dirty="0" smtClean="0"/>
-              <a:t>fejmozgások, mint mozdulatsorok </a:t>
-            </a:r>
-            <a:r>
-              <a:rPr lang="hu-HU" dirty="0" smtClean="0"/>
-              <a:t>felismerése</a:t>
+              <a:t>Tudatos fejmozgások, mint mozdulatsorok felismerése</a:t>
             </a:r>
           </a:p>
           <a:p>
@@ -18553,19 +19069,13 @@
               <a:rPr lang="hu-HU" dirty="0" smtClean="0"/>
               <a:t>Gesztus definiálása</a:t>
             </a:r>
-            <a:endParaRPr lang="hu-HU" dirty="0" smtClean="0"/>
           </a:p>
           <a:p>
             <a:pPr lvl="1"/>
             <a:r>
               <a:rPr lang="hu-HU" dirty="0" smtClean="0"/>
-              <a:t>Hatékony </a:t>
-            </a:r>
-            <a:r>
-              <a:rPr lang="hu-HU" dirty="0" smtClean="0"/>
-              <a:t>reprezentáció: térben és időben</a:t>
-            </a:r>
-            <a:endParaRPr lang="hu-HU" dirty="0" smtClean="0"/>
+              <a:t>Hatékony reprezentáció: térben és időben</a:t>
+            </a:r>
           </a:p>
           <a:p>
             <a:pPr lvl="1"/>
@@ -18577,11 +19087,7 @@
           <a:p>
             <a:r>
               <a:rPr lang="hu-HU" dirty="0" smtClean="0"/>
-              <a:t>Gesztus </a:t>
-            </a:r>
-            <a:r>
-              <a:rPr lang="hu-HU" dirty="0" smtClean="0"/>
-              <a:t>adatbázis</a:t>
+              <a:t>Gesztus adatbázis</a:t>
             </a:r>
           </a:p>
           <a:p>
@@ -18703,26 +19209,14 @@
             <a:pPr lvl="1"/>
             <a:r>
               <a:rPr lang="hu-HU" dirty="0" smtClean="0"/>
-              <a:t>Tudatos </a:t>
-            </a:r>
+              <a:t>Tudatos mozgás: 3-5 sec hosszúságú</a:t>
+            </a:r>
+          </a:p>
+          <a:p>
+            <a:pPr lvl="1"/>
             <a:r>
               <a:rPr lang="hu-HU" dirty="0" smtClean="0"/>
-              <a:t>mozgás</a:t>
-            </a:r>
-            <a:r>
-              <a:rPr lang="hu-HU" dirty="0" smtClean="0"/>
-              <a:t>: 3-5 sec hosszúságú</a:t>
-            </a:r>
-          </a:p>
-          <a:p>
-            <a:pPr lvl="1"/>
-            <a:r>
-              <a:rPr lang="hu-HU" dirty="0" smtClean="0"/>
-              <a:t>Mozdulatok </a:t>
-            </a:r>
-            <a:r>
-              <a:rPr lang="hu-HU" dirty="0" smtClean="0"/>
-              <a:t>eltérő ütemben történő végrehajtása</a:t>
+              <a:t>Mozdulatok eltérő ütemben történő végrehajtása</a:t>
             </a:r>
           </a:p>
           <a:p>
@@ -18731,7 +19225,6 @@
               <a:rPr lang="hu-HU" dirty="0" smtClean="0"/>
               <a:t>Nem-lineáris illesztés</a:t>
             </a:r>
-            <a:endParaRPr lang="hu-HU" dirty="0" smtClean="0"/>
           </a:p>
           <a:p>
             <a:r>
@@ -18750,17 +19243,8 @@
             <a:pPr lvl="1"/>
             <a:r>
               <a:rPr lang="hu-HU" dirty="0" smtClean="0"/>
-              <a:t>Kis </a:t>
-            </a:r>
-            <a:r>
-              <a:rPr lang="hu-HU" dirty="0" smtClean="0"/>
-              <a:t>számú adat </a:t>
-            </a:r>
-            <a:r>
-              <a:rPr lang="hu-HU" dirty="0" smtClean="0"/>
-              <a:t>alapján kell megkülönböztetni a gesztusokat</a:t>
-            </a:r>
-            <a:endParaRPr lang="hu-HU" dirty="0" smtClean="0"/>
+              <a:t>Kis számú adat alapján kell megkülönböztetni a gesztusokat</a:t>
+            </a:r>
           </a:p>
         </p:txBody>
       </p:sp>
@@ -19009,6 +19493,7 @@
             </a:r>
           </a:p>
           <a:p>
+            <a:pPr lvl="1"/>
             <a:r>
               <a:rPr lang="hu-HU" dirty="0" smtClean="0"/>
               <a:t>Maszk: azokat a régiókat jelöli ki, ahol mozgás volt az adott időpillanatban (</a:t>
@@ -19045,12 +19530,13 @@
             <a:pPr lvl="1"/>
             <a:r>
               <a:rPr lang="hu-HU" dirty="0" smtClean="0"/>
-              <a:t>A többi fokozatosan elhalványul, majd törlődik.</a:t>
+              <a:t>A többi fokozatosan elhalványul, majd törlődik</a:t>
             </a:r>
             <a:r>
               <a:rPr lang="hu-HU" dirty="0" smtClean="0"/>
-              <a:t> 	 </a:t>
-            </a:r>
+              <a:t>.</a:t>
+            </a:r>
+            <a:endParaRPr lang="hu-HU" dirty="0" smtClean="0"/>
           </a:p>
           <a:p>
             <a:pPr lvl="1"/>
@@ -19082,11 +19568,125 @@
           </a:p>
         </p:txBody>
       </p:sp>
+      <p:sp>
+        <p:nvSpPr>
+          <p:cNvPr id="1028" name="Rectangle 4"/>
+          <p:cNvSpPr>
+            <a:spLocks noChangeArrowheads="1"/>
+          </p:cNvSpPr>
+          <p:nvPr/>
+        </p:nvSpPr>
+        <p:spPr bwMode="auto">
+          <a:xfrm>
+            <a:off x="0" y="0"/>
+            <a:ext cx="9144000" cy="0"/>
+          </a:xfrm>
+          <a:prstGeom prst="rect">
+            <a:avLst/>
+          </a:prstGeom>
+          <a:noFill/>
+          <a:ln w="9525">
+            <a:noFill/>
+            <a:miter lim="800000"/>
+            <a:headEnd/>
+            <a:tailEnd/>
+          </a:ln>
+          <a:effectLst/>
+        </p:spPr>
+        <p:txBody>
+          <a:bodyPr vert="horz" wrap="none" lIns="91440" tIns="45720" rIns="91440" bIns="45720" numCol="1" anchor="ctr" anchorCtr="0" compatLnSpc="1">
+            <a:prstTxWarp prst="textNoShape">
+              <a:avLst/>
+            </a:prstTxWarp>
+            <a:spAutoFit/>
+          </a:bodyPr>
+          <a:lstStyle/>
+          <a:p>
+            <a:endParaRPr lang="en-US"/>
+          </a:p>
+        </p:txBody>
+      </p:sp>
+      <p:sp>
+        <p:nvSpPr>
+          <p:cNvPr id="1030" name="Rectangle 6"/>
+          <p:cNvSpPr>
+            <a:spLocks noChangeArrowheads="1"/>
+          </p:cNvSpPr>
+          <p:nvPr/>
+        </p:nvSpPr>
+        <p:spPr bwMode="auto">
+          <a:xfrm>
+            <a:off x="0" y="0"/>
+            <a:ext cx="9144000" cy="0"/>
+          </a:xfrm>
+          <a:prstGeom prst="rect">
+            <a:avLst/>
+          </a:prstGeom>
+          <a:noFill/>
+          <a:ln w="9525">
+            <a:noFill/>
+            <a:miter lim="800000"/>
+            <a:headEnd/>
+            <a:tailEnd/>
+          </a:ln>
+          <a:effectLst/>
+        </p:spPr>
+        <p:txBody>
+          <a:bodyPr vert="horz" wrap="none" lIns="91440" tIns="45720" rIns="91440" bIns="45720" numCol="1" anchor="ctr" anchorCtr="0" compatLnSpc="1">
+            <a:prstTxWarp prst="textNoShape">
+              <a:avLst/>
+            </a:prstTxWarp>
+            <a:spAutoFit/>
+          </a:bodyPr>
+          <a:lstStyle/>
+          <a:p>
+            <a:endParaRPr lang="en-US"/>
+          </a:p>
+        </p:txBody>
+      </p:sp>
+      <p:sp>
+        <p:nvSpPr>
+          <p:cNvPr id="1032" name="Rectangle 8"/>
+          <p:cNvSpPr>
+            <a:spLocks noChangeArrowheads="1"/>
+          </p:cNvSpPr>
+          <p:nvPr/>
+        </p:nvSpPr>
+        <p:spPr bwMode="auto">
+          <a:xfrm>
+            <a:off x="0" y="0"/>
+            <a:ext cx="9144000" cy="0"/>
+          </a:xfrm>
+          <a:prstGeom prst="rect">
+            <a:avLst/>
+          </a:prstGeom>
+          <a:noFill/>
+          <a:ln w="9525">
+            <a:noFill/>
+            <a:miter lim="800000"/>
+            <a:headEnd/>
+            <a:tailEnd/>
+          </a:ln>
+          <a:effectLst/>
+        </p:spPr>
+        <p:txBody>
+          <a:bodyPr vert="horz" wrap="none" lIns="91440" tIns="45720" rIns="91440" bIns="45720" numCol="1" anchor="ctr" anchorCtr="0" compatLnSpc="1">
+            <a:prstTxWarp prst="textNoShape">
+              <a:avLst/>
+            </a:prstTxWarp>
+            <a:spAutoFit/>
+          </a:bodyPr>
+          <a:lstStyle/>
+          <a:p>
+            <a:endParaRPr lang="en-US"/>
+          </a:p>
+        </p:txBody>
+      </p:sp>
       <p:pic>
         <p:nvPicPr>
-          <p:cNvPr id="7" name="Kép 6"/>
+          <p:cNvPr id="1033" name="Picture 9"/>
           <p:cNvPicPr>
-            <a:picLocks noChangeAspect="1"/>
+            <a:picLocks noChangeAspect="1" noChangeArrowheads="1"/>
           </p:cNvPicPr>
           <p:nvPr/>
         </p:nvPicPr>
@@ -19099,40 +19699,8 @@
         </p:blipFill>
         <p:spPr bwMode="auto">
           <a:xfrm>
-            <a:off x="2362200" y="4860000"/>
-            <a:ext cx="2490303" cy="1800000"/>
-          </a:xfrm>
-          <a:prstGeom prst="rect">
-            <a:avLst/>
-          </a:prstGeom>
-          <a:noFill/>
-          <a:ln w="9525">
-            <a:noFill/>
-            <a:miter lim="800000"/>
-            <a:headEnd/>
-            <a:tailEnd/>
-          </a:ln>
-        </p:spPr>
-      </p:pic>
-      <p:pic>
-        <p:nvPicPr>
-          <p:cNvPr id="8" name="Kép 7"/>
-          <p:cNvPicPr>
-            <a:picLocks noChangeAspect="1"/>
-          </p:cNvPicPr>
-          <p:nvPr/>
-        </p:nvPicPr>
-        <p:blipFill>
-          <a:blip r:embed="rId4" cstate="print"/>
-          <a:srcRect/>
-          <a:stretch>
-            <a:fillRect/>
-          </a:stretch>
-        </p:blipFill>
-        <p:spPr bwMode="auto">
-          <a:xfrm>
-            <a:off x="5562600" y="4860000"/>
-            <a:ext cx="2490304" cy="1800000"/>
+            <a:off x="2628000" y="4644000"/>
+            <a:ext cx="5252728" cy="1980000"/>
           </a:xfrm>
           <a:prstGeom prst="rect">
             <a:avLst/>
@@ -19193,7 +19761,15 @@
           <a:bodyPr/>
           <a:lstStyle/>
           <a:p>
-            <a:endParaRPr lang="en-US"/>
+            <a:r>
+              <a:rPr lang="hu-HU" dirty="0" smtClean="0"/>
+              <a:t>Fejmozgás </a:t>
+            </a:r>
+            <a:r>
+              <a:rPr lang="hu-HU" dirty="0" smtClean="0"/>
+              <a:t>iránya</a:t>
+            </a:r>
+            <a:endParaRPr lang="en-US" dirty="0"/>
           </a:p>
         </p:txBody>
       </p:sp>
@@ -19212,7 +19788,44 @@
           <a:bodyPr/>
           <a:lstStyle/>
           <a:p>
-            <a:endParaRPr lang="en-US"/>
+            <a:r>
+              <a:rPr lang="hu-HU" dirty="0" smtClean="0"/>
+              <a:t>MHI reprezentáció</a:t>
+            </a:r>
+          </a:p>
+          <a:p>
+            <a:pPr lvl="1"/>
+            <a:r>
+              <a:rPr lang="hu-HU" dirty="0" smtClean="0"/>
+              <a:t>A fej mozgását írja le 5 egymást követő képkockán</a:t>
+            </a:r>
+          </a:p>
+          <a:p>
+            <a:pPr lvl="1"/>
+            <a:r>
+              <a:rPr lang="hu-HU" dirty="0" smtClean="0"/>
+              <a:t>Mozgás gradiens: fejpozíció megváltozásának iránya</a:t>
+            </a:r>
+          </a:p>
+          <a:p>
+            <a:pPr lvl="2"/>
+            <a:r>
+              <a:rPr lang="hu-HU" dirty="0" smtClean="0"/>
+              <a:t>Gyakorlati tapasztalat: nem elég stabil</a:t>
+            </a:r>
+          </a:p>
+          <a:p>
+            <a:pPr lvl="2"/>
+            <a:r>
+              <a:rPr lang="hu-HU" dirty="0" smtClean="0"/>
+              <a:t>Kicsi az arc felbontása</a:t>
+            </a:r>
+          </a:p>
+          <a:p>
+            <a:r>
+              <a:rPr lang="hu-HU" dirty="0" smtClean="0"/>
+              <a:t>Feladat: a mozgás tekintetében hasznos régiók meghatározása</a:t>
+            </a:r>
           </a:p>
         </p:txBody>
       </p:sp>
@@ -19274,12 +19887,12 @@
       </p:grpSpPr>
       <p:sp>
         <p:nvSpPr>
-          <p:cNvPr id="6" name="Cím 5"/>
+          <p:cNvPr id="2" name="Cím 1"/>
           <p:cNvSpPr>
             <a:spLocks noGrp="1"/>
           </p:cNvSpPr>
           <p:nvPr>
-            <p:ph type="ctrTitle"/>
+            <p:ph type="title"/>
           </p:nvPr>
         </p:nvSpPr>
         <p:spPr/>
@@ -19288,12 +19901,8 @@
           <a:lstStyle/>
           <a:p>
             <a:r>
-              <a:rPr lang="hu-HU" dirty="0" smtClean="0">
-                <a:solidFill>
-                  <a:srgbClr val="AC8623"/>
-                </a:solidFill>
-              </a:rPr>
-              <a:t>Köszönöm a figyelmet!</a:t>
+              <a:rPr lang="hu-HU" dirty="0" smtClean="0"/>
+              <a:t>Fejmozgás iránya</a:t>
             </a:r>
             <a:endParaRPr lang="en-US" dirty="0"/>
           </a:p>
@@ -19301,12 +19910,12 @@
       </p:sp>
       <p:sp>
         <p:nvSpPr>
-          <p:cNvPr id="4" name="Alcím 3"/>
+          <p:cNvPr id="3" name="Tartalom helye 2"/>
           <p:cNvSpPr>
             <a:spLocks noGrp="1"/>
           </p:cNvSpPr>
           <p:nvPr>
-            <p:ph type="subTitle" idx="1"/>
+            <p:ph idx="1"/>
           </p:nvPr>
         </p:nvSpPr>
         <p:spPr/>
@@ -19314,7 +19923,432 @@
           <a:bodyPr/>
           <a:lstStyle/>
           <a:p>
+            <a:r>
+              <a:rPr lang="hu-HU" dirty="0" smtClean="0"/>
+              <a:t>FAST </a:t>
+            </a:r>
+            <a:r>
+              <a:rPr lang="hu-HU" dirty="0" smtClean="0"/>
+              <a:t>(</a:t>
+            </a:r>
+            <a:r>
+              <a:rPr lang="en-US" dirty="0" smtClean="0"/>
+              <a:t>Features from Accelerated Segment Test</a:t>
+            </a:r>
+            <a:r>
+              <a:rPr lang="hu-HU" dirty="0" smtClean="0"/>
+              <a:t>) sarokdetektor</a:t>
+            </a:r>
+            <a:endParaRPr lang="hu-HU" dirty="0" smtClean="0"/>
+          </a:p>
+          <a:p>
+            <a:pPr lvl="1"/>
+            <a:r>
+              <a:rPr lang="hu-HU" dirty="0" smtClean="0"/>
+              <a:t>A kép pixeleit és azok környezetét vizsgálja</a:t>
+            </a:r>
+          </a:p>
+          <a:p>
+            <a:pPr lvl="1"/>
+            <a:r>
+              <a:rPr lang="hu-HU" dirty="0" smtClean="0"/>
+              <a:t>Gyors és hatékony</a:t>
+            </a:r>
+          </a:p>
+          <a:p>
+            <a:pPr lvl="1"/>
+            <a:r>
+              <a:rPr lang="hu-HU" dirty="0" smtClean="0"/>
+              <a:t>Eredményét korlátozzuk az arcra</a:t>
+            </a:r>
+          </a:p>
+          <a:p>
+            <a:endParaRPr lang="en-US" dirty="0"/>
+          </a:p>
+        </p:txBody>
+      </p:sp>
+      <p:sp>
+        <p:nvSpPr>
+          <p:cNvPr id="4" name="Dia számának helye 3"/>
+          <p:cNvSpPr>
+            <a:spLocks noGrp="1"/>
+          </p:cNvSpPr>
+          <p:nvPr>
+            <p:ph type="sldNum" sz="quarter" idx="11"/>
+          </p:nvPr>
+        </p:nvSpPr>
+        <p:spPr/>
+        <p:txBody>
+          <a:bodyPr/>
+          <a:lstStyle/>
+          <a:p>
+            <a:fld id="{22E22E5D-D770-43BC-AE42-B297AEBDF44E}" type="slidenum">
+              <a:rPr lang="en-US" smtClean="0"/>
+              <a:pPr/>
+              <a:t>7</a:t>
+            </a:fld>
             <a:endParaRPr lang="en-US"/>
+          </a:p>
+        </p:txBody>
+      </p:sp>
+      <p:pic>
+        <p:nvPicPr>
+          <p:cNvPr id="5" name="Kép 4"/>
+          <p:cNvPicPr>
+            <a:picLocks noChangeAspect="1"/>
+          </p:cNvPicPr>
+          <p:nvPr/>
+        </p:nvPicPr>
+        <p:blipFill>
+          <a:blip r:embed="rId2" cstate="print"/>
+          <a:srcRect/>
+          <a:stretch>
+            <a:fillRect/>
+          </a:stretch>
+        </p:blipFill>
+        <p:spPr bwMode="auto">
+          <a:xfrm>
+            <a:off x="2160000" y="4500000"/>
+            <a:ext cx="2490538" cy="1800000"/>
+          </a:xfrm>
+          <a:prstGeom prst="rect">
+            <a:avLst/>
+          </a:prstGeom>
+          <a:noFill/>
+          <a:ln w="9525">
+            <a:noFill/>
+            <a:miter lim="800000"/>
+            <a:headEnd/>
+            <a:tailEnd/>
+          </a:ln>
+        </p:spPr>
+      </p:pic>
+      <p:pic>
+        <p:nvPicPr>
+          <p:cNvPr id="6" name="Kép 5"/>
+          <p:cNvPicPr>
+            <a:picLocks noChangeAspect="1"/>
+          </p:cNvPicPr>
+          <p:nvPr/>
+        </p:nvPicPr>
+        <p:blipFill>
+          <a:blip r:embed="rId3" cstate="print"/>
+          <a:srcRect/>
+          <a:stretch>
+            <a:fillRect/>
+          </a:stretch>
+        </p:blipFill>
+        <p:spPr bwMode="auto">
+          <a:xfrm>
+            <a:off x="5400000" y="4500000"/>
+            <a:ext cx="2490530" cy="1800000"/>
+          </a:xfrm>
+          <a:prstGeom prst="rect">
+            <a:avLst/>
+          </a:prstGeom>
+          <a:noFill/>
+          <a:ln w="9525">
+            <a:noFill/>
+            <a:miter lim="800000"/>
+            <a:headEnd/>
+            <a:tailEnd/>
+          </a:ln>
+        </p:spPr>
+      </p:pic>
+    </p:spTree>
+  </p:cSld>
+  <p:clrMapOvr>
+    <a:masterClrMapping/>
+  </p:clrMapOvr>
+  <p:timing>
+    <p:tnLst>
+      <p:par>
+        <p:cTn id="1" dur="indefinite" restart="never" nodeType="tmRoot"/>
+      </p:par>
+    </p:tnLst>
+  </p:timing>
+</p:sld>
+</file>
+
+<file path=ppt/slides/slide8.xml><?xml version="1.0" encoding="utf-8"?>
+<p:sld xmlns:a="http://schemas.openxmlformats.org/drawingml/2006/main" xmlns:r="http://schemas.openxmlformats.org/officeDocument/2006/relationships" xmlns:p="http://schemas.openxmlformats.org/presentationml/2006/main">
+  <p:cSld>
+    <p:spTree>
+      <p:nvGrpSpPr>
+        <p:cNvPr id="1" name=""/>
+        <p:cNvGrpSpPr/>
+        <p:nvPr/>
+      </p:nvGrpSpPr>
+      <p:grpSpPr>
+        <a:xfrm>
+          <a:off x="0" y="0"/>
+          <a:ext cx="0" cy="0"/>
+          <a:chOff x="0" y="0"/>
+          <a:chExt cx="0" cy="0"/>
+        </a:xfrm>
+      </p:grpSpPr>
+      <p:sp>
+        <p:nvSpPr>
+          <p:cNvPr id="2" name="Cím 1"/>
+          <p:cNvSpPr>
+            <a:spLocks noGrp="1"/>
+          </p:cNvSpPr>
+          <p:nvPr>
+            <p:ph type="title"/>
+          </p:nvPr>
+        </p:nvSpPr>
+        <p:spPr/>
+        <p:txBody>
+          <a:bodyPr/>
+          <a:lstStyle/>
+          <a:p>
+            <a:r>
+              <a:rPr lang="hu-HU" dirty="0" smtClean="0"/>
+              <a:t>Fejmozgás iránya</a:t>
+            </a:r>
+            <a:endParaRPr lang="en-US" dirty="0"/>
+          </a:p>
+        </p:txBody>
+      </p:sp>
+      <p:sp>
+        <p:nvSpPr>
+          <p:cNvPr id="3" name="Tartalom helye 2"/>
+          <p:cNvSpPr>
+            <a:spLocks noGrp="1"/>
+          </p:cNvSpPr>
+          <p:nvPr>
+            <p:ph idx="1"/>
+          </p:nvPr>
+        </p:nvSpPr>
+        <p:spPr/>
+        <p:txBody>
+          <a:bodyPr/>
+          <a:lstStyle/>
+          <a:p>
+            <a:r>
+              <a:rPr lang="hu-HU" dirty="0" smtClean="0"/>
+              <a:t>Optikai áramláshoz tartozó vektorok kiszámítása</a:t>
+            </a:r>
+          </a:p>
+          <a:p>
+            <a:pPr lvl="1"/>
+            <a:r>
+              <a:rPr lang="hu-HU" dirty="0" smtClean="0"/>
+              <a:t>FAST jellemzőpontok alapján, az aktuális és a következő képkocka között</a:t>
+            </a:r>
+          </a:p>
+          <a:p>
+            <a:r>
+              <a:rPr lang="hu-HU" dirty="0" smtClean="0"/>
+              <a:t>Fejmozgás iránya: N db optikai folyam vektor számtani közepe</a:t>
+            </a:r>
+          </a:p>
+          <a:p>
+            <a:pPr lvl="1"/>
+            <a:r>
+              <a:rPr lang="hu-HU" dirty="0" smtClean="0"/>
+              <a:t>Irány: a vektornak az y tengely pozitív oldalával bezárt szöge</a:t>
+            </a:r>
+          </a:p>
+          <a:p>
+            <a:pPr lvl="1"/>
+            <a:r>
+              <a:rPr lang="hu-HU" dirty="0" smtClean="0"/>
+              <a:t>Probléma: túl sok lehetséges érték a [0,2</a:t>
+            </a:r>
+            <a:r>
+              <a:rPr lang="hu-HU" dirty="0" smtClean="0">
+                <a:sym typeface="Symbol"/>
+              </a:rPr>
+              <a:t></a:t>
+            </a:r>
+            <a:r>
+              <a:rPr lang="hu-HU" dirty="0" smtClean="0"/>
+              <a:t>] intervallumból</a:t>
+            </a:r>
+          </a:p>
+          <a:p>
+            <a:pPr lvl="1"/>
+            <a:r>
+              <a:rPr lang="hu-HU" dirty="0" smtClean="0"/>
+              <a:t>Megoldás: csoportosítsuk a szögeket</a:t>
+            </a:r>
+          </a:p>
+          <a:p>
+            <a:pPr lvl="1"/>
+            <a:endParaRPr lang="en-US" dirty="0"/>
+          </a:p>
+        </p:txBody>
+      </p:sp>
+      <p:sp>
+        <p:nvSpPr>
+          <p:cNvPr id="4" name="Dia számának helye 3"/>
+          <p:cNvSpPr>
+            <a:spLocks noGrp="1"/>
+          </p:cNvSpPr>
+          <p:nvPr>
+            <p:ph type="sldNum" sz="quarter" idx="11"/>
+          </p:nvPr>
+        </p:nvSpPr>
+        <p:spPr/>
+        <p:txBody>
+          <a:bodyPr/>
+          <a:lstStyle/>
+          <a:p>
+            <a:fld id="{22E22E5D-D770-43BC-AE42-B297AEBDF44E}" type="slidenum">
+              <a:rPr lang="en-US" smtClean="0"/>
+              <a:pPr/>
+              <a:t>8</a:t>
+            </a:fld>
+            <a:endParaRPr lang="en-US"/>
+          </a:p>
+        </p:txBody>
+      </p:sp>
+    </p:spTree>
+  </p:cSld>
+  <p:clrMapOvr>
+    <a:masterClrMapping/>
+  </p:clrMapOvr>
+  <p:timing>
+    <p:tnLst>
+      <p:par>
+        <p:cTn id="1" dur="indefinite" restart="never" nodeType="tmRoot"/>
+      </p:par>
+    </p:tnLst>
+  </p:timing>
+</p:sld>
+</file>
+
+<file path=ppt/slides/slide9.xml><?xml version="1.0" encoding="utf-8"?>
+<p:sld xmlns:a="http://schemas.openxmlformats.org/drawingml/2006/main" xmlns:r="http://schemas.openxmlformats.org/officeDocument/2006/relationships" xmlns:p="http://schemas.openxmlformats.org/presentationml/2006/main">
+  <p:cSld>
+    <p:spTree>
+      <p:nvGrpSpPr>
+        <p:cNvPr id="1" name=""/>
+        <p:cNvGrpSpPr/>
+        <p:nvPr/>
+      </p:nvGrpSpPr>
+      <p:grpSpPr>
+        <a:xfrm>
+          <a:off x="0" y="0"/>
+          <a:ext cx="0" cy="0"/>
+          <a:chOff x="0" y="0"/>
+          <a:chExt cx="0" cy="0"/>
+        </a:xfrm>
+      </p:grpSpPr>
+      <p:sp>
+        <p:nvSpPr>
+          <p:cNvPr id="2" name="Cím 1"/>
+          <p:cNvSpPr>
+            <a:spLocks noGrp="1"/>
+          </p:cNvSpPr>
+          <p:nvPr>
+            <p:ph type="title"/>
+          </p:nvPr>
+        </p:nvSpPr>
+        <p:spPr/>
+        <p:txBody>
+          <a:bodyPr/>
+          <a:lstStyle/>
+          <a:p>
+            <a:r>
+              <a:rPr lang="hu-HU" dirty="0" smtClean="0"/>
+              <a:t>Fejmozgás iránya</a:t>
+            </a:r>
+            <a:endParaRPr lang="en-US" dirty="0"/>
+          </a:p>
+        </p:txBody>
+      </p:sp>
+      <p:sp>
+        <p:nvSpPr>
+          <p:cNvPr id="4" name="Dia számának helye 3"/>
+          <p:cNvSpPr>
+            <a:spLocks noGrp="1"/>
+          </p:cNvSpPr>
+          <p:nvPr>
+            <p:ph type="sldNum" sz="quarter" idx="11"/>
+          </p:nvPr>
+        </p:nvSpPr>
+        <p:spPr/>
+        <p:txBody>
+          <a:bodyPr/>
+          <a:lstStyle/>
+          <a:p>
+            <a:fld id="{22E22E5D-D770-43BC-AE42-B297AEBDF44E}" type="slidenum">
+              <a:rPr lang="en-US" smtClean="0"/>
+              <a:pPr/>
+              <a:t>9</a:t>
+            </a:fld>
+            <a:endParaRPr lang="en-US"/>
+          </a:p>
+        </p:txBody>
+      </p:sp>
+      <p:pic>
+        <p:nvPicPr>
+          <p:cNvPr id="5" name="Tartalom helye 4"/>
+          <p:cNvPicPr>
+            <a:picLocks noGrp="1" noChangeAspect="1"/>
+          </p:cNvPicPr>
+          <p:nvPr>
+            <p:ph idx="1"/>
+          </p:nvPr>
+        </p:nvPicPr>
+        <p:blipFill>
+          <a:blip r:embed="rId2" cstate="print"/>
+          <a:srcRect/>
+          <a:stretch>
+            <a:fillRect/>
+          </a:stretch>
+        </p:blipFill>
+        <p:spPr bwMode="auto">
+          <a:xfrm>
+            <a:off x="2988000" y="1440000"/>
+            <a:ext cx="4324580" cy="3240000"/>
+          </a:xfrm>
+          <a:prstGeom prst="rect">
+            <a:avLst/>
+          </a:prstGeom>
+          <a:noFill/>
+          <a:ln w="9525">
+            <a:noFill/>
+            <a:miter lim="800000"/>
+            <a:headEnd/>
+            <a:tailEnd/>
+          </a:ln>
+        </p:spPr>
+      </p:pic>
+      <p:sp>
+        <p:nvSpPr>
+          <p:cNvPr id="6" name="Szövegdoboz 5"/>
+          <p:cNvSpPr txBox="1"/>
+          <p:nvPr/>
+        </p:nvSpPr>
+        <p:spPr>
+          <a:xfrm>
+            <a:off x="2971800" y="4953000"/>
+            <a:ext cx="4343400" cy="646331"/>
+          </a:xfrm>
+          <a:prstGeom prst="rect">
+            <a:avLst/>
+          </a:prstGeom>
+          <a:noFill/>
+        </p:spPr>
+        <p:txBody>
+          <a:bodyPr wrap="square" rtlCol="0">
+            <a:spAutoFit/>
+          </a:bodyPr>
+          <a:lstStyle/>
+          <a:p>
+            <a:pPr algn="just"/>
+            <a:r>
+              <a:rPr lang="hu-HU" dirty="0" smtClean="0">
+                <a:latin typeface="+mn-lt"/>
+              </a:rPr>
+              <a:t>Fejmozdulat értéke szögben. A teljes szögnek egy tizenhatodába sorolva.</a:t>
+            </a:r>
+            <a:endParaRPr lang="en-US" dirty="0">
+              <a:latin typeface="+mn-lt"/>
+            </a:endParaRPr>
           </a:p>
         </p:txBody>
       </p:sp>

--- a/trunk/HeadMovement/research/kepaf/ppt/bertok.kornel.kepaf.2013.pptx
+++ b/trunk/HeadMovement/research/kepaf/ppt/bertok.kornel.kepaf.2013.pptx
@@ -4200,7 +4200,7 @@
             <a:fld id="{C47046F5-0D2D-4F75-828A-F26A4AE1EC39}" type="datetime8">
               <a:rPr lang="hu-HU"/>
               <a:pPr/>
-              <a:t>2013.01.28. 16:17</a:t>
+              <a:t>2013.01.28. 19:31</a:t>
             </a:fld>
             <a:endParaRPr lang="en-US"/>
           </a:p>
@@ -4482,7 +4482,7 @@
             <a:fld id="{8E0ECF17-21A1-4F8E-B5FB-A38B67AB2214}" type="datetime8">
               <a:rPr lang="hu-HU"/>
               <a:pPr/>
-              <a:t>2013.01.28. 16:17</a:t>
+              <a:t>2013.01.28. 19:31</a:t>
             </a:fld>
             <a:endParaRPr lang="en-US"/>
           </a:p>
@@ -18531,7 +18531,11 @@
           <a:p>
             <a:r>
               <a:rPr lang="hu-HU" dirty="0" smtClean="0"/>
-              <a:t>Gesztus időbeli szegmentálása</a:t>
+              <a:t>Gesztus időbeli </a:t>
+            </a:r>
+            <a:r>
+              <a:rPr lang="hu-HU" dirty="0" smtClean="0"/>
+              <a:t>szegmentálása</a:t>
             </a:r>
           </a:p>
           <a:p>
@@ -18542,70 +18546,96 @@
             </a:r>
           </a:p>
           <a:p>
+            <a:pPr marL="342900" lvl="1" indent="-342900">
+              <a:buFontTx/>
+              <a:buChar char="•"/>
+            </a:pPr>
+            <a:r>
+              <a:rPr lang="hu-HU" sz="3200" dirty="0" smtClean="0">
+                <a:ea typeface="+mn-ea"/>
+              </a:rPr>
+              <a:t>Szegmens</a:t>
+            </a:r>
+            <a:endParaRPr lang="hu-HU" sz="3200" dirty="0" smtClean="0">
+              <a:ea typeface="+mn-ea"/>
+            </a:endParaRPr>
+          </a:p>
+          <a:p>
             <a:pPr lvl="1"/>
             <a:r>
               <a:rPr lang="hu-HU" dirty="0" smtClean="0"/>
-              <a:t>Szegmens: képkockák sorozata</a:t>
-            </a:r>
-          </a:p>
-          <a:p>
-            <a:pPr lvl="2"/>
+              <a:t>Képkockák </a:t>
+            </a:r>
             <a:r>
               <a:rPr lang="hu-HU" dirty="0" smtClean="0"/>
-              <a:t>Elhanyagolható átlagintenzitással a szekvencia elején és végén</a:t>
-            </a:r>
-          </a:p>
-          <a:p>
+              <a:t>sorozata</a:t>
+            </a:r>
+          </a:p>
+          <a:p>
+            <a:pPr lvl="1"/>
             <a:r>
               <a:rPr lang="hu-HU" dirty="0" smtClean="0"/>
-              <a:t>Gesztus: szekvencia szomszédos tagjaira számított szögek sorozata</a:t>
+              <a:t>Alacsony átlagintenzitással </a:t>
+            </a:r>
+            <a:r>
+              <a:rPr lang="hu-HU" dirty="0" smtClean="0"/>
+              <a:t>a szekvencia elején és végén</a:t>
+            </a:r>
+          </a:p>
+          <a:p>
+            <a:r>
+              <a:rPr lang="hu-HU" dirty="0" smtClean="0"/>
+              <a:t>Gesztus</a:t>
             </a:r>
           </a:p>
           <a:p>
             <a:pPr lvl="1"/>
             <a:r>
-              <a:rPr lang="hu-HU" sz="2000" dirty="0" smtClean="0"/>
+              <a:rPr lang="hu-HU" dirty="0" smtClean="0"/>
+              <a:t>Szekvencia </a:t>
+            </a:r>
+            <a:r>
+              <a:rPr lang="hu-HU" dirty="0" smtClean="0"/>
+              <a:t>szomszédos tagjaira számított szögek sorozata</a:t>
+            </a:r>
+          </a:p>
+          <a:p>
+            <a:pPr lvl="1"/>
+            <a:r>
+              <a:rPr lang="hu-HU" sz="2400" i="1" dirty="0" smtClean="0"/>
               <a:t>{"fejrázás";  [90°,</a:t>
             </a:r>
             <a:r>
-              <a:rPr lang="hu-HU" sz="2000" dirty="0" err="1" smtClean="0"/>
+              <a:rPr lang="hu-HU" sz="2400" i="1" dirty="0" err="1" smtClean="0"/>
+              <a:t>90</a:t>
+            </a:r>
+            <a:r>
+              <a:rPr lang="hu-HU" sz="2400" i="1" dirty="0" err="1" smtClean="0"/>
+              <a:t>°</a:t>
+            </a:r>
+            <a:r>
+              <a:rPr lang="hu-HU" sz="2400" i="1" dirty="0" smtClean="0"/>
+              <a:t>,</a:t>
+            </a:r>
+            <a:r>
+              <a:rPr lang="hu-HU" sz="2400" i="1" dirty="0" err="1" smtClean="0"/>
               <a:t>90°</a:t>
             </a:r>
             <a:r>
-              <a:rPr lang="hu-HU" sz="2000" dirty="0" smtClean="0"/>
-              <a:t>,</a:t>
-            </a:r>
-            <a:r>
-              <a:rPr lang="hu-HU" sz="2000" dirty="0" err="1" smtClean="0"/>
-              <a:t>90°</a:t>
-            </a:r>
-            <a:r>
-              <a:rPr lang="hu-HU" sz="2000" dirty="0" smtClean="0"/>
-              <a:t>,</a:t>
-            </a:r>
-            <a:r>
-              <a:rPr lang="hu-HU" sz="2000" dirty="0" err="1" smtClean="0"/>
-              <a:t>90°</a:t>
-            </a:r>
-            <a:r>
-              <a:rPr lang="hu-HU" sz="2000" dirty="0" smtClean="0"/>
+              <a:rPr lang="hu-HU" sz="2400" i="1" dirty="0" smtClean="0"/>
               <a:t>,270°,</a:t>
             </a:r>
             <a:r>
-              <a:rPr lang="hu-HU" sz="2000" dirty="0" err="1" smtClean="0"/>
+              <a:rPr lang="hu-HU" sz="2400" i="1" dirty="0" err="1" smtClean="0"/>
               <a:t>270°</a:t>
             </a:r>
             <a:r>
-              <a:rPr lang="hu-HU" sz="2000" dirty="0" smtClean="0"/>
-              <a:t>,</a:t>
-            </a:r>
-            <a:r>
-              <a:rPr lang="hu-HU" sz="2000" dirty="0" err="1" smtClean="0"/>
-              <a:t>270°</a:t>
-            </a:r>
-            <a:r>
-              <a:rPr lang="hu-HU" sz="2000" dirty="0" smtClean="0"/>
-              <a:t>,225°,135°]}</a:t>
+              <a:rPr lang="hu-HU" sz="2400" i="1" dirty="0" smtClean="0"/>
+              <a:t>,225</a:t>
+            </a:r>
+            <a:r>
+              <a:rPr lang="hu-HU" sz="2400" i="1" dirty="0" smtClean="0"/>
+              <a:t>°,135°]}</a:t>
             </a:r>
           </a:p>
           <a:p>
@@ -18643,6 +18673,13 @@
   <p:clrMapOvr>
     <a:masterClrMapping/>
   </p:clrMapOvr>
+  <p:timing>
+    <p:tnLst>
+      <p:par>
+        <p:cTn id="1" dur="indefinite" restart="never" nodeType="tmRoot"/>
+      </p:par>
+    </p:tnLst>
+  </p:timing>
 </p:sld>
 </file>
 
@@ -18701,7 +18738,58 @@
           <a:bodyPr/>
           <a:lstStyle/>
           <a:p>
-            <a:endParaRPr lang="en-US"/>
+            <a:r>
+              <a:rPr lang="hu-HU" dirty="0" smtClean="0"/>
+              <a:t>A mozdulatok eltérő ütemben kerülnek végrehajtásra</a:t>
+            </a:r>
+          </a:p>
+          <a:p>
+            <a:r>
+              <a:rPr lang="hu-HU" dirty="0" smtClean="0"/>
+              <a:t>Gesztus adatbázis</a:t>
+            </a:r>
+          </a:p>
+          <a:p>
+            <a:pPr lvl="1"/>
+            <a:r>
+              <a:rPr lang="hu-HU" dirty="0" smtClean="0"/>
+              <a:t>Szögsorozatok gyűjteménye</a:t>
+            </a:r>
+          </a:p>
+          <a:p>
+            <a:pPr lvl="1"/>
+            <a:r>
+              <a:rPr lang="hu-HU" dirty="0" smtClean="0"/>
+              <a:t>Egy gesztushoz, több sorozat</a:t>
+            </a:r>
+          </a:p>
+          <a:p>
+            <a:pPr lvl="1"/>
+            <a:r>
+              <a:rPr lang="hu-HU" dirty="0" smtClean="0"/>
+              <a:t>Komplexebb döntések hozatala</a:t>
+            </a:r>
+          </a:p>
+          <a:p>
+            <a:r>
+              <a:rPr lang="hu-HU" dirty="0" smtClean="0"/>
+              <a:t>Felismerés javítása</a:t>
+            </a:r>
+          </a:p>
+          <a:p>
+            <a:pPr lvl="1"/>
+            <a:r>
+              <a:rPr lang="hu-HU" dirty="0" smtClean="0"/>
+              <a:t>Menet közben felvesszük a felismert gesztusokat az adatbázisba</a:t>
+            </a:r>
+          </a:p>
+          <a:p>
+            <a:pPr lvl="1"/>
+            <a:r>
+              <a:rPr lang="hu-HU" dirty="0" smtClean="0"/>
+              <a:t>Igazodás a felhasználói szokásokhoz</a:t>
+            </a:r>
+            <a:endParaRPr lang="en-US" dirty="0"/>
           </a:p>
         </p:txBody>
       </p:sp>
@@ -18734,6 +18822,13 @@
   <p:clrMapOvr>
     <a:masterClrMapping/>
   </p:clrMapOvr>
+  <p:timing>
+    <p:tnLst>
+      <p:par>
+        <p:cTn id="1" dur="indefinite" restart="never" nodeType="tmRoot"/>
+      </p:par>
+    </p:tnLst>
+  </p:timing>
 </p:sld>
 </file>
 
@@ -19220,30 +19315,31 @@
             </a:r>
           </a:p>
           <a:p>
-            <a:pPr lvl="2"/>
             <a:r>
               <a:rPr lang="hu-HU" dirty="0" smtClean="0"/>
-              <a:t>Nem-lineáris illesztés</a:t>
-            </a:r>
-          </a:p>
-          <a:p>
+              <a:t>Követelmény </a:t>
+            </a:r>
+          </a:p>
+          <a:p>
+            <a:pPr lvl="1"/>
             <a:r>
               <a:rPr lang="hu-HU" dirty="0" smtClean="0"/>
-              <a:t>Követelmény a valós idejű felismerés</a:t>
+              <a:t>Valós </a:t>
+            </a:r>
+            <a:r>
+              <a:rPr lang="hu-HU" dirty="0" smtClean="0"/>
+              <a:t>idejű felismerés</a:t>
             </a:r>
           </a:p>
           <a:p>
             <a:pPr lvl="1"/>
             <a:r>
               <a:rPr lang="hu-HU" dirty="0" smtClean="0"/>
-              <a:t>Gesztusok maximális hossza: 10 sec</a:t>
-            </a:r>
-          </a:p>
-          <a:p>
-            <a:pPr lvl="1"/>
+              <a:t>Kis </a:t>
+            </a:r>
             <a:r>
               <a:rPr lang="hu-HU" dirty="0" smtClean="0"/>
-              <a:t>Kis számú adat alapján kell megkülönböztetni a gesztusokat</a:t>
+              <a:t>számú adat alapján kell megkülönböztetni a gesztusokat</a:t>
             </a:r>
           </a:p>
         </p:txBody>
@@ -19348,16 +19444,13 @@
             </a:r>
           </a:p>
           <a:p>
-            <a:pPr lvl="1"/>
             <a:r>
               <a:rPr lang="hu-HU" dirty="0" smtClean="0"/>
-              <a:t>Egy arcdetektor által visszaadott ablakban</a:t>
-            </a:r>
-          </a:p>
-          <a:p>
+              <a:t>MHI </a:t>
+            </a:r>
             <a:r>
               <a:rPr lang="hu-HU" dirty="0" smtClean="0"/>
-              <a:t>MHI reprezentáció</a:t>
+              <a:t>reprezentáció</a:t>
             </a:r>
           </a:p>
           <a:p>
@@ -19378,8 +19471,13 @@
             <a:pPr lvl="1"/>
             <a:r>
               <a:rPr lang="hu-HU" dirty="0" smtClean="0"/>
-              <a:t>Képszekvencia mozgó objektumainak változásait írja le</a:t>
-            </a:r>
+              <a:t>Képszekvencia mozgó objektumainak változásait írja </a:t>
+            </a:r>
+            <a:r>
+              <a:rPr lang="hu-HU" dirty="0" smtClean="0"/>
+              <a:t>le, több egymást követő képkockán keresztül</a:t>
+            </a:r>
+            <a:endParaRPr lang="hu-HU" dirty="0" smtClean="0"/>
           </a:p>
           <a:p>
             <a:pPr lvl="1"/>
@@ -19530,13 +19628,8 @@
             <a:pPr lvl="1"/>
             <a:r>
               <a:rPr lang="hu-HU" dirty="0" smtClean="0"/>
-              <a:t>A többi fokozatosan elhalványul, majd törlődik</a:t>
-            </a:r>
-            <a:r>
-              <a:rPr lang="hu-HU" dirty="0" smtClean="0"/>
-              <a:t>.</a:t>
-            </a:r>
-            <a:endParaRPr lang="hu-HU" dirty="0" smtClean="0"/>
+              <a:t>A többi fokozatosan elhalványul, majd törlődik.</a:t>
+            </a:r>
           </a:p>
           <a:p>
             <a:pPr lvl="1"/>
@@ -19763,11 +19856,7 @@
           <a:p>
             <a:r>
               <a:rPr lang="hu-HU" dirty="0" smtClean="0"/>
-              <a:t>Fejmozgás </a:t>
-            </a:r>
-            <a:r>
-              <a:rPr lang="hu-HU" dirty="0" smtClean="0"/>
-              <a:t>iránya</a:t>
+              <a:t>Fejmozgás iránya</a:t>
             </a:r>
             <a:endParaRPr lang="en-US" dirty="0"/>
           </a:p>
@@ -19790,32 +19879,43 @@
           <a:p>
             <a:r>
               <a:rPr lang="hu-HU" dirty="0" smtClean="0"/>
-              <a:t>MHI reprezentáció</a:t>
+              <a:t>MHI: fejmozgás 5 </a:t>
+            </a:r>
+            <a:r>
+              <a:rPr lang="hu-HU" dirty="0" smtClean="0"/>
+              <a:t>egymást követő képkockán</a:t>
+            </a:r>
+          </a:p>
+          <a:p>
+            <a:r>
+              <a:rPr lang="hu-HU" dirty="0" smtClean="0"/>
+              <a:t>Mozgás </a:t>
+            </a:r>
+            <a:r>
+              <a:rPr lang="hu-HU" dirty="0" smtClean="0"/>
+              <a:t>gradiens</a:t>
             </a:r>
           </a:p>
           <a:p>
             <a:pPr lvl="1"/>
             <a:r>
               <a:rPr lang="hu-HU" dirty="0" smtClean="0"/>
-              <a:t>A fej mozgását írja le 5 egymást követő képkockán</a:t>
+              <a:t>Fejpozíció </a:t>
+            </a:r>
+            <a:r>
+              <a:rPr lang="hu-HU" dirty="0" smtClean="0"/>
+              <a:t>megváltozásának iránya</a:t>
             </a:r>
           </a:p>
           <a:p>
             <a:pPr lvl="1"/>
-            <a:r>
-              <a:rPr lang="hu-HU" dirty="0" smtClean="0"/>
-              <a:t>Mozgás gradiens: fejpozíció megváltozásának iránya</a:t>
-            </a:r>
-          </a:p>
-          <a:p>
-            <a:pPr lvl="2"/>
             <a:r>
               <a:rPr lang="hu-HU" dirty="0" smtClean="0"/>
               <a:t>Gyakorlati tapasztalat: nem elég stabil</a:t>
             </a:r>
           </a:p>
           <a:p>
-            <a:pPr lvl="2"/>
+            <a:pPr lvl="1"/>
             <a:r>
               <a:rPr lang="hu-HU" dirty="0" smtClean="0"/>
               <a:t>Kicsi az arc felbontása</a:t>
@@ -19925,11 +20025,7 @@
           <a:p>
             <a:r>
               <a:rPr lang="hu-HU" dirty="0" smtClean="0"/>
-              <a:t>FAST </a:t>
-            </a:r>
-            <a:r>
-              <a:rPr lang="hu-HU" dirty="0" smtClean="0"/>
-              <a:t>(</a:t>
+              <a:t>FAST (</a:t>
             </a:r>
             <a:r>
               <a:rPr lang="en-US" dirty="0" smtClean="0"/>
@@ -19939,7 +20035,6 @@
               <a:rPr lang="hu-HU" dirty="0" smtClean="0"/>
               <a:t>) sarokdetektor</a:t>
             </a:r>
-            <a:endParaRPr lang="hu-HU" dirty="0" smtClean="0"/>
           </a:p>
           <a:p>
             <a:pPr lvl="1"/>
@@ -19952,14 +20047,11 @@
             <a:pPr lvl="1"/>
             <a:r>
               <a:rPr lang="hu-HU" dirty="0" smtClean="0"/>
-              <a:t>Gyors és hatékony</a:t>
-            </a:r>
-          </a:p>
-          <a:p>
-            <a:pPr lvl="1"/>
+              <a:t>Eredményét </a:t>
+            </a:r>
             <a:r>
               <a:rPr lang="hu-HU" dirty="0" smtClean="0"/>
-              <a:t>Eredményét korlátozzuk az arcra</a:t>
+              <a:t>korlátozzuk az arcra</a:t>
             </a:r>
           </a:p>
           <a:p>
@@ -20008,7 +20100,7 @@
         </p:blipFill>
         <p:spPr bwMode="auto">
           <a:xfrm>
-            <a:off x="2160000" y="4500000"/>
+            <a:off x="2160000" y="4140000"/>
             <a:ext cx="2490538" cy="1800000"/>
           </a:xfrm>
           <a:prstGeom prst="rect">
@@ -20040,7 +20132,7 @@
         </p:blipFill>
         <p:spPr bwMode="auto">
           <a:xfrm>
-            <a:off x="5400000" y="4500000"/>
+            <a:off x="5400000" y="4140000"/>
             <a:ext cx="2490530" cy="1800000"/>
           </a:xfrm>
           <a:prstGeom prst="rect">
@@ -20147,7 +20239,11 @@
             <a:pPr lvl="1"/>
             <a:r>
               <a:rPr lang="hu-HU" dirty="0" smtClean="0"/>
-              <a:t>Irány: a vektornak az y tengely pozitív oldalával bezárt szöge</a:t>
+              <a:t>Irányszög: </a:t>
+            </a:r>
+            <a:r>
+              <a:rPr lang="hu-HU" dirty="0" smtClean="0"/>
+              <a:t>a vektornak az y tengely pozitív oldalával bezárt szöge</a:t>
             </a:r>
           </a:p>
           <a:p>

--- a/trunk/HeadMovement/research/kepaf/ppt/bertok.kornel.kepaf.2013.pptx
+++ b/trunk/HeadMovement/research/kepaf/ppt/bertok.kornel.kepaf.2013.pptx
@@ -1,6 +1,6 @@
 
 <file path=ppt/presentation.xml><?xml version="1.0" encoding="utf-8"?>
-<p:presentation xmlns:a="http://schemas.openxmlformats.org/drawingml/2006/main" xmlns:r="http://schemas.openxmlformats.org/officeDocument/2006/relationships" xmlns:p="http://schemas.openxmlformats.org/presentationml/2006/main" showSpecialPlsOnTitleSld="0" removePersonalInfoOnSave="1" saveSubsetFonts="1">
+<p:presentation xmlns:a="http://schemas.openxmlformats.org/drawingml/2006/main" xmlns:r="http://schemas.openxmlformats.org/officeDocument/2006/relationships" xmlns:p="http://schemas.openxmlformats.org/presentationml/2006/main" showSpecialPlsOnTitleSld="0" removePersonalInfoOnSave="1" saveSubsetFonts="1" bookmarkIdSeed="2">
   <p:sldMasterIdLst>
     <p:sldMasterId id="2147483651" r:id="rId1"/>
     <p:sldMasterId id="2147483653" r:id="rId2"/>
@@ -23,15 +23,15 @@
     <p:sldId id="268" r:id="rId11"/>
     <p:sldId id="269" r:id="rId12"/>
     <p:sldId id="270" r:id="rId13"/>
-    <p:sldId id="271" r:id="rId14"/>
-    <p:sldId id="272" r:id="rId15"/>
-    <p:sldId id="273" r:id="rId16"/>
-    <p:sldId id="274" r:id="rId17"/>
-    <p:sldId id="275" r:id="rId18"/>
-    <p:sldId id="276" r:id="rId19"/>
-    <p:sldId id="277" r:id="rId20"/>
-    <p:sldId id="278" r:id="rId21"/>
-    <p:sldId id="279" r:id="rId22"/>
+    <p:sldId id="272" r:id="rId14"/>
+    <p:sldId id="274" r:id="rId15"/>
+    <p:sldId id="275" r:id="rId16"/>
+    <p:sldId id="276" r:id="rId17"/>
+    <p:sldId id="277" r:id="rId18"/>
+    <p:sldId id="278" r:id="rId19"/>
+    <p:sldId id="280" r:id="rId20"/>
+    <p:sldId id="279" r:id="rId21"/>
+    <p:sldId id="281" r:id="rId22"/>
     <p:sldId id="267" r:id="rId23"/>
   </p:sldIdLst>
   <p:sldSz cx="9144000" cy="6858000" type="screen4x3"/>
@@ -164,6 +164,228 @@
 </p:presentation>
 </file>
 
+<file path=ppt/charts/chart1.xml><?xml version="1.0" encoding="utf-8"?>
+<c:chartSpace xmlns:c="http://schemas.openxmlformats.org/drawingml/2006/chart" xmlns:a="http://schemas.openxmlformats.org/drawingml/2006/main" xmlns:r="http://schemas.openxmlformats.org/officeDocument/2006/relationships">
+  <c:date1904 val="1"/>
+  <c:lang val="hu-HU"/>
+  <c:style val="35"/>
+  <c:chart>
+    <c:plotArea>
+      <c:layout/>
+      <c:barChart>
+        <c:barDir val="col"/>
+        <c:grouping val="clustered"/>
+        <c:ser>
+          <c:idx val="2"/>
+          <c:order val="0"/>
+          <c:tx>
+            <c:strRef>
+              <c:f>Munka1!$A$16</c:f>
+              <c:strCache>
+                <c:ptCount val="1"/>
+                <c:pt idx="0">
+                  <c:v>5 db</c:v>
+                </c:pt>
+              </c:strCache>
+            </c:strRef>
+          </c:tx>
+          <c:dLbls>
+            <c:numFmt formatCode="#,##0" sourceLinked="0"/>
+            <c:dLblPos val="inEnd"/>
+            <c:showVal val="1"/>
+          </c:dLbls>
+          <c:val>
+            <c:numRef>
+              <c:f>Munka1!$B$21:$D$21</c:f>
+              <c:numCache>
+                <c:formatCode>0.0000</c:formatCode>
+                <c:ptCount val="3"/>
+                <c:pt idx="0">
+                  <c:v>42.436120000000003</c:v>
+                </c:pt>
+                <c:pt idx="1">
+                  <c:v>27.398800000000001</c:v>
+                </c:pt>
+                <c:pt idx="2">
+                  <c:v>10.382000000000026</c:v>
+                </c:pt>
+              </c:numCache>
+            </c:numRef>
+          </c:val>
+        </c:ser>
+        <c:ser>
+          <c:idx val="1"/>
+          <c:order val="1"/>
+          <c:tx>
+            <c:strRef>
+              <c:f>Munka1!$A$9</c:f>
+              <c:strCache>
+                <c:ptCount val="1"/>
+                <c:pt idx="0">
+                  <c:v>10 db</c:v>
+                </c:pt>
+              </c:strCache>
+            </c:strRef>
+          </c:tx>
+          <c:dLbls>
+            <c:numFmt formatCode="#,##0" sourceLinked="0"/>
+            <c:dLblPos val="inEnd"/>
+            <c:showVal val="1"/>
+          </c:dLbls>
+          <c:val>
+            <c:numRef>
+              <c:f>Munka1!$B$14:$D$14</c:f>
+              <c:numCache>
+                <c:formatCode>0.0000</c:formatCode>
+                <c:ptCount val="3"/>
+                <c:pt idx="0">
+                  <c:v>42.715760000000003</c:v>
+                </c:pt>
+                <c:pt idx="1">
+                  <c:v>32.359459999999999</c:v>
+                </c:pt>
+                <c:pt idx="2">
+                  <c:v>8.7906179999999985</c:v>
+                </c:pt>
+              </c:numCache>
+            </c:numRef>
+          </c:val>
+        </c:ser>
+        <c:ser>
+          <c:idx val="0"/>
+          <c:order val="2"/>
+          <c:tx>
+            <c:strRef>
+              <c:f>Munka1!$A$2</c:f>
+              <c:strCache>
+                <c:ptCount val="1"/>
+                <c:pt idx="0">
+                  <c:v>15 db</c:v>
+                </c:pt>
+              </c:strCache>
+            </c:strRef>
+          </c:tx>
+          <c:dLbls>
+            <c:numFmt formatCode="#,##0" sourceLinked="0"/>
+            <c:dLblPos val="inEnd"/>
+            <c:showVal val="1"/>
+          </c:dLbls>
+          <c:cat>
+            <c:strRef>
+              <c:f>Munka1!$B$1:$D$1</c:f>
+              <c:strCache>
+                <c:ptCount val="3"/>
+                <c:pt idx="0">
+                  <c:v>Fejrázás</c:v>
+                </c:pt>
+                <c:pt idx="1">
+                  <c:v>Bólintás</c:v>
+                </c:pt>
+                <c:pt idx="2">
+                  <c:v>Körkörös mozgás</c:v>
+                </c:pt>
+              </c:strCache>
+            </c:strRef>
+          </c:cat>
+          <c:val>
+            <c:numRef>
+              <c:f>Munka1!$B$7:$D$7</c:f>
+              <c:numCache>
+                <c:formatCode>0.0000</c:formatCode>
+                <c:ptCount val="3"/>
+                <c:pt idx="0">
+                  <c:v>45.411540000000002</c:v>
+                </c:pt>
+                <c:pt idx="1">
+                  <c:v>32.718800000000002</c:v>
+                </c:pt>
+                <c:pt idx="2">
+                  <c:v>5.5859339999999955</c:v>
+                </c:pt>
+              </c:numCache>
+            </c:numRef>
+          </c:val>
+        </c:ser>
+        <c:dLbls>
+          <c:showVal val="1"/>
+        </c:dLbls>
+        <c:axId val="85351808"/>
+        <c:axId val="85358848"/>
+      </c:barChart>
+      <c:catAx>
+        <c:axId val="85351808"/>
+        <c:scaling>
+          <c:orientation val="minMax"/>
+        </c:scaling>
+        <c:axPos val="b"/>
+        <c:tickLblPos val="nextTo"/>
+        <c:crossAx val="85358848"/>
+        <c:crosses val="autoZero"/>
+        <c:auto val="1"/>
+        <c:lblAlgn val="ctr"/>
+        <c:lblOffset val="100"/>
+      </c:catAx>
+      <c:valAx>
+        <c:axId val="85358848"/>
+        <c:scaling>
+          <c:orientation val="minMax"/>
+        </c:scaling>
+        <c:axPos val="l"/>
+        <c:majorGridlines/>
+        <c:title>
+          <c:tx>
+            <c:rich>
+              <a:bodyPr rot="-5400000" vert="horz"/>
+              <a:lstStyle/>
+              <a:p>
+                <a:pPr>
+                  <a:defRPr/>
+                </a:pPr>
+                <a:r>
+                  <a:rPr lang="hu-HU" sz="1800" b="0" dirty="0"/>
+                  <a:t>Átlagos DTW távolság</a:t>
+                </a:r>
+              </a:p>
+            </c:rich>
+          </c:tx>
+          <c:layout>
+            <c:manualLayout>
+              <c:xMode val="edge"/>
+              <c:yMode val="edge"/>
+              <c:x val="1.6196052631578948E-2"/>
+              <c:y val="0.11570634920634922"/>
+            </c:manualLayout>
+          </c:layout>
+        </c:title>
+        <c:numFmt formatCode="0" sourceLinked="0"/>
+        <c:majorTickMark val="cross"/>
+        <c:minorTickMark val="in"/>
+        <c:tickLblPos val="nextTo"/>
+        <c:crossAx val="85351808"/>
+        <c:crosses val="autoZero"/>
+        <c:crossBetween val="between"/>
+      </c:valAx>
+    </c:plotArea>
+    <c:legend>
+      <c:legendPos val="b"/>
+      <c:layout/>
+    </c:legend>
+    <c:plotVisOnly val="1"/>
+  </c:chart>
+  <c:txPr>
+    <a:bodyPr/>
+    <a:lstStyle/>
+    <a:p>
+      <a:pPr>
+        <a:defRPr sz="1800"/>
+      </a:pPr>
+      <a:endParaRPr lang="hu-HU"/>
+    </a:p>
+  </c:txPr>
+  <c:externalData r:id="rId1"/>
+</c:chartSpace>
+</file>
+
 <file path=ppt/handoutMasters/handoutMaster1.xml><?xml version="1.0" encoding="utf-8"?>
 <p:handoutMaster xmlns:a="http://schemas.openxmlformats.org/drawingml/2006/main" xmlns:r="http://schemas.openxmlformats.org/officeDocument/2006/relationships" xmlns:p="http://schemas.openxmlformats.org/presentationml/2006/main">
   <p:cSld>
@@ -247,7 +469,7 @@
             <a:fld id="{9F882934-3326-4F95-A5C3-9CE2FA4385FB}" type="datetimeFigureOut">
               <a:rPr lang="en-US" smtClean="0"/>
               <a:pPr/>
-              <a:t>1/28/2013</a:t>
+              <a:t>1/29/2013</a:t>
             </a:fld>
             <a:endParaRPr lang="en-US"/>
           </a:p>
@@ -909,88 +1131,6 @@
             <a:fld id="{80683E9A-DC9E-4481-B5DE-15A61F91974C}" type="slidenum">
               <a:rPr lang="en-US" smtClean="0"/>
               <a:pPr/>
-              <a:t>5</a:t>
-            </a:fld>
-            <a:endParaRPr lang="en-US"/>
-          </a:p>
-        </p:txBody>
-      </p:sp>
-    </p:spTree>
-  </p:cSld>
-  <p:clrMapOvr>
-    <a:masterClrMapping/>
-  </p:clrMapOvr>
-</p:notes>
-</file>
-
-<file path=ppt/notesSlides/notesSlide3.xml><?xml version="1.0" encoding="utf-8"?>
-<p:notes xmlns:a="http://schemas.openxmlformats.org/drawingml/2006/main" xmlns:r="http://schemas.openxmlformats.org/officeDocument/2006/relationships" xmlns:p="http://schemas.openxmlformats.org/presentationml/2006/main">
-  <p:cSld>
-    <p:spTree>
-      <p:nvGrpSpPr>
-        <p:cNvPr id="1" name=""/>
-        <p:cNvGrpSpPr/>
-        <p:nvPr/>
-      </p:nvGrpSpPr>
-      <p:grpSpPr>
-        <a:xfrm>
-          <a:off x="0" y="0"/>
-          <a:ext cx="0" cy="0"/>
-          <a:chOff x="0" y="0"/>
-          <a:chExt cx="0" cy="0"/>
-        </a:xfrm>
-      </p:grpSpPr>
-      <p:sp>
-        <p:nvSpPr>
-          <p:cNvPr id="2" name="Diakép helye 1"/>
-          <p:cNvSpPr>
-            <a:spLocks noGrp="1" noRot="1" noChangeAspect="1"/>
-          </p:cNvSpPr>
-          <p:nvPr>
-            <p:ph type="sldImg"/>
-          </p:nvPr>
-        </p:nvSpPr>
-        <p:spPr/>
-      </p:sp>
-      <p:sp>
-        <p:nvSpPr>
-          <p:cNvPr id="3" name="Jegyzetek helye 2"/>
-          <p:cNvSpPr>
-            <a:spLocks noGrp="1"/>
-          </p:cNvSpPr>
-          <p:nvPr>
-            <p:ph type="body" idx="1"/>
-          </p:nvPr>
-        </p:nvSpPr>
-        <p:spPr/>
-        <p:txBody>
-          <a:bodyPr>
-            <a:normAutofit/>
-          </a:bodyPr>
-          <a:lstStyle/>
-          <a:p>
-            <a:endParaRPr lang="en-US"/>
-          </a:p>
-        </p:txBody>
-      </p:sp>
-      <p:sp>
-        <p:nvSpPr>
-          <p:cNvPr id="4" name="Dia számának helye 3"/>
-          <p:cNvSpPr>
-            <a:spLocks noGrp="1"/>
-          </p:cNvSpPr>
-          <p:nvPr>
-            <p:ph type="sldNum" sz="quarter" idx="10"/>
-          </p:nvPr>
-        </p:nvSpPr>
-        <p:spPr/>
-        <p:txBody>
-          <a:bodyPr/>
-          <a:lstStyle/>
-          <a:p>
-            <a:fld id="{80683E9A-DC9E-4481-B5DE-15A61F91974C}" type="slidenum">
-              <a:rPr lang="en-US" smtClean="0"/>
-              <a:pPr/>
               <a:t>14</a:t>
             </a:fld>
             <a:endParaRPr lang="en-US"/>
@@ -4200,7 +4340,7 @@
             <a:fld id="{C47046F5-0D2D-4F75-828A-F26A4AE1EC39}" type="datetime8">
               <a:rPr lang="hu-HU"/>
               <a:pPr/>
-              <a:t>2013.01.28. 19:31</a:t>
+              <a:t>2013.01.29. 15:31</a:t>
             </a:fld>
             <a:endParaRPr lang="en-US"/>
           </a:p>
@@ -4482,7 +4622,7 @@
             <a:fld id="{8E0ECF17-21A1-4F8E-B5FB-A38B67AB2214}" type="datetime8">
               <a:rPr lang="hu-HU"/>
               <a:pPr/>
-              <a:t>2013.01.28. 19:31</a:t>
+              <a:t>2013.01.29. 15:31</a:t>
             </a:fld>
             <a:endParaRPr lang="en-US"/>
           </a:p>
@@ -18493,7 +18633,7 @@
       </p:grpSpPr>
       <p:sp>
         <p:nvSpPr>
-          <p:cNvPr id="5" name="Cím 4"/>
+          <p:cNvPr id="2" name="Cím 1"/>
           <p:cNvSpPr>
             <a:spLocks noGrp="1"/>
           </p:cNvSpPr>
@@ -18508,7 +18648,7 @@
           <a:p>
             <a:r>
               <a:rPr lang="hu-HU" dirty="0" smtClean="0"/>
-              <a:t>Gesztusfelismerés</a:t>
+              <a:t>Dinamikus idővetemítés</a:t>
             </a:r>
             <a:endParaRPr lang="en-US" dirty="0"/>
           </a:p>
@@ -18516,7 +18656,7 @@
       </p:sp>
       <p:sp>
         <p:nvSpPr>
-          <p:cNvPr id="6" name="Tartalom helye 5"/>
+          <p:cNvPr id="5" name="Tartalom helye 4"/>
           <p:cNvSpPr>
             <a:spLocks noGrp="1"/>
           </p:cNvSpPr>
@@ -18531,115 +18671,98 @@
           <a:p>
             <a:r>
               <a:rPr lang="hu-HU" dirty="0" smtClean="0"/>
-              <a:t>Gesztus időbeli </a:t>
+              <a:t>A képszekvencia szegmenseihez számított szögsorozatot </a:t>
+            </a:r>
+            <a:r>
+              <a:rPr lang="hu-HU" i="1" dirty="0" smtClean="0"/>
+              <a:t>DTW</a:t>
             </a:r>
             <a:r>
               <a:rPr lang="hu-HU" dirty="0" smtClean="0"/>
-              <a:t>szegmentálása</a:t>
+              <a:t> segítségével illesztjük az adatbázis elemeihez</a:t>
             </a:r>
           </a:p>
           <a:p>
             <a:pPr lvl="1"/>
             <a:r>
               <a:rPr lang="hu-HU" dirty="0" smtClean="0"/>
-              <a:t>MHI átlagintenzitás alapján</a:t>
-            </a:r>
-          </a:p>
-          <a:p>
-            <a:pPr marL="342900" lvl="1" indent="-342900">
-              <a:buFontTx/>
-              <a:buChar char="•"/>
-            </a:pPr>
-            <a:r>
-              <a:rPr lang="hu-HU" sz="3200" dirty="0" smtClean="0">
-                <a:ea typeface="+mn-ea"/>
-              </a:rPr>
-              <a:t>Szegmens</a:t>
-            </a:r>
-            <a:endParaRPr lang="hu-HU" sz="3200" dirty="0" smtClean="0">
-              <a:ea typeface="+mn-ea"/>
-            </a:endParaRPr>
+              <a:t>Felismert gesztus: átlagosan a legkisebb távolság</a:t>
+            </a:r>
+          </a:p>
+          <a:p>
+            <a:r>
+              <a:rPr lang="hu-HU" i="1" dirty="0" smtClean="0"/>
+              <a:t>DTW</a:t>
+            </a:r>
+            <a:r>
+              <a:rPr lang="hu-HU" dirty="0" smtClean="0"/>
+              <a:t> (din. idővetemítés</a:t>
+            </a:r>
+            <a:r>
+              <a:rPr lang="hu-HU" dirty="0" smtClean="0"/>
+              <a:t>)</a:t>
+            </a:r>
           </a:p>
           <a:p>
             <a:pPr lvl="1"/>
             <a:r>
+              <a:rPr lang="hu-HU" i="1" dirty="0" err="1" smtClean="0"/>
+              <a:t>nD</a:t>
+            </a:r>
+            <a:r>
               <a:rPr lang="hu-HU" dirty="0" smtClean="0"/>
-              <a:t>Képkockák </a:t>
+              <a:t> vektor illesztése egy </a:t>
+            </a:r>
+            <a:r>
+              <a:rPr lang="hu-HU" i="1" dirty="0" err="1" smtClean="0"/>
+              <a:t>mD</a:t>
             </a:r>
             <a:r>
               <a:rPr lang="hu-HU" dirty="0" smtClean="0"/>
-              <a:t>sorozata</a:t>
+              <a:t> vektorhoz</a:t>
             </a:r>
           </a:p>
           <a:p>
             <a:pPr lvl="1"/>
             <a:r>
               <a:rPr lang="hu-HU" dirty="0" smtClean="0"/>
-              <a:t>Alacsony átlagintenzitással </a:t>
+              <a:t>Táblázat: (0,</a:t>
+            </a:r>
+            <a:r>
+              <a:rPr lang="hu-HU" dirty="0" err="1" smtClean="0"/>
+              <a:t>0</a:t>
             </a:r>
             <a:r>
               <a:rPr lang="hu-HU" dirty="0" smtClean="0"/>
-              <a:t>a szekvencia elején és végén</a:t>
-            </a:r>
-          </a:p>
-          <a:p>
+              <a:t>)</a:t>
+            </a:r>
+            <a:r>
+              <a:rPr lang="hu-HU" dirty="0" err="1" smtClean="0"/>
+              <a:t>-ból</a:t>
+            </a:r>
             <a:r>
               <a:rPr lang="hu-HU" dirty="0" smtClean="0"/>
-              <a:t>Gesztus</a:t>
-            </a:r>
+              <a:t> eljutni (n,m)</a:t>
+            </a:r>
+            <a:r>
+              <a:rPr lang="hu-HU" dirty="0" err="1" smtClean="0"/>
+              <a:t>-be</a:t>
+            </a:r>
+            <a:endParaRPr lang="hu-HU" dirty="0" smtClean="0"/>
           </a:p>
           <a:p>
             <a:pPr lvl="1"/>
             <a:r>
               <a:rPr lang="hu-HU" dirty="0" smtClean="0"/>
-              <a:t>Szekvencia </a:t>
-            </a:r>
+              <a:t>Lépésenként hasonlítja össze a mintákat</a:t>
+            </a:r>
+          </a:p>
+          <a:p>
+            <a:pPr lvl="1"/>
             <a:r>
               <a:rPr lang="hu-HU" dirty="0" smtClean="0"/>
-              <a:t>szomszédos tagjaira számított szögek sorozata</a:t>
-            </a:r>
-          </a:p>
-          <a:p>
-            <a:pPr lvl="1"/>
-            <a:r>
-              <a:rPr lang="hu-HU" sz="2400" i="1" dirty="0" smtClean="0"/>
-              <a:t>{"fejrázás";  [90°,</a:t>
-            </a:r>
-            <a:r>
-              <a:rPr lang="hu-HU" sz="2400" i="1" dirty="0" err="1" smtClean="0"/>
-              <a:t>90</a:t>
-            </a:r>
-            <a:r>
-              <a:rPr lang="hu-HU" sz="2400" i="1" dirty="0" err="1" smtClean="0"/>
-              <a:t>°</a:t>
-            </a:r>
-            <a:r>
-              <a:rPr lang="hu-HU" sz="2400" i="1" dirty="0" smtClean="0"/>
-              <a:t>,</a:t>
-            </a:r>
-            <a:r>
-              <a:rPr lang="hu-HU" sz="2400" i="1" dirty="0" err="1" smtClean="0"/>
-              <a:t>90°</a:t>
-            </a:r>
-            <a:r>
-              <a:rPr lang="hu-HU" sz="2400" i="1" dirty="0" smtClean="0"/>
-              <a:t>,270°,</a:t>
-            </a:r>
-            <a:r>
-              <a:rPr lang="hu-HU" sz="2400" i="1" dirty="0" err="1" smtClean="0"/>
-              <a:t>270°</a:t>
-            </a:r>
-            <a:r>
-              <a:rPr lang="hu-HU" sz="2400" i="1" dirty="0" smtClean="0"/>
-              <a:t>,225</a:t>
-            </a:r>
-            <a:r>
-              <a:rPr lang="hu-HU" sz="2400" i="1" dirty="0" smtClean="0"/>
-              <a:t>°,135°]}</a:t>
-            </a:r>
-          </a:p>
-          <a:p>
-            <a:pPr lvl="1"/>
+              <a:t>Cél: távolság minimalizálása</a:t>
+            </a:r>
             <a:endParaRPr lang="en-US" dirty="0"/>
           </a:p>
         </p:txBody>
@@ -18659,7 +18782,7 @@
           <a:bodyPr/>
           <a:lstStyle/>
           <a:p>
-            <a:fld id="{22E22E5D-D770-43BC-AE42-B297AEBDF44E}" type="slidenum">
+            <a:fld id="{542D1DA9-52F1-4142-B312-8F3B3A48E1E0}" type="slidenum">
               <a:rPr lang="en-US" smtClean="0"/>
               <a:pPr/>
               <a:t>10</a:t>
@@ -18673,13 +18796,6 @@
   <p:clrMapOvr>
     <a:masterClrMapping/>
   </p:clrMapOvr>
-  <p:timing>
-    <p:tnLst>
-      <p:par>
-        <p:cTn id="1" dur="indefinite" restart="never" nodeType="tmRoot"/>
-      </p:par>
-    </p:tnLst>
-  </p:timing>
 </p:sld>
 </file>
 
@@ -18717,7 +18833,7 @@
           <a:p>
             <a:r>
               <a:rPr lang="hu-HU" dirty="0" smtClean="0"/>
-              <a:t>Gesztusadatbázis</a:t>
+              <a:t>Dinamikus idővetemítés</a:t>
             </a:r>
             <a:endParaRPr lang="en-US" dirty="0"/>
           </a:p>
@@ -18725,77 +18841,7 @@
       </p:sp>
       <p:sp>
         <p:nvSpPr>
-          <p:cNvPr id="5" name="Tartalom helye 4"/>
-          <p:cNvSpPr>
-            <a:spLocks noGrp="1"/>
-          </p:cNvSpPr>
-          <p:nvPr>
-            <p:ph idx="1"/>
-          </p:nvPr>
-        </p:nvSpPr>
-        <p:spPr/>
-        <p:txBody>
-          <a:bodyPr/>
-          <a:lstStyle/>
-          <a:p>
-            <a:r>
-              <a:rPr lang="hu-HU" dirty="0" smtClean="0"/>
-              <a:t>A mozdulatok eltérő ütemben kerülnek végrehajtásra</a:t>
-            </a:r>
-          </a:p>
-          <a:p>
-            <a:r>
-              <a:rPr lang="hu-HU" dirty="0" smtClean="0"/>
-              <a:t>Gesztus adatbázis</a:t>
-            </a:r>
-          </a:p>
-          <a:p>
-            <a:pPr lvl="1"/>
-            <a:r>
-              <a:rPr lang="hu-HU" dirty="0" smtClean="0"/>
-              <a:t>Szögsorozatok gyűjteménye</a:t>
-            </a:r>
-          </a:p>
-          <a:p>
-            <a:pPr lvl="1"/>
-            <a:r>
-              <a:rPr lang="hu-HU" dirty="0" smtClean="0"/>
-              <a:t>Egy gesztushoz, több sorozat</a:t>
-            </a:r>
-          </a:p>
-          <a:p>
-            <a:pPr lvl="1"/>
-            <a:r>
-              <a:rPr lang="hu-HU" dirty="0" smtClean="0"/>
-              <a:t>Komplexebb döntések hozatala</a:t>
-            </a:r>
-          </a:p>
-          <a:p>
-            <a:r>
-              <a:rPr lang="hu-HU" dirty="0" smtClean="0"/>
-              <a:t>Felismerés javítása</a:t>
-            </a:r>
-          </a:p>
-          <a:p>
-            <a:pPr lvl="1"/>
-            <a:r>
-              <a:rPr lang="hu-HU" dirty="0" smtClean="0"/>
-              <a:t>Menet közben felvesszük a felismert gesztusokat az adatbázisba</a:t>
-            </a:r>
-          </a:p>
-          <a:p>
-            <a:pPr lvl="1"/>
-            <a:r>
-              <a:rPr lang="hu-HU" dirty="0" smtClean="0"/>
-              <a:t>Igazodás a felhasználói szokásokhoz</a:t>
-            </a:r>
-            <a:endParaRPr lang="en-US" dirty="0"/>
-          </a:p>
-        </p:txBody>
-      </p:sp>
-      <p:sp>
-        <p:nvSpPr>
-          <p:cNvPr id="4" name="Dia számának helye 3"/>
+          <p:cNvPr id="5" name="Dia számának helye 4"/>
           <p:cNvSpPr>
             <a:spLocks noGrp="1"/>
           </p:cNvSpPr>
@@ -18808,7 +18854,7 @@
           <a:bodyPr/>
           <a:lstStyle/>
           <a:p>
-            <a:fld id="{542D1DA9-52F1-4142-B312-8F3B3A48E1E0}" type="slidenum">
+            <a:fld id="{6D1DA897-3744-4D5B-9984-8F2633B79E23}" type="slidenum">
               <a:rPr lang="en-US" smtClean="0"/>
               <a:pPr/>
               <a:t>11</a:t>
@@ -18817,18 +18863,146 @@
           </a:p>
         </p:txBody>
       </p:sp>
+      <p:pic>
+        <p:nvPicPr>
+          <p:cNvPr id="6" name="Tartalom helye 5" descr="dtw"/>
+          <p:cNvPicPr>
+            <a:picLocks noGrp="1" noChangeAspect="1"/>
+          </p:cNvPicPr>
+          <p:nvPr>
+            <p:ph idx="1"/>
+          </p:nvPr>
+        </p:nvPicPr>
+        <p:blipFill>
+          <a:blip r:embed="rId2" cstate="print"/>
+          <a:stretch>
+            <a:fillRect/>
+          </a:stretch>
+        </p:blipFill>
+        <p:spPr bwMode="auto">
+          <a:xfrm>
+            <a:off x="3384000" y="1260000"/>
+            <a:ext cx="3600000" cy="3336815"/>
+          </a:xfrm>
+          <a:prstGeom prst="rect">
+            <a:avLst/>
+          </a:prstGeom>
+          <a:noFill/>
+          <a:ln w="9525">
+            <a:solidFill>
+              <a:schemeClr val="bg1"/>
+            </a:solidFill>
+            <a:miter lim="800000"/>
+            <a:headEnd/>
+            <a:tailEnd/>
+          </a:ln>
+        </p:spPr>
+      </p:pic>
+      <p:sp>
+        <p:nvSpPr>
+          <p:cNvPr id="7" name="Szövegdoboz 6"/>
+          <p:cNvSpPr txBox="1">
+            <a:spLocks/>
+          </p:cNvSpPr>
+          <p:nvPr/>
+        </p:nvSpPr>
+        <p:spPr>
+          <a:xfrm>
+            <a:off x="1620000" y="4724400"/>
+            <a:ext cx="7200000" cy="1754326"/>
+          </a:xfrm>
+          <a:prstGeom prst="rect">
+            <a:avLst/>
+          </a:prstGeom>
+          <a:noFill/>
+        </p:spPr>
+        <p:txBody>
+          <a:bodyPr wrap="square" rtlCol="0">
+            <a:spAutoFit/>
+          </a:bodyPr>
+          <a:lstStyle/>
+          <a:p>
+            <a:pPr algn="just"/>
+            <a:r>
+              <a:rPr lang="hu-HU" dirty="0" smtClean="0">
+                <a:latin typeface="+mn-lt"/>
+              </a:rPr>
+              <a:t>Egy </a:t>
+            </a:r>
+            <a:r>
+              <a:rPr lang="hu-HU" dirty="0" smtClean="0">
+                <a:latin typeface="+mn-lt"/>
+              </a:rPr>
+              <a:t>futás alatti fejrázás gesztus illesztése az adatbázis egy fejrázás csoportjába tartozó elmére. A lineáris illesztést a </a:t>
+            </a:r>
+            <a:r>
+              <a:rPr lang="hu-HU" dirty="0" smtClean="0">
+                <a:latin typeface="+mn-lt"/>
+              </a:rPr>
+              <a:t>koordináta-rendszer  (0,</a:t>
+            </a:r>
+            <a:r>
+              <a:rPr lang="hu-HU" dirty="0" err="1" smtClean="0">
+                <a:latin typeface="+mn-lt"/>
+              </a:rPr>
+              <a:t>0</a:t>
+            </a:r>
+            <a:r>
+              <a:rPr lang="hu-HU" dirty="0" smtClean="0">
+                <a:latin typeface="+mn-lt"/>
+              </a:rPr>
+              <a:t>) pontjából </a:t>
+            </a:r>
+            <a:r>
+              <a:rPr lang="hu-HU" dirty="0" smtClean="0">
+                <a:latin typeface="+mn-lt"/>
+              </a:rPr>
+              <a:t>induló és </a:t>
+            </a:r>
+            <a:r>
+              <a:rPr lang="hu-HU" dirty="0" smtClean="0">
+                <a:latin typeface="+mn-lt"/>
+              </a:rPr>
+              <a:t>(18,14) </a:t>
+            </a:r>
+            <a:r>
+              <a:rPr lang="hu-HU" dirty="0" smtClean="0">
+                <a:latin typeface="+mn-lt"/>
+              </a:rPr>
+              <a:t>pontjában végződő </a:t>
+            </a:r>
+            <a:r>
+              <a:rPr lang="hu-HU" dirty="0" smtClean="0">
+                <a:latin typeface="+mn-lt"/>
+              </a:rPr>
+              <a:t>átló jelentené</a:t>
+            </a:r>
+            <a:r>
+              <a:rPr lang="hu-HU" dirty="0" smtClean="0">
+                <a:latin typeface="+mn-lt"/>
+              </a:rPr>
+              <a:t>. Az optimális nem lineáris illesztést a kék törött vonal jelzi</a:t>
+            </a:r>
+            <a:r>
+              <a:rPr lang="hu-HU" dirty="0" smtClean="0">
+                <a:latin typeface="+mn-lt"/>
+              </a:rPr>
+              <a:t>.</a:t>
+            </a:r>
+            <a:endParaRPr lang="hu-HU" b="1" dirty="0" smtClean="0">
+              <a:latin typeface="+mn-lt"/>
+            </a:endParaRPr>
+          </a:p>
+          <a:p>
+            <a:endParaRPr lang="en-US" dirty="0"/>
+          </a:p>
+        </p:txBody>
+      </p:sp>
     </p:spTree>
   </p:cSld>
   <p:clrMapOvr>
     <a:masterClrMapping/>
   </p:clrMapOvr>
-  <p:timing>
-    <p:tnLst>
-      <p:par>
-        <p:cTn id="1" dur="indefinite" restart="never" nodeType="tmRoot"/>
-      </p:par>
-    </p:tnLst>
-  </p:timing>
 </p:sld>
 </file>
 
@@ -18866,7 +19040,7 @@
           <a:p>
             <a:r>
               <a:rPr lang="hu-HU" dirty="0" smtClean="0"/>
-              <a:t>DTW</a:t>
+              <a:t>Eredmények</a:t>
             </a:r>
             <a:endParaRPr lang="en-US" dirty="0"/>
           </a:p>
@@ -18874,7 +19048,7 @@
       </p:sp>
       <p:sp>
         <p:nvSpPr>
-          <p:cNvPr id="5" name="Tartalom helye 4"/>
+          <p:cNvPr id="6" name="Tartalom helye 5"/>
           <p:cNvSpPr>
             <a:spLocks noGrp="1"/>
           </p:cNvSpPr>
@@ -18887,13 +19061,87 @@
           <a:bodyPr/>
           <a:lstStyle/>
           <a:p>
-            <a:endParaRPr lang="en-US"/>
-          </a:p>
-        </p:txBody>
-      </p:sp>
-      <p:sp>
-        <p:nvSpPr>
-          <p:cNvPr id="4" name="Dia számának helye 3"/>
+            <a:r>
+              <a:rPr lang="hu-HU" dirty="0" smtClean="0"/>
+              <a:t>Minimális gesztushossz: &gt;1 sec</a:t>
+            </a:r>
+          </a:p>
+          <a:p>
+            <a:pPr lvl="1"/>
+            <a:r>
+              <a:rPr lang="hu-HU" dirty="0" smtClean="0"/>
+              <a:t>A rövid gesztusok nem illeszkednek a kicsit hasonlókra</a:t>
+            </a:r>
+          </a:p>
+          <a:p>
+            <a:r>
+              <a:rPr lang="hu-HU" dirty="0" smtClean="0"/>
+              <a:t>Maximális gesztushossz</a:t>
+            </a:r>
+          </a:p>
+          <a:p>
+            <a:pPr lvl="1"/>
+            <a:r>
+              <a:rPr lang="hu-HU" dirty="0" smtClean="0"/>
+              <a:t>~4 sec, 30 FPS mellett: 150 hosszúságú szögsorozatok, mint gesztusok</a:t>
+            </a:r>
+          </a:p>
+          <a:p>
+            <a:pPr lvl="1"/>
+            <a:r>
+              <a:rPr lang="hu-HU" dirty="0" smtClean="0"/>
+              <a:t>Mintavételezés csökkentése a harmadára</a:t>
+            </a:r>
+          </a:p>
+          <a:p>
+            <a:pPr lvl="2"/>
+            <a:r>
+              <a:rPr lang="hu-HU" dirty="0" smtClean="0"/>
+              <a:t>Főbb mozgáskomponensek megmaradnak</a:t>
+            </a:r>
+          </a:p>
+          <a:p>
+            <a:r>
+              <a:rPr lang="hu-HU" dirty="0" smtClean="0"/>
+              <a:t>Maximális </a:t>
+            </a:r>
+            <a:r>
+              <a:rPr lang="hu-HU" i="1" dirty="0" smtClean="0"/>
+              <a:t>DTW</a:t>
+            </a:r>
+            <a:r>
+              <a:rPr lang="hu-HU" dirty="0" smtClean="0"/>
+              <a:t> hiba</a:t>
+            </a:r>
+          </a:p>
+          <a:p>
+            <a:pPr lvl="1"/>
+            <a:r>
+              <a:rPr lang="hu-HU" dirty="0" smtClean="0"/>
+              <a:t>Gesztusok közötti távolság</a:t>
+            </a:r>
+          </a:p>
+          <a:p>
+            <a:pPr lvl="1"/>
+            <a:r>
+              <a:rPr lang="hu-HU" dirty="0" smtClean="0"/>
+              <a:t>Empirikus úton. </a:t>
+            </a:r>
+            <a:r>
+              <a:rPr lang="hu-HU" i="1" dirty="0" smtClean="0"/>
+              <a:t>DTW</a:t>
+            </a:r>
+            <a:r>
+              <a:rPr lang="hu-HU" dirty="0" smtClean="0"/>
+              <a:t> távolság &lt; 15</a:t>
+            </a:r>
+            <a:endParaRPr lang="en-US" dirty="0"/>
+          </a:p>
+        </p:txBody>
+      </p:sp>
+      <p:sp>
+        <p:nvSpPr>
+          <p:cNvPr id="5" name="Dia számának helye 4"/>
           <p:cNvSpPr>
             <a:spLocks noGrp="1"/>
           </p:cNvSpPr>
@@ -18906,7 +19154,7 @@
           <a:bodyPr/>
           <a:lstStyle/>
           <a:p>
-            <a:fld id="{542D1DA9-52F1-4142-B312-8F3B3A48E1E0}" type="slidenum">
+            <a:fld id="{6D1DA897-3744-4D5B-9984-8F2633B79E23}" type="slidenum">
               <a:rPr lang="en-US" smtClean="0"/>
               <a:pPr/>
               <a:t>12</a:t>
@@ -18965,26 +19213,7 @@
       </p:sp>
       <p:sp>
         <p:nvSpPr>
-          <p:cNvPr id="6" name="Tartalom helye 5"/>
-          <p:cNvSpPr>
-            <a:spLocks noGrp="1"/>
-          </p:cNvSpPr>
-          <p:nvPr>
-            <p:ph idx="1"/>
-          </p:nvPr>
-        </p:nvSpPr>
-        <p:spPr/>
-        <p:txBody>
-          <a:bodyPr/>
-          <a:lstStyle/>
-          <a:p>
-            <a:endParaRPr lang="en-US"/>
-          </a:p>
-        </p:txBody>
-      </p:sp>
-      <p:sp>
-        <p:nvSpPr>
-          <p:cNvPr id="5" name="Dia számának helye 4"/>
+          <p:cNvPr id="4" name="Dia számának helye 3"/>
           <p:cNvSpPr>
             <a:spLocks noGrp="1"/>
           </p:cNvSpPr>
@@ -19006,11 +19235,93 @@
           </a:p>
         </p:txBody>
       </p:sp>
+      <p:graphicFrame>
+        <p:nvGraphicFramePr>
+          <p:cNvPr id="5" name="Diagram 4"/>
+          <p:cNvGraphicFramePr/>
+          <p:nvPr/>
+        </p:nvGraphicFramePr>
+        <p:xfrm>
+          <a:off x="1676400" y="1332000"/>
+          <a:ext cx="6840000" cy="3780000"/>
+        </p:xfrm>
+        <a:graphic>
+          <a:graphicData uri="http://schemas.openxmlformats.org/drawingml/2006/chart">
+            <c:chart xmlns:c="http://schemas.openxmlformats.org/drawingml/2006/chart" xmlns:r="http://schemas.openxmlformats.org/officeDocument/2006/relationships" r:id="rId2"/>
+          </a:graphicData>
+        </a:graphic>
+      </p:graphicFrame>
+      <p:sp>
+        <p:nvSpPr>
+          <p:cNvPr id="6" name="Szövegdoboz 5"/>
+          <p:cNvSpPr txBox="1"/>
+          <p:nvPr/>
+        </p:nvSpPr>
+        <p:spPr>
+          <a:xfrm>
+            <a:off x="2286000" y="5256000"/>
+            <a:ext cx="5562600" cy="1200329"/>
+          </a:xfrm>
+          <a:prstGeom prst="rect">
+            <a:avLst/>
+          </a:prstGeom>
+          <a:noFill/>
+        </p:spPr>
+        <p:txBody>
+          <a:bodyPr wrap="square" rtlCol="0">
+            <a:spAutoFit/>
+          </a:bodyPr>
+          <a:lstStyle/>
+          <a:p>
+            <a:pPr algn="just"/>
+            <a:r>
+              <a:rPr lang="hu-HU" dirty="0" smtClean="0">
+                <a:latin typeface="+mn-lt"/>
+              </a:rPr>
+              <a:t>Az osztályonkénti átlagos </a:t>
+            </a:r>
+            <a:r>
+              <a:rPr lang="hu-HU" i="1" dirty="0" smtClean="0">
+                <a:latin typeface="+mn-lt"/>
+              </a:rPr>
+              <a:t>DTW</a:t>
+            </a:r>
+            <a:r>
+              <a:rPr lang="hu-HU" dirty="0" smtClean="0">
+                <a:latin typeface="+mn-lt"/>
+              </a:rPr>
+              <a:t> távolság 20 darab körkörös fejmozgásra. Látható, hogy javul a </a:t>
+            </a:r>
+            <a:r>
+              <a:rPr lang="hu-HU" i="1" dirty="0" smtClean="0">
+                <a:latin typeface="+mn-lt"/>
+              </a:rPr>
+              <a:t>DTW</a:t>
+            </a:r>
+            <a:r>
+              <a:rPr lang="hu-HU" dirty="0" smtClean="0">
+                <a:latin typeface="+mn-lt"/>
+              </a:rPr>
+              <a:t> szeparáló teljesítménye, ha bizonyos határok között növeljük az egyes osztályok számosságát.</a:t>
+            </a:r>
+            <a:endParaRPr lang="en-US" dirty="0">
+              <a:latin typeface="+mn-lt"/>
+            </a:endParaRPr>
+          </a:p>
+        </p:txBody>
+      </p:sp>
     </p:spTree>
   </p:cSld>
   <p:clrMapOvr>
     <a:masterClrMapping/>
   </p:clrMapOvr>
+  <p:timing>
+    <p:tnLst>
+      <p:par>
+        <p:cTn id="1" dur="indefinite" restart="never" nodeType="tmRoot"/>
+      </p:par>
+    </p:tnLst>
+  </p:timing>
 </p:sld>
 </file>
 
@@ -19055,25 +19366,6 @@
               <a:t>Köszönöm a figyelmet!</a:t>
             </a:r>
             <a:endParaRPr lang="en-US" dirty="0"/>
-          </a:p>
-        </p:txBody>
-      </p:sp>
-      <p:sp>
-        <p:nvSpPr>
-          <p:cNvPr id="4" name="Alcím 3"/>
-          <p:cNvSpPr>
-            <a:spLocks noGrp="1"/>
-          </p:cNvSpPr>
-          <p:nvPr>
-            <p:ph type="subTitle" idx="1"/>
-          </p:nvPr>
-        </p:nvSpPr>
-        <p:spPr/>
-        <p:txBody>
-          <a:bodyPr/>
-          <a:lstStyle/>
-          <a:p>
-            <a:endParaRPr lang="en-US"/>
           </a:p>
         </p:txBody>
       </p:sp>
@@ -19156,8 +19448,20 @@
             <a:pPr lvl="1"/>
             <a:r>
               <a:rPr lang="hu-HU" dirty="0" smtClean="0"/>
-              <a:t>Tudatos fejmozgások, mint mozdulatsorok felismerése</a:t>
-            </a:r>
+              <a:t>Tudatos fejmozgások, mint mozdulatsorok </a:t>
+            </a:r>
+            <a:r>
+              <a:rPr lang="hu-HU" dirty="0" smtClean="0"/>
+              <a:t>felismerése</a:t>
+            </a:r>
+          </a:p>
+          <a:p>
+            <a:pPr lvl="1"/>
+            <a:r>
+              <a:rPr lang="hu-HU" dirty="0" smtClean="0"/>
+              <a:t>Valós időben, kis számú adat alapján</a:t>
+            </a:r>
+            <a:endParaRPr lang="hu-HU" dirty="0" smtClean="0"/>
           </a:p>
           <a:p>
             <a:r>
@@ -19311,36 +19615,60 @@
             <a:pPr lvl="1"/>
             <a:r>
               <a:rPr lang="hu-HU" dirty="0" smtClean="0"/>
-              <a:t>Mozdulatok eltérő ütemben történő végrehajtása</a:t>
-            </a:r>
-          </a:p>
-          <a:p>
+              <a:t>Mozdulatok eltérő ütemben történő </a:t>
+            </a:r>
             <a:r>
               <a:rPr lang="hu-HU" dirty="0" smtClean="0"/>
-              <a:t>Követelmény </a:t>
+              <a:t>végrehajtása</a:t>
+            </a:r>
+          </a:p>
+          <a:p>
+            <a:r>
+              <a:rPr lang="hu-HU" dirty="0" smtClean="0"/>
+              <a:t>Fejmozgás behatárolása térben és </a:t>
+            </a:r>
+            <a:r>
+              <a:rPr lang="hu-HU" dirty="0" smtClean="0"/>
+              <a:t>időben</a:t>
             </a:r>
           </a:p>
           <a:p>
             <a:pPr lvl="1"/>
             <a:r>
+              <a:rPr lang="hu-HU" i="1" dirty="0" smtClean="0"/>
+              <a:t>MHI</a:t>
+            </a:r>
+            <a:r>
               <a:rPr lang="hu-HU" dirty="0" smtClean="0"/>
-              <a:t>Valós </a:t>
+              <a:t> </a:t>
             </a:r>
             <a:r>
               <a:rPr lang="hu-HU" dirty="0" smtClean="0"/>
-              <a:t>idejű felismerés</a:t>
-            </a:r>
-          </a:p>
-          <a:p>
-            <a:pPr lvl="1"/>
+              <a:t>reprezentáció: időtől </a:t>
+            </a:r>
             <a:r>
               <a:rPr lang="hu-HU" dirty="0" smtClean="0"/>
-              <a:t>Kis </a:t>
+              <a:t>függő sablon, ahol minden egyes pixel értéke a </a:t>
             </a:r>
             <a:r>
               <a:rPr lang="hu-HU" dirty="0" smtClean="0"/>
-              <a:t>számú adat alapján kell megkülönböztetni a gesztusokat</a:t>
-            </a:r>
+              <a:t>fejmozgás </a:t>
+            </a:r>
+            <a:r>
+              <a:rPr lang="hu-HU" dirty="0" smtClean="0"/>
+              <a:t>egy </a:t>
+            </a:r>
+            <a:r>
+              <a:rPr lang="hu-HU" dirty="0" smtClean="0"/>
+              <a:t>függvényeke</a:t>
+            </a:r>
+            <a:endParaRPr lang="hu-HU" dirty="0" smtClean="0"/>
+          </a:p>
+          <a:p>
+            <a:endParaRPr lang="hu-HU" dirty="0" smtClean="0"/>
+          </a:p>
+          <a:p>
+            <a:endParaRPr lang="hu-HU" dirty="0" smtClean="0"/>
           </a:p>
         </p:txBody>
       </p:sp>
@@ -19439,45 +19767,73 @@
           <a:lstStyle/>
           <a:p>
             <a:r>
-              <a:rPr lang="hu-HU" dirty="0" smtClean="0"/>
-              <a:t>Fejmozgás behatárolása térben és időben</a:t>
-            </a:r>
-          </a:p>
-          <a:p>
-            <a:r>
-              <a:rPr lang="hu-HU" dirty="0" smtClean="0"/>
-              <a:t>MHI </a:t>
-            </a:r>
-            <a:r>
-              <a:rPr lang="hu-HU" dirty="0" smtClean="0"/>
-              <a:t>reprezentáció</a:t>
+              <a:rPr lang="hu-HU" sz="2800" i="1" dirty="0" smtClean="0"/>
+              <a:t>MHI</a:t>
+            </a:r>
+            <a:r>
+              <a:rPr lang="hu-HU" sz="2800" dirty="0" smtClean="0"/>
+              <a:t>: képszekvencia </a:t>
+            </a:r>
+            <a:r>
+              <a:rPr lang="hu-HU" sz="2800" dirty="0" smtClean="0"/>
+              <a:t>mozgó objektumainak változásait írja </a:t>
+            </a:r>
+            <a:r>
+              <a:rPr lang="hu-HU" sz="2800" dirty="0" smtClean="0"/>
+              <a:t>le</a:t>
             </a:r>
           </a:p>
           <a:p>
             <a:pPr lvl="1"/>
             <a:r>
-              <a:rPr lang="hu-HU" dirty="0" smtClean="0"/>
-              <a:t>Időalapú sablonozó eljárás</a:t>
+              <a:rPr lang="hu-HU" sz="2400" dirty="0" smtClean="0"/>
+              <a:t>Több </a:t>
+            </a:r>
+            <a:r>
+              <a:rPr lang="hu-HU" sz="2400" dirty="0" smtClean="0"/>
+              <a:t>egymást követő képkockán keresztül</a:t>
             </a:r>
           </a:p>
           <a:p>
             <a:pPr lvl="1"/>
             <a:r>
-              <a:rPr lang="hu-HU" dirty="0" smtClean="0"/>
-              <a:t>Sablon: minden egyes pixel értéke a mozgásnak egy időbeli függvénye</a:t>
+              <a:rPr lang="hu-HU" sz="2400" dirty="0" smtClean="0"/>
+              <a:t>Maszk: azokat a régiókat jelöli ki, ahol mozgás volt az adott időpillanatban (</a:t>
+            </a:r>
+            <a:r>
+              <a:rPr lang="hu-HU" sz="2400" dirty="0" smtClean="0">
+                <a:sym typeface="Symbol"/>
+              </a:rPr>
+              <a:t></a:t>
+            </a:r>
+            <a:r>
+              <a:rPr lang="hu-HU" sz="2400" dirty="0" smtClean="0"/>
+              <a:t>)</a:t>
             </a:r>
           </a:p>
           <a:p>
             <a:pPr lvl="1"/>
             <a:r>
-              <a:rPr lang="hu-HU" dirty="0" smtClean="0"/>
-              <a:t>Képszekvencia mozgó objektumainak változásait írja </a:t>
-            </a:r>
-            <a:r>
-              <a:rPr lang="hu-HU" dirty="0" smtClean="0"/>
-              <a:t>le, több egymást követő képkockán keresztül</a:t>
-            </a:r>
-            <a:endParaRPr lang="hu-HU" dirty="0" smtClean="0"/>
+              <a:rPr lang="hu-HU" sz="2400" dirty="0" smtClean="0"/>
+              <a:t>Ahol mozgás volt, ott az összes pixel </a:t>
+            </a:r>
+            <a:r>
+              <a:rPr lang="hu-HU" sz="2400" dirty="0" smtClean="0">
+                <a:sym typeface="Symbol"/>
+              </a:rPr>
+              <a:t></a:t>
+            </a:r>
+            <a:r>
+              <a:rPr lang="hu-HU" sz="2400" dirty="0" smtClean="0"/>
+              <a:t> értéket vesz fel,</a:t>
+            </a:r>
+          </a:p>
+          <a:p>
+            <a:pPr lvl="1"/>
+            <a:r>
+              <a:rPr lang="hu-HU" sz="2400" dirty="0" smtClean="0"/>
+              <a:t>A többi fokozatosan elhalványul, majd törlődik.</a:t>
+            </a:r>
           </a:p>
           <a:p>
             <a:pPr lvl="1"/>
@@ -19515,6 +19871,38 @@
           </a:p>
         </p:txBody>
       </p:sp>
+      <p:pic>
+        <p:nvPicPr>
+          <p:cNvPr id="6" name="Picture 9"/>
+          <p:cNvPicPr>
+            <a:picLocks noChangeAspect="1" noChangeArrowheads="1"/>
+          </p:cNvPicPr>
+          <p:nvPr/>
+        </p:nvPicPr>
+        <p:blipFill>
+          <a:blip r:embed="rId2" cstate="print"/>
+          <a:srcRect/>
+          <a:stretch>
+            <a:fillRect/>
+          </a:stretch>
+        </p:blipFill>
+        <p:spPr bwMode="auto">
+          <a:xfrm>
+            <a:off x="2628000" y="4716000"/>
+            <a:ext cx="5252728" cy="1980000"/>
+          </a:xfrm>
+          <a:prstGeom prst="rect">
+            <a:avLst/>
+          </a:prstGeom>
+          <a:noFill/>
+          <a:ln w="9525">
+            <a:noFill/>
+            <a:miter lim="800000"/>
+            <a:headEnd/>
+            <a:tailEnd/>
+          </a:ln>
+        </p:spPr>
+      </p:pic>
     </p:spTree>
   </p:cSld>
   <p:clrMapOvr>
@@ -19564,7 +19952,7 @@
           <a:p>
             <a:r>
               <a:rPr lang="hu-HU" dirty="0" smtClean="0"/>
-              <a:t>Fejmozgás detektálása</a:t>
+              <a:t>Fejmozgás iránya</a:t>
             </a:r>
             <a:endParaRPr lang="en-US" dirty="0"/>
           </a:p>
@@ -19586,54 +19974,93 @@
           <a:lstStyle/>
           <a:p>
             <a:r>
-              <a:rPr lang="hu-HU" dirty="0" smtClean="0"/>
-              <a:t>MHI reprezentáció</a:t>
-            </a:r>
-          </a:p>
-          <a:p>
-            <a:pPr lvl="1"/>
-            <a:r>
-              <a:rPr lang="hu-HU" dirty="0" smtClean="0"/>
-              <a:t>Maszk: azokat a régiókat jelöli ki, ahol mozgás volt az adott időpillanatban (</a:t>
-            </a:r>
-            <a:r>
-              <a:rPr lang="hu-HU" dirty="0" smtClean="0">
+              <a:rPr lang="hu-HU" sz="2800" i="1" dirty="0" smtClean="0"/>
+              <a:t>MHI</a:t>
+            </a:r>
+            <a:r>
+              <a:rPr lang="hu-HU" sz="2800" dirty="0" smtClean="0"/>
+              <a:t> </a:t>
+            </a:r>
+            <a:r>
+              <a:rPr lang="hu-HU" sz="2800" dirty="0" smtClean="0">
                 <a:sym typeface="Symbol"/>
               </a:rPr>
-              <a:t></a:t>
-            </a:r>
-            <a:r>
-              <a:rPr lang="hu-HU" dirty="0" smtClean="0"/>
-              <a:t>)</a:t>
+              <a:t> </a:t>
+            </a:r>
+            <a:r>
+              <a:rPr lang="hu-HU" sz="2800" dirty="0" smtClean="0"/>
+              <a:t>mozgás </a:t>
+            </a:r>
+            <a:r>
+              <a:rPr lang="hu-HU" sz="2800" dirty="0" smtClean="0"/>
+              <a:t>gradiens, fejpozíció </a:t>
+            </a:r>
+            <a:r>
+              <a:rPr lang="hu-HU" sz="2800" dirty="0" smtClean="0"/>
+              <a:t>megváltozásának iránya</a:t>
             </a:r>
           </a:p>
           <a:p>
             <a:pPr lvl="1"/>
             <a:r>
-              <a:rPr lang="hu-HU" dirty="0" smtClean="0"/>
-              <a:t>Ahol mozgás volt, ott az összes pixel </a:t>
-            </a:r>
-            <a:r>
-              <a:rPr lang="hu-HU" dirty="0" smtClean="0">
-                <a:sym typeface="Symbol"/>
-              </a:rPr>
-              <a:t></a:t>
-            </a:r>
-            <a:r>
-              <a:rPr lang="hu-HU" dirty="0" smtClean="0"/>
-              <a:t> értéket vesz fel,</a:t>
+              <a:rPr lang="hu-HU" sz="2400" dirty="0" smtClean="0"/>
+              <a:t>Nem </a:t>
+            </a:r>
+            <a:r>
+              <a:rPr lang="hu-HU" sz="2400" dirty="0" smtClean="0"/>
+              <a:t>elég </a:t>
+            </a:r>
+            <a:r>
+              <a:rPr lang="hu-HU" sz="2400" dirty="0" smtClean="0"/>
+              <a:t>stabil, kicsi </a:t>
+            </a:r>
+            <a:r>
+              <a:rPr lang="hu-HU" sz="2400" dirty="0" smtClean="0"/>
+              <a:t>az arc felbontása</a:t>
+            </a:r>
+          </a:p>
+          <a:p>
+            <a:r>
+              <a:rPr lang="hu-HU" sz="2800" dirty="0" smtClean="0"/>
+              <a:t>Feladat: a mozgás tekintetében hasznos régiók </a:t>
+            </a:r>
+            <a:r>
+              <a:rPr lang="hu-HU" sz="2800" dirty="0" smtClean="0"/>
+              <a:t>meghatározása</a:t>
             </a:r>
           </a:p>
           <a:p>
             <a:pPr lvl="1"/>
             <a:r>
-              <a:rPr lang="hu-HU" dirty="0" smtClean="0"/>
-              <a:t>A többi fokozatosan elhalványul, majd törlődik.</a:t>
-            </a:r>
-          </a:p>
-          <a:p>
-            <a:pPr lvl="1"/>
-            <a:endParaRPr lang="en-US" dirty="0"/>
+              <a:rPr lang="hu-HU" sz="2400" i="1" dirty="0" smtClean="0"/>
+              <a:t>FAST</a:t>
+            </a:r>
+            <a:r>
+              <a:rPr lang="hu-HU" sz="2400" dirty="0" smtClean="0"/>
+              <a:t> </a:t>
+            </a:r>
+            <a:r>
+              <a:rPr lang="hu-HU" sz="2400" dirty="0" smtClean="0"/>
+              <a:t>sarokdetektor</a:t>
+            </a:r>
+            <a:endParaRPr lang="hu-HU" sz="2400" dirty="0" smtClean="0"/>
+          </a:p>
+          <a:p>
+            <a:pPr lvl="2"/>
+            <a:r>
+              <a:rPr lang="hu-HU" sz="2000" dirty="0" smtClean="0"/>
+              <a:t>A kép pixeleit és azok környezetét vizsgálja</a:t>
+            </a:r>
+          </a:p>
+          <a:p>
+            <a:pPr lvl="2"/>
+            <a:r>
+              <a:rPr lang="hu-HU" sz="2000" dirty="0" smtClean="0"/>
+              <a:t>Eredményét korlátozzuk az arcra</a:t>
+            </a:r>
+          </a:p>
+          <a:p>
+            <a:endParaRPr lang="hu-HU" dirty="0" smtClean="0"/>
           </a:p>
         </p:txBody>
       </p:sp>
@@ -19657,22 +20084,29 @@
               <a:pPr/>
               <a:t>5</a:t>
             </a:fld>
-            <a:endParaRPr lang="en-US"/>
-          </a:p>
-        </p:txBody>
-      </p:sp>
-      <p:sp>
-        <p:nvSpPr>
-          <p:cNvPr id="1028" name="Rectangle 4"/>
-          <p:cNvSpPr>
-            <a:spLocks noChangeArrowheads="1"/>
-          </p:cNvSpPr>
+            <a:endParaRPr lang="en-US" dirty="0"/>
+          </a:p>
+        </p:txBody>
+      </p:sp>
+      <p:pic>
+        <p:nvPicPr>
+          <p:cNvPr id="5" name="Kép 4"/>
+          <p:cNvPicPr>
+            <a:picLocks noChangeAspect="1"/>
+          </p:cNvPicPr>
           <p:nvPr/>
-        </p:nvSpPr>
+        </p:nvPicPr>
+        <p:blipFill>
+          <a:blip r:embed="rId2" cstate="print"/>
+          <a:srcRect/>
+          <a:stretch>
+            <a:fillRect/>
+          </a:stretch>
+        </p:blipFill>
         <p:spPr bwMode="auto">
           <a:xfrm>
-            <a:off x="0" y="0"/>
-            <a:ext cx="9144000" cy="0"/>
+            <a:off x="2376000" y="4860000"/>
+            <a:ext cx="2490538" cy="1800000"/>
           </a:xfrm>
           <a:prstGeom prst="rect">
             <a:avLst/>
@@ -19684,102 +20118,13 @@
             <a:headEnd/>
             <a:tailEnd/>
           </a:ln>
-          <a:effectLst/>
         </p:spPr>
-        <p:txBody>
-          <a:bodyPr vert="horz" wrap="none" lIns="91440" tIns="45720" rIns="91440" bIns="45720" numCol="1" anchor="ctr" anchorCtr="0" compatLnSpc="1">
-            <a:prstTxWarp prst="textNoShape">
-              <a:avLst/>
-            </a:prstTxWarp>
-            <a:spAutoFit/>
-          </a:bodyPr>
-          <a:lstStyle/>
-          <a:p>
-            <a:endParaRPr lang="en-US"/>
-          </a:p>
-        </p:txBody>
-      </p:sp>
-      <p:sp>
-        <p:nvSpPr>
-          <p:cNvPr id="1030" name="Rectangle 6"/>
-          <p:cNvSpPr>
-            <a:spLocks noChangeArrowheads="1"/>
-          </p:cNvSpPr>
-          <p:nvPr/>
-        </p:nvSpPr>
-        <p:spPr bwMode="auto">
-          <a:xfrm>
-            <a:off x="0" y="0"/>
-            <a:ext cx="9144000" cy="0"/>
-          </a:xfrm>
-          <a:prstGeom prst="rect">
-            <a:avLst/>
-          </a:prstGeom>
-          <a:noFill/>
-          <a:ln w="9525">
-            <a:noFill/>
-            <a:miter lim="800000"/>
-            <a:headEnd/>
-            <a:tailEnd/>
-          </a:ln>
-          <a:effectLst/>
-        </p:spPr>
-        <p:txBody>
-          <a:bodyPr vert="horz" wrap="none" lIns="91440" tIns="45720" rIns="91440" bIns="45720" numCol="1" anchor="ctr" anchorCtr="0" compatLnSpc="1">
-            <a:prstTxWarp prst="textNoShape">
-              <a:avLst/>
-            </a:prstTxWarp>
-            <a:spAutoFit/>
-          </a:bodyPr>
-          <a:lstStyle/>
-          <a:p>
-            <a:endParaRPr lang="en-US"/>
-          </a:p>
-        </p:txBody>
-      </p:sp>
-      <p:sp>
-        <p:nvSpPr>
-          <p:cNvPr id="1032" name="Rectangle 8"/>
-          <p:cNvSpPr>
-            <a:spLocks noChangeArrowheads="1"/>
-          </p:cNvSpPr>
-          <p:nvPr/>
-        </p:nvSpPr>
-        <p:spPr bwMode="auto">
-          <a:xfrm>
-            <a:off x="0" y="0"/>
-            <a:ext cx="9144000" cy="0"/>
-          </a:xfrm>
-          <a:prstGeom prst="rect">
-            <a:avLst/>
-          </a:prstGeom>
-          <a:noFill/>
-          <a:ln w="9525">
-            <a:noFill/>
-            <a:miter lim="800000"/>
-            <a:headEnd/>
-            <a:tailEnd/>
-          </a:ln>
-          <a:effectLst/>
-        </p:spPr>
-        <p:txBody>
-          <a:bodyPr vert="horz" wrap="none" lIns="91440" tIns="45720" rIns="91440" bIns="45720" numCol="1" anchor="ctr" anchorCtr="0" compatLnSpc="1">
-            <a:prstTxWarp prst="textNoShape">
-              <a:avLst/>
-            </a:prstTxWarp>
-            <a:spAutoFit/>
-          </a:bodyPr>
-          <a:lstStyle/>
-          <a:p>
-            <a:endParaRPr lang="en-US"/>
-          </a:p>
-        </p:txBody>
-      </p:sp>
+      </p:pic>
       <p:pic>
         <p:nvPicPr>
-          <p:cNvPr id="1033" name="Picture 9"/>
+          <p:cNvPr id="6" name="Kép 5"/>
           <p:cNvPicPr>
-            <a:picLocks noChangeAspect="1" noChangeArrowheads="1"/>
+            <a:picLocks noChangeAspect="1"/>
           </p:cNvPicPr>
           <p:nvPr/>
         </p:nvPicPr>
@@ -19792,8 +20137,8 @@
         </p:blipFill>
         <p:spPr bwMode="auto">
           <a:xfrm>
-            <a:off x="2628000" y="4644000"/>
-            <a:ext cx="5252728" cy="1980000"/>
+            <a:off x="5724000" y="4860000"/>
+            <a:ext cx="2490530" cy="1800000"/>
           </a:xfrm>
           <a:prstGeom prst="rect">
             <a:avLst/>
@@ -19879,53 +20224,80 @@
           <a:p>
             <a:r>
               <a:rPr lang="hu-HU" dirty="0" smtClean="0"/>
-              <a:t>MHI: fejmozgás 5 </a:t>
+              <a:t>Optikai áramláshoz tartozó vektorok kiszámítása</a:t>
+            </a:r>
+          </a:p>
+          <a:p>
+            <a:pPr lvl="1"/>
+            <a:r>
+              <a:rPr lang="hu-HU" i="1" dirty="0" smtClean="0"/>
+              <a:t>FAST</a:t>
             </a:r>
             <a:r>
               <a:rPr lang="hu-HU" dirty="0" smtClean="0"/>
-              <a:t>egymást követő képkockán</a:t>
+              <a:t> jellemzőpontok alapján, az aktuális és a következő képkocka között</a:t>
             </a:r>
           </a:p>
           <a:p>
             <a:r>
               <a:rPr lang="hu-HU" dirty="0" smtClean="0"/>
-              <a:t>Mozgás </a:t>
+              <a:t>Fejmozgás iránya: </a:t>
+            </a:r>
+            <a:r>
+              <a:rPr lang="hu-HU" i="1" dirty="0" smtClean="0"/>
+              <a:t>n</a:t>
             </a:r>
             <a:r>
               <a:rPr lang="hu-HU" dirty="0" smtClean="0"/>
-              <a:t>gradiens</a:t>
+              <a:t> </a:t>
+            </a:r>
+            <a:r>
+              <a:rPr lang="hu-HU" dirty="0" smtClean="0"/>
+              <a:t>db optikai folyam vektor számtani közepe</a:t>
             </a:r>
           </a:p>
           <a:p>
             <a:pPr lvl="1"/>
             <a:r>
               <a:rPr lang="hu-HU" dirty="0" smtClean="0"/>
-              <a:t>Fejpozíció </a:t>
+              <a:t>Irányszög: a vektornak az </a:t>
+            </a:r>
+            <a:r>
+              <a:rPr lang="hu-HU" i="1" dirty="0" smtClean="0"/>
+              <a:t>y</a:t>
             </a:r>
             <a:r>
               <a:rPr lang="hu-HU" dirty="0" smtClean="0"/>
-              <a:t>megváltozásának iránya</a:t>
+              <a:t> tengely pozitív oldalával bezárt szöge</a:t>
             </a:r>
           </a:p>
           <a:p>
             <a:pPr lvl="1"/>
             <a:r>
               <a:rPr lang="hu-HU" dirty="0" smtClean="0"/>
-              <a:t>Gyakorlati tapasztalat: nem elég stabil</a:t>
+              <a:t>Probléma: túl sok lehetséges érték a [0,2</a:t>
+            </a:r>
+            <a:r>
+              <a:rPr lang="hu-HU" dirty="0" smtClean="0">
+                <a:sym typeface="Symbol"/>
+              </a:rPr>
+              <a:t></a:t>
+            </a:r>
+            <a:r>
+              <a:rPr lang="hu-HU" dirty="0" smtClean="0"/>
+              <a:t>] intervallumból</a:t>
             </a:r>
           </a:p>
           <a:p>
             <a:pPr lvl="1"/>
             <a:r>
               <a:rPr lang="hu-HU" dirty="0" smtClean="0"/>
-              <a:t>Kicsi az arc felbontása</a:t>
-            </a:r>
-          </a:p>
-          <a:p>
-            <a:r>
-              <a:rPr lang="hu-HU" dirty="0" smtClean="0"/>
-              <a:t>Feladat: a mozgás tekintetében hasznos régiók meghatározása</a:t>
-            </a:r>
+              <a:t>Megoldás: csoportosítsuk a szögeket</a:t>
+            </a:r>
+          </a:p>
+          <a:p>
+            <a:pPr lvl="1"/>
+            <a:endParaRPr lang="en-US" dirty="0"/>
           </a:p>
         </p:txBody>
       </p:sp>
@@ -19944,7 +20316,7 @@
           <a:bodyPr/>
           <a:lstStyle/>
           <a:p>
-            <a:fld id="{9E9E5A1C-EDF7-40CE-9086-E60A1AAF709D}" type="slidenum">
+            <a:fld id="{22E22E5D-D770-43BC-AE42-B297AEBDF44E}" type="slidenum">
               <a:rPr lang="en-US" smtClean="0"/>
               <a:pPr/>
               <a:t>6</a:t>
@@ -20010,57 +20382,6 @@
       </p:sp>
       <p:sp>
         <p:nvSpPr>
-          <p:cNvPr id="3" name="Tartalom helye 2"/>
-          <p:cNvSpPr>
-            <a:spLocks noGrp="1"/>
-          </p:cNvSpPr>
-          <p:nvPr>
-            <p:ph idx="1"/>
-          </p:nvPr>
-        </p:nvSpPr>
-        <p:spPr/>
-        <p:txBody>
-          <a:bodyPr/>
-          <a:lstStyle/>
-          <a:p>
-            <a:r>
-              <a:rPr lang="hu-HU" dirty="0" smtClean="0"/>
-              <a:t>FAST (</a:t>
-            </a:r>
-            <a:r>
-              <a:rPr lang="en-US" dirty="0" smtClean="0"/>
-              <a:t>Features from Accelerated Segment Test</a:t>
-            </a:r>
-            <a:r>
-              <a:rPr lang="hu-HU" dirty="0" smtClean="0"/>
-              <a:t>) sarokdetektor</a:t>
-            </a:r>
-          </a:p>
-          <a:p>
-            <a:pPr lvl="1"/>
-            <a:r>
-              <a:rPr lang="hu-HU" dirty="0" smtClean="0"/>
-              <a:t>A kép pixeleit és azok környezetét vizsgálja</a:t>
-            </a:r>
-          </a:p>
-          <a:p>
-            <a:pPr lvl="1"/>
-            <a:r>
-              <a:rPr lang="hu-HU" dirty="0" smtClean="0"/>
-              <a:t>Eredményét </a:t>
-            </a:r>
-            <a:r>
-              <a:rPr lang="hu-HU" dirty="0" smtClean="0"/>
-              <a:t>korlátozzuk az arcra</a:t>
-            </a:r>
-          </a:p>
-          <a:p>
-            <a:endParaRPr lang="en-US" dirty="0"/>
-          </a:p>
-        </p:txBody>
-      </p:sp>
-      <p:sp>
-        <p:nvSpPr>
           <p:cNvPr id="4" name="Dia számának helye 3"/>
           <p:cNvSpPr>
             <a:spLocks noGrp="1"/>
@@ -20085,11 +20406,13 @@
       </p:sp>
       <p:pic>
         <p:nvPicPr>
-          <p:cNvPr id="5" name="Kép 4"/>
+          <p:cNvPr id="5" name="Tartalom helye 4"/>
           <p:cNvPicPr>
-            <a:picLocks noChangeAspect="1"/>
+            <a:picLocks noGrp="1" noChangeAspect="1"/>
           </p:cNvPicPr>
-          <p:nvPr/>
+          <p:nvPr>
+            <p:ph idx="1"/>
+          </p:nvPr>
         </p:nvPicPr>
         <p:blipFill>
           <a:blip r:embed="rId2" cstate="print"/>
@@ -20100,8 +20423,8 @@
         </p:blipFill>
         <p:spPr bwMode="auto">
           <a:xfrm>
-            <a:off x="2160000" y="4140000"/>
-            <a:ext cx="2490538" cy="1800000"/>
+            <a:off x="2772000" y="1764000"/>
+            <a:ext cx="4757039" cy="3564000"/>
           </a:xfrm>
           <a:prstGeom prst="rect">
             <a:avLst/>
@@ -20115,38 +20438,41 @@
           </a:ln>
         </p:spPr>
       </p:pic>
-      <p:pic>
-        <p:nvPicPr>
-          <p:cNvPr id="6" name="Kép 5"/>
-          <p:cNvPicPr>
-            <a:picLocks noChangeAspect="1"/>
-          </p:cNvPicPr>
+      <p:sp>
+        <p:nvSpPr>
+          <p:cNvPr id="6" name="Szövegdoboz 5"/>
+          <p:cNvSpPr txBox="1"/>
           <p:nvPr/>
-        </p:nvPicPr>
-        <p:blipFill>
-          <a:blip r:embed="rId3" cstate="print"/>
-          <a:srcRect/>
-          <a:stretch>
-            <a:fillRect/>
-          </a:stretch>
-        </p:blipFill>
-        <p:spPr bwMode="auto">
+        </p:nvSpPr>
+        <p:spPr>
           <a:xfrm>
-            <a:off x="5400000" y="4140000"/>
-            <a:ext cx="2490530" cy="1800000"/>
+            <a:off x="2971800" y="5580000"/>
+            <a:ext cx="4343400" cy="646331"/>
           </a:xfrm>
           <a:prstGeom prst="rect">
             <a:avLst/>
           </a:prstGeom>
           <a:noFill/>
-          <a:ln w="9525">
-            <a:noFill/>
-            <a:miter lim="800000"/>
-            <a:headEnd/>
-            <a:tailEnd/>
-          </a:ln>
         </p:spPr>
-      </p:pic>
+        <p:txBody>
+          <a:bodyPr wrap="square" rtlCol="0">
+            <a:spAutoFit/>
+          </a:bodyPr>
+          <a:lstStyle/>
+          <a:p>
+            <a:pPr algn="just"/>
+            <a:r>
+              <a:rPr lang="hu-HU" dirty="0" smtClean="0">
+                <a:latin typeface="+mn-lt"/>
+              </a:rPr>
+              <a:t>Fejmozdulat értéke szögben. A teljes szögnek egy tizenhatodába sorolva.</a:t>
+            </a:r>
+            <a:endParaRPr lang="en-US" dirty="0">
+              <a:latin typeface="+mn-lt"/>
+            </a:endParaRPr>
+          </a:p>
+        </p:txBody>
+      </p:sp>
     </p:spTree>
   </p:cSld>
   <p:clrMapOvr>
@@ -20181,7 +20507,7 @@
       </p:grpSpPr>
       <p:sp>
         <p:nvSpPr>
-          <p:cNvPr id="2" name="Cím 1"/>
+          <p:cNvPr id="5" name="Cím 4"/>
           <p:cNvSpPr>
             <a:spLocks noGrp="1"/>
           </p:cNvSpPr>
@@ -20196,7 +20522,7 @@
           <a:p>
             <a:r>
               <a:rPr lang="hu-HU" dirty="0" smtClean="0"/>
-              <a:t>Fejmozgás iránya</a:t>
+              <a:t>Gesztusfelismerés</a:t>
             </a:r>
             <a:endParaRPr lang="en-US" dirty="0"/>
           </a:p>
@@ -20204,7 +20530,7 @@
       </p:sp>
       <p:sp>
         <p:nvSpPr>
-          <p:cNvPr id="3" name="Tartalom helye 2"/>
+          <p:cNvPr id="6" name="Tartalom helye 5"/>
           <p:cNvSpPr>
             <a:spLocks noGrp="1"/>
           </p:cNvSpPr>
@@ -20219,55 +20545,88 @@
           <a:p>
             <a:r>
               <a:rPr lang="hu-HU" dirty="0" smtClean="0"/>
-              <a:t>Optikai áramláshoz tartozó vektorok kiszámítása</a:t>
+              <a:t>Gesztus időbeli szegmentálása</a:t>
             </a:r>
           </a:p>
           <a:p>
             <a:pPr lvl="1"/>
             <a:r>
+              <a:rPr lang="hu-HU" i="1" dirty="0" smtClean="0"/>
+              <a:t>MHI</a:t>
+            </a:r>
+            <a:r>
               <a:rPr lang="hu-HU" dirty="0" smtClean="0"/>
-              <a:t>FAST jellemzőpontok alapján, az aktuális és a következő képkocka között</a:t>
-            </a:r>
-          </a:p>
-          <a:p>
+              <a:t> átlagintenzitás alapján</a:t>
+            </a:r>
+          </a:p>
+          <a:p>
+            <a:pPr marL="342900" lvl="1" indent="-342900">
+              <a:buFontTx/>
+              <a:buChar char="•"/>
+            </a:pPr>
+            <a:r>
+              <a:rPr lang="hu-HU" sz="3200" dirty="0" smtClean="0">
+                <a:ea typeface="+mn-ea"/>
+              </a:rPr>
+              <a:t>Szegmens</a:t>
+            </a:r>
+          </a:p>
+          <a:p>
+            <a:pPr lvl="1"/>
             <a:r>
               <a:rPr lang="hu-HU" dirty="0" smtClean="0"/>
-              <a:t>Fejmozgás iránya: N db optikai folyam vektor számtani közepe</a:t>
+              <a:t>Képkockák sorozata</a:t>
             </a:r>
           </a:p>
           <a:p>
             <a:pPr lvl="1"/>
             <a:r>
               <a:rPr lang="hu-HU" dirty="0" smtClean="0"/>
-              <a:t>Irányszög: </a:t>
-            </a:r>
+              <a:t>Alacsony átlagintenzitással a szekvencia elején és végén</a:t>
+            </a:r>
+          </a:p>
+          <a:p>
             <a:r>
               <a:rPr lang="hu-HU" dirty="0" smtClean="0"/>
-              <a:t>a vektornak az y tengely pozitív oldalával bezárt szöge</a:t>
+              <a:t>Gesztus</a:t>
             </a:r>
           </a:p>
           <a:p>
             <a:pPr lvl="1"/>
             <a:r>
               <a:rPr lang="hu-HU" dirty="0" smtClean="0"/>
-              <a:t>Probléma: túl sok lehetséges érték a [0,2</a:t>
-            </a:r>
-            <a:r>
-              <a:rPr lang="hu-HU" dirty="0" smtClean="0">
-                <a:sym typeface="Symbol"/>
-              </a:rPr>
-              <a:t></a:t>
-            </a:r>
-            <a:r>
-              <a:rPr lang="hu-HU" dirty="0" smtClean="0"/>
-              <a:t>] intervallumból</a:t>
+              <a:t>Szekvencia szomszédos tagjaira számított szögek sorozata</a:t>
             </a:r>
           </a:p>
           <a:p>
             <a:pPr lvl="1"/>
             <a:r>
-              <a:rPr lang="hu-HU" dirty="0" smtClean="0"/>
-              <a:t>Megoldás: csoportosítsuk a szögeket</a:t>
+              <a:rPr lang="hu-HU" sz="2400" i="1" dirty="0" smtClean="0"/>
+              <a:t>{"fejrázás";  [90°,</a:t>
+            </a:r>
+            <a:r>
+              <a:rPr lang="hu-HU" sz="2400" i="1" dirty="0" err="1" smtClean="0"/>
+              <a:t>90°</a:t>
+            </a:r>
+            <a:r>
+              <a:rPr lang="hu-HU" sz="2400" i="1" dirty="0" smtClean="0"/>
+              <a:t>,</a:t>
+            </a:r>
+            <a:r>
+              <a:rPr lang="hu-HU" sz="2400" i="1" dirty="0" err="1" smtClean="0"/>
+              <a:t>90°</a:t>
+            </a:r>
+            <a:r>
+              <a:rPr lang="hu-HU" sz="2400" i="1" dirty="0" smtClean="0"/>
+              <a:t>,270°,</a:t>
+            </a:r>
+            <a:r>
+              <a:rPr lang="hu-HU" sz="2400" i="1" dirty="0" err="1" smtClean="0"/>
+              <a:t>270°</a:t>
+            </a:r>
+            <a:r>
+              <a:rPr lang="hu-HU" sz="2400" i="1" dirty="0" smtClean="0"/>
+              <a:t>,225°,135°]}</a:t>
             </a:r>
           </a:p>
           <a:p>
@@ -20349,7 +20708,80 @@
           <a:p>
             <a:r>
               <a:rPr lang="hu-HU" dirty="0" smtClean="0"/>
-              <a:t>Fejmozgás iránya</a:t>
+              <a:t>Gesztusadatbázis</a:t>
+            </a:r>
+            <a:endParaRPr lang="en-US" dirty="0"/>
+          </a:p>
+        </p:txBody>
+      </p:sp>
+      <p:sp>
+        <p:nvSpPr>
+          <p:cNvPr id="5" name="Tartalom helye 4"/>
+          <p:cNvSpPr>
+            <a:spLocks noGrp="1"/>
+          </p:cNvSpPr>
+          <p:nvPr>
+            <p:ph idx="1"/>
+          </p:nvPr>
+        </p:nvSpPr>
+        <p:spPr/>
+        <p:txBody>
+          <a:bodyPr/>
+          <a:lstStyle/>
+          <a:p>
+            <a:r>
+              <a:rPr lang="hu-HU" dirty="0" smtClean="0"/>
+              <a:t>A mozdulatok eltérő ütemben kerülnek végrehajtásra</a:t>
+            </a:r>
+          </a:p>
+          <a:p>
+            <a:r>
+              <a:rPr lang="hu-HU" dirty="0" smtClean="0"/>
+              <a:t>Gesztus adatbázis</a:t>
+            </a:r>
+          </a:p>
+          <a:p>
+            <a:pPr lvl="1"/>
+            <a:r>
+              <a:rPr lang="hu-HU" dirty="0" smtClean="0"/>
+              <a:t>Szögsorozatok gyűjteménye</a:t>
+            </a:r>
+          </a:p>
+          <a:p>
+            <a:pPr lvl="1"/>
+            <a:r>
+              <a:rPr lang="hu-HU" dirty="0" smtClean="0"/>
+              <a:t>Csoportok: egy </a:t>
+            </a:r>
+            <a:r>
+              <a:rPr lang="hu-HU" dirty="0" smtClean="0"/>
+              <a:t>gesztushoz, több sorozat</a:t>
+            </a:r>
+          </a:p>
+          <a:p>
+            <a:r>
+              <a:rPr lang="hu-HU" dirty="0" smtClean="0"/>
+              <a:t>Komplexebb döntések hozatala</a:t>
+            </a:r>
+          </a:p>
+          <a:p>
+            <a:r>
+              <a:rPr lang="hu-HU" dirty="0" smtClean="0"/>
+              <a:t>Felismerés javítása</a:t>
+            </a:r>
+          </a:p>
+          <a:p>
+            <a:pPr lvl="1"/>
+            <a:r>
+              <a:rPr lang="hu-HU" dirty="0" smtClean="0"/>
+              <a:t>Menet közben felvesszük a felismert gesztusokat az adatbázisba</a:t>
+            </a:r>
+          </a:p>
+          <a:p>
+            <a:pPr lvl="1"/>
+            <a:r>
+              <a:rPr lang="hu-HU" dirty="0" smtClean="0"/>
+              <a:t>Igazodás a felhasználói szokásokhoz</a:t>
             </a:r>
             <a:endParaRPr lang="en-US" dirty="0"/>
           </a:p>
@@ -20370,81 +20802,12 @@
           <a:bodyPr/>
           <a:lstStyle/>
           <a:p>
-            <a:fld id="{22E22E5D-D770-43BC-AE42-B297AEBDF44E}" type="slidenum">
+            <a:fld id="{542D1DA9-52F1-4142-B312-8F3B3A48E1E0}" type="slidenum">
               <a:rPr lang="en-US" smtClean="0"/>
               <a:pPr/>
               <a:t>9</a:t>
             </a:fld>
             <a:endParaRPr lang="en-US"/>
-          </a:p>
-        </p:txBody>
-      </p:sp>
-      <p:pic>
-        <p:nvPicPr>
-          <p:cNvPr id="5" name="Tartalom helye 4"/>
-          <p:cNvPicPr>
-            <a:picLocks noGrp="1" noChangeAspect="1"/>
-          </p:cNvPicPr>
-          <p:nvPr>
-            <p:ph idx="1"/>
-          </p:nvPr>
-        </p:nvPicPr>
-        <p:blipFill>
-          <a:blip r:embed="rId2" cstate="print"/>
-          <a:srcRect/>
-          <a:stretch>
-            <a:fillRect/>
-          </a:stretch>
-        </p:blipFill>
-        <p:spPr bwMode="auto">
-          <a:xfrm>
-            <a:off x="2988000" y="1440000"/>
-            <a:ext cx="4324580" cy="3240000"/>
-          </a:xfrm>
-          <a:prstGeom prst="rect">
-            <a:avLst/>
-          </a:prstGeom>
-          <a:noFill/>
-          <a:ln w="9525">
-            <a:noFill/>
-            <a:miter lim="800000"/>
-            <a:headEnd/>
-            <a:tailEnd/>
-          </a:ln>
-        </p:spPr>
-      </p:pic>
-      <p:sp>
-        <p:nvSpPr>
-          <p:cNvPr id="6" name="Szövegdoboz 5"/>
-          <p:cNvSpPr txBox="1"/>
-          <p:nvPr/>
-        </p:nvSpPr>
-        <p:spPr>
-          <a:xfrm>
-            <a:off x="2971800" y="4953000"/>
-            <a:ext cx="4343400" cy="646331"/>
-          </a:xfrm>
-          <a:prstGeom prst="rect">
-            <a:avLst/>
-          </a:prstGeom>
-          <a:noFill/>
-        </p:spPr>
-        <p:txBody>
-          <a:bodyPr wrap="square" rtlCol="0">
-            <a:spAutoFit/>
-          </a:bodyPr>
-          <a:lstStyle/>
-          <a:p>
-            <a:pPr algn="just"/>
-            <a:r>
-              <a:rPr lang="hu-HU" dirty="0" smtClean="0">
-                <a:latin typeface="+mn-lt"/>
-              </a:rPr>
-              <a:t>Fejmozdulat értéke szögben. A teljes szögnek egy tizenhatodába sorolva.</a:t>
-            </a:r>
-            <a:endParaRPr lang="en-US" dirty="0">
-              <a:latin typeface="+mn-lt"/>
-            </a:endParaRPr>
           </a:p>
         </p:txBody>
       </p:sp>

--- a/trunk/HeadMovement/research/kepaf/ppt/bertok.kornel.kepaf.2013.pptx
+++ b/trunk/HeadMovement/research/kepaf/ppt/bertok.kornel.kepaf.2013.pptx
@@ -13,10 +13,10 @@
     <p:sldMasterId id="2147483749" r:id="rId9"/>
   </p:sldMasterIdLst>
   <p:notesMasterIdLst>
-    <p:notesMasterId r:id="rId24"/>
+    <p:notesMasterId r:id="rId25"/>
   </p:notesMasterIdLst>
   <p:handoutMasterIdLst>
-    <p:handoutMasterId r:id="rId25"/>
+    <p:handoutMasterId r:id="rId26"/>
   </p:handoutMasterIdLst>
   <p:sldIdLst>
     <p:sldId id="256" r:id="rId10"/>
@@ -32,7 +32,8 @@
     <p:sldId id="280" r:id="rId20"/>
     <p:sldId id="279" r:id="rId21"/>
     <p:sldId id="281" r:id="rId22"/>
-    <p:sldId id="267" r:id="rId23"/>
+    <p:sldId id="282" r:id="rId23"/>
+    <p:sldId id="267" r:id="rId24"/>
   </p:sldIdLst>
   <p:sldSz cx="9144000" cy="6858000" type="screen4x3"/>
   <p:notesSz cx="6858000" cy="9144000"/>
@@ -245,7 +246,7 @@
                   <c:v>32.359459999999999</c:v>
                 </c:pt>
                 <c:pt idx="2">
-                  <c:v>8.7906179999999985</c:v>
+                  <c:v>8.7906180000000003</c:v>
                 </c:pt>
               </c:numCache>
             </c:numRef>
@@ -294,7 +295,7 @@
                 <c:formatCode>0.0000</c:formatCode>
                 <c:ptCount val="3"/>
                 <c:pt idx="0">
-                  <c:v>45.411540000000002</c:v>
+                  <c:v>45.411539999999995</c:v>
                 </c:pt>
                 <c:pt idx="1">
                   <c:v>32.718800000000002</c:v>
@@ -309,24 +310,24 @@
         <c:dLbls>
           <c:showVal val="1"/>
         </c:dLbls>
-        <c:axId val="85351808"/>
-        <c:axId val="85358848"/>
+        <c:axId val="70488448"/>
+        <c:axId val="70491136"/>
       </c:barChart>
       <c:catAx>
-        <c:axId val="85351808"/>
+        <c:axId val="70488448"/>
         <c:scaling>
           <c:orientation val="minMax"/>
         </c:scaling>
         <c:axPos val="b"/>
         <c:tickLblPos val="nextTo"/>
-        <c:crossAx val="85358848"/>
+        <c:crossAx val="70491136"/>
         <c:crosses val="autoZero"/>
         <c:auto val="1"/>
         <c:lblAlgn val="ctr"/>
         <c:lblOffset val="100"/>
       </c:catAx>
       <c:valAx>
-        <c:axId val="85358848"/>
+        <c:axId val="70491136"/>
         <c:scaling>
           <c:orientation val="minMax"/>
         </c:scaling>
@@ -352,8 +353,8 @@
             <c:manualLayout>
               <c:xMode val="edge"/>
               <c:yMode val="edge"/>
-              <c:x val="1.6196052631578948E-2"/>
-              <c:y val="0.11570634920634922"/>
+              <c:x val="1.6196052631578951E-2"/>
+              <c:y val="0.11570634920634924"/>
             </c:manualLayout>
           </c:layout>
         </c:title>
@@ -361,7 +362,7 @@
         <c:majorTickMark val="cross"/>
         <c:minorTickMark val="in"/>
         <c:tickLblPos val="nextTo"/>
-        <c:crossAx val="85351808"/>
+        <c:crossAx val="70488448"/>
         <c:crosses val="autoZero"/>
         <c:crossBetween val="between"/>
       </c:valAx>
@@ -469,7 +470,7 @@
             <a:fld id="{9F882934-3326-4F95-A5C3-9CE2FA4385FB}" type="datetimeFigureOut">
               <a:rPr lang="en-US" smtClean="0"/>
               <a:pPr/>
-              <a:t>1/29/2013</a:t>
+              <a:t>1/30/2013</a:t>
             </a:fld>
             <a:endParaRPr lang="en-US"/>
           </a:p>
@@ -1131,7 +1132,7 @@
             <a:fld id="{80683E9A-DC9E-4481-B5DE-15A61F91974C}" type="slidenum">
               <a:rPr lang="en-US" smtClean="0"/>
               <a:pPr/>
-              <a:t>14</a:t>
+              <a:t>15</a:t>
             </a:fld>
             <a:endParaRPr lang="en-US"/>
           </a:p>
@@ -4340,7 +4341,7 @@
             <a:fld id="{C47046F5-0D2D-4F75-828A-F26A4AE1EC39}" type="datetime8">
               <a:rPr lang="hu-HU"/>
               <a:pPr/>
-              <a:t>2013.01.29. 15:31</a:t>
+              <a:t>2013.01.30. 14:20</a:t>
             </a:fld>
             <a:endParaRPr lang="en-US"/>
           </a:p>
@@ -4622,7 +4623,7 @@
             <a:fld id="{8E0ECF17-21A1-4F8E-B5FB-A38B67AB2214}" type="datetime8">
               <a:rPr lang="hu-HU"/>
               <a:pPr/>
-              <a:t>2013.01.29. 15:31</a:t>
+              <a:t>2013.01.30. 14:20</a:t>
             </a:fld>
             <a:endParaRPr lang="en-US"/>
           </a:p>
@@ -18604,6 +18605,7 @@
   <p:clrMapOvr>
     <a:masterClrMapping/>
   </p:clrMapOvr>
+  <p:transition advTm="11497"/>
   <p:timing>
     <p:tnLst>
       <p:par>
@@ -18696,11 +18698,7 @@
             </a:r>
             <a:r>
               <a:rPr lang="hu-HU" dirty="0" smtClean="0"/>
-              <a:t> (din. idővetemítés</a:t>
-            </a:r>
-            <a:r>
-              <a:rPr lang="hu-HU" dirty="0" smtClean="0"/>
-              <a:t>)</a:t>
+              <a:t> (din. idővetemítés)</a:t>
             </a:r>
           </a:p>
           <a:p>
@@ -18796,6 +18794,14 @@
   <p:clrMapOvr>
     <a:masterClrMapping/>
   </p:clrMapOvr>
+  <p:transition advTm="33728"/>
+  <p:timing>
+    <p:tnLst>
+      <p:par>
+        <p:cTn id="1" dur="indefinite" restart="never" nodeType="tmRoot"/>
+      </p:par>
+    </p:tnLst>
+  </p:timing>
 </p:sld>
 </file>
 
@@ -18909,7 +18915,7 @@
         <p:spPr>
           <a:xfrm>
             <a:off x="1620000" y="4724400"/>
-            <a:ext cx="7200000" cy="1754326"/>
+            <a:ext cx="7200000" cy="1477328"/>
           </a:xfrm>
           <a:prstGeom prst="rect">
             <a:avLst/>
@@ -18927,19 +18933,13 @@
               <a:rPr lang="hu-HU" dirty="0" smtClean="0">
                 <a:latin typeface="+mn-lt"/>
               </a:rPr>
-              <a:t>Egy </a:t>
+              <a:t>Két eltérő ütemben elvégzett fejrázás gesztus illesztése egymáshoz. </a:t>
             </a:r>
             <a:r>
               <a:rPr lang="hu-HU" dirty="0" smtClean="0">
                 <a:latin typeface="+mn-lt"/>
               </a:rPr>
-              <a:t>futás alatti fejrázás gesztus illesztése az adatbázis egy fejrázás csoportjába tartozó elmére. A lineáris illesztést a </a:t>
-            </a:r>
-            <a:r>
-              <a:rPr lang="hu-HU" dirty="0" smtClean="0">
-                <a:latin typeface="+mn-lt"/>
-              </a:rPr>
-              <a:t>koordináta-rendszer  (0,</a:t>
+              <a:t>A lineáris illesztést a koordináta-rendszer  (0,</a:t>
             </a:r>
             <a:r>
               <a:rPr lang="hu-HU" dirty="0" err="1" smtClean="0">
@@ -18951,43 +18951,7 @@
               <a:rPr lang="hu-HU" dirty="0" smtClean="0">
                 <a:latin typeface="+mn-lt"/>
               </a:rPr>
-              <a:t>) pontjából </a:t>
-            </a:r>
-            <a:r>
-              <a:rPr lang="hu-HU" dirty="0" smtClean="0">
-                <a:latin typeface="+mn-lt"/>
-              </a:rPr>
-              <a:t>induló és </a:t>
-            </a:r>
-            <a:r>
-              <a:rPr lang="hu-HU" dirty="0" smtClean="0">
-                <a:latin typeface="+mn-lt"/>
-              </a:rPr>
-              <a:t>(18,14) </a:t>
-            </a:r>
-            <a:r>
-              <a:rPr lang="hu-HU" dirty="0" smtClean="0">
-                <a:latin typeface="+mn-lt"/>
-              </a:rPr>
-              <a:t>pontjában végződő </a:t>
-            </a:r>
-            <a:r>
-              <a:rPr lang="hu-HU" dirty="0" smtClean="0">
-                <a:latin typeface="+mn-lt"/>
-              </a:rPr>
-              <a:t>átló jelentené</a:t>
-            </a:r>
-            <a:r>
-              <a:rPr lang="hu-HU" dirty="0" smtClean="0">
-                <a:latin typeface="+mn-lt"/>
-              </a:rPr>
-              <a:t>. Az optimális nem lineáris illesztést a kék törött vonal jelzi</a:t>
-            </a:r>
-            <a:r>
-              <a:rPr lang="hu-HU" dirty="0" smtClean="0">
-                <a:latin typeface="+mn-lt"/>
-              </a:rPr>
-              <a:t>.</a:t>
+              <a:t>) pontjából induló és (18,14) pontjában végződő átló jelentené. Az optimális nem lineáris illesztést a kék törött vonal jelzi.</a:t>
             </a:r>
             <a:endParaRPr lang="hu-HU" b="1" dirty="0" smtClean="0">
               <a:latin typeface="+mn-lt"/>
@@ -19003,6 +18967,14 @@
   <p:clrMapOvr>
     <a:masterClrMapping/>
   </p:clrMapOvr>
+  <p:transition advTm="52026"/>
+  <p:timing>
+    <p:tnLst>
+      <p:par>
+        <p:cTn id="1" dur="indefinite" restart="never" nodeType="tmRoot"/>
+      </p:par>
+    </p:tnLst>
+  </p:timing>
 </p:sld>
 </file>
 
@@ -19083,7 +19055,19 @@
             <a:pPr lvl="1"/>
             <a:r>
               <a:rPr lang="hu-HU" dirty="0" smtClean="0"/>
-              <a:t>~4 sec, 30 FPS mellett: 150 hosszúságú szögsorozatok, mint gesztusok</a:t>
+              <a:t>~5 </a:t>
+            </a:r>
+            <a:r>
+              <a:rPr lang="hu-HU" dirty="0" smtClean="0"/>
+              <a:t>sec, 30 FPS mellett: </a:t>
+            </a:r>
+            <a:r>
+              <a:rPr lang="hu-HU" dirty="0" smtClean="0"/>
+              <a:t>150 </a:t>
+            </a:r>
+            <a:r>
+              <a:rPr lang="hu-HU" dirty="0" smtClean="0"/>
+              <a:t>hosszúságú szögsorozatok, mint gesztusok</a:t>
             </a:r>
           </a:p>
           <a:p>
@@ -19168,6 +19152,14 @@
   <p:clrMapOvr>
     <a:masterClrMapping/>
   </p:clrMapOvr>
+  <p:transition advTm="102477"/>
+  <p:timing>
+    <p:tnLst>
+      <p:par>
+        <p:cTn id="1" dur="indefinite" restart="never" nodeType="tmRoot"/>
+      </p:par>
+    </p:tnLst>
+  </p:timing>
 </p:sld>
 </file>
 
@@ -19315,6 +19307,7 @@
   <p:clrMapOvr>
     <a:masterClrMapping/>
   </p:clrMapOvr>
+  <p:transition advTm="60762"/>
   <p:timing>
     <p:tnLst>
       <p:par>
@@ -19344,6 +19337,199 @@
       </p:grpSpPr>
       <p:sp>
         <p:nvSpPr>
+          <p:cNvPr id="2" name="Cím 1"/>
+          <p:cNvSpPr>
+            <a:spLocks noGrp="1"/>
+          </p:cNvSpPr>
+          <p:nvPr>
+            <p:ph type="title"/>
+          </p:nvPr>
+        </p:nvSpPr>
+        <p:spPr/>
+        <p:txBody>
+          <a:bodyPr/>
+          <a:lstStyle/>
+          <a:p>
+            <a:r>
+              <a:rPr lang="hu-HU" dirty="0" smtClean="0"/>
+              <a:t>Demó videó</a:t>
+            </a:r>
+            <a:endParaRPr lang="en-US" dirty="0"/>
+          </a:p>
+        </p:txBody>
+      </p:sp>
+      <p:sp>
+        <p:nvSpPr>
+          <p:cNvPr id="4" name="Dia számának helye 3"/>
+          <p:cNvSpPr>
+            <a:spLocks noGrp="1"/>
+          </p:cNvSpPr>
+          <p:nvPr>
+            <p:ph type="sldNum" sz="quarter" idx="11"/>
+          </p:nvPr>
+        </p:nvSpPr>
+        <p:spPr/>
+        <p:txBody>
+          <a:bodyPr/>
+          <a:lstStyle/>
+          <a:p>
+            <a:fld id="{6D1DA897-3744-4D5B-9984-8F2633B79E23}" type="slidenum">
+              <a:rPr lang="en-US" smtClean="0"/>
+              <a:pPr/>
+              <a:t>14</a:t>
+            </a:fld>
+            <a:endParaRPr lang="en-US"/>
+          </a:p>
+        </p:txBody>
+      </p:sp>
+      <p:pic>
+        <p:nvPicPr>
+          <p:cNvPr id="5" name="kepaf.2013.wmv">
+            <a:hlinkClick r:id="" action="ppaction://media"/>
+          </p:cNvPr>
+          <p:cNvPicPr>
+            <a:picLocks noGrp="1" noRot="1" noChangeAspect="1"/>
+          </p:cNvPicPr>
+          <p:nvPr>
+            <p:ph idx="1"/>
+            <a:videoFile r:link="rId1"/>
+          </p:nvPr>
+        </p:nvPicPr>
+        <p:blipFill>
+          <a:blip r:embed="rId3" cstate="print"/>
+          <a:stretch>
+            <a:fillRect/>
+          </a:stretch>
+        </p:blipFill>
+        <p:spPr>
+          <a:xfrm>
+            <a:off x="1676400" y="1828800"/>
+            <a:ext cx="7179733" cy="4038600"/>
+          </a:xfrm>
+          <a:prstGeom prst="rect">
+            <a:avLst/>
+          </a:prstGeom>
+        </p:spPr>
+      </p:pic>
+    </p:spTree>
+  </p:cSld>
+  <p:clrMapOvr>
+    <a:masterClrMapping/>
+  </p:clrMapOvr>
+  <p:timing>
+    <p:tnLst>
+      <p:par>
+        <p:cTn id="1" dur="indefinite" restart="never" nodeType="tmRoot">
+          <p:childTnLst>
+            <p:seq concurrent="1" nextAc="seek">
+              <p:cTn id="2" restart="whenNotActive" fill="hold" evtFilter="cancelBubble" nodeType="interactiveSeq">
+                <p:stCondLst>
+                  <p:cond evt="onClick" delay="0">
+                    <p:tgtEl>
+                      <p:spTgt spid="5"/>
+                    </p:tgtEl>
+                  </p:cond>
+                </p:stCondLst>
+                <p:endSync evt="end" delay="0">
+                  <p:rtn val="all"/>
+                </p:endSync>
+                <p:childTnLst>
+                  <p:par>
+                    <p:cTn id="3" fill="hold">
+                      <p:stCondLst>
+                        <p:cond delay="0"/>
+                      </p:stCondLst>
+                      <p:childTnLst>
+                        <p:par>
+                          <p:cTn id="4" fill="hold">
+                            <p:stCondLst>
+                              <p:cond delay="0"/>
+                            </p:stCondLst>
+                            <p:childTnLst>
+                              <p:par>
+                                <p:cTn id="5" presetID="2" presetClass="mediacall" presetSubtype="0" fill="hold" nodeType="clickEffect">
+                                  <p:stCondLst>
+                                    <p:cond delay="0"/>
+                                  </p:stCondLst>
+                                  <p:childTnLst>
+                                    <p:cmd type="call" cmd="togglePause">
+                                      <p:cBhvr>
+                                        <p:cTn id="6" dur="1" fill="hold"/>
+                                        <p:tgtEl>
+                                          <p:spTgt spid="5"/>
+                                        </p:tgtEl>
+                                      </p:cBhvr>
+                                    </p:cmd>
+                                  </p:childTnLst>
+                                </p:cTn>
+                              </p:par>
+                            </p:childTnLst>
+                          </p:cTn>
+                        </p:par>
+                      </p:childTnLst>
+                    </p:cTn>
+                  </p:par>
+                </p:childTnLst>
+              </p:cTn>
+              <p:nextCondLst>
+                <p:cond evt="onClick" delay="0">
+                  <p:tgtEl>
+                    <p:spTgt spid="5"/>
+                  </p:tgtEl>
+                </p:cond>
+              </p:nextCondLst>
+            </p:seq>
+            <p:video fullScrn="1">
+              <p:cMediaNode>
+                <p:cTn id="7" fill="hold" display="0">
+                  <p:stCondLst>
+                    <p:cond delay="indefinite"/>
+                  </p:stCondLst>
+                  <p:endCondLst>
+                    <p:cond evt="onNext" delay="0">
+                      <p:tgtEl>
+                        <p:sldTgt/>
+                      </p:tgtEl>
+                    </p:cond>
+                    <p:cond evt="onPrev" delay="0">
+                      <p:tgtEl>
+                        <p:sldTgt/>
+                      </p:tgtEl>
+                    </p:cond>
+                  </p:endCondLst>
+                </p:cTn>
+                <p:tgtEl>
+                  <p:spTgt spid="5"/>
+                </p:tgtEl>
+              </p:cMediaNode>
+            </p:video>
+          </p:childTnLst>
+        </p:cTn>
+      </p:par>
+    </p:tnLst>
+  </p:timing>
+</p:sld>
+</file>
+
+<file path=ppt/slides/slide15.xml><?xml version="1.0" encoding="utf-8"?>
+<p:sld xmlns:a="http://schemas.openxmlformats.org/drawingml/2006/main" xmlns:r="http://schemas.openxmlformats.org/officeDocument/2006/relationships" xmlns:p="http://schemas.openxmlformats.org/presentationml/2006/main">
+  <p:cSld>
+    <p:spTree>
+      <p:nvGrpSpPr>
+        <p:cNvPr id="1" name=""/>
+        <p:cNvGrpSpPr/>
+        <p:nvPr/>
+      </p:nvGrpSpPr>
+      <p:grpSpPr>
+        <a:xfrm>
+          <a:off x="0" y="0"/>
+          <a:ext cx="0" cy="0"/>
+          <a:chOff x="0" y="0"/>
+          <a:chExt cx="0" cy="0"/>
+        </a:xfrm>
+      </p:grpSpPr>
+      <p:sp>
+        <p:nvSpPr>
           <p:cNvPr id="6" name="Cím 5"/>
           <p:cNvSpPr>
             <a:spLocks noGrp="1"/>
@@ -19374,6 +19560,7 @@
   <p:clrMapOvr>
     <a:masterClrMapping/>
   </p:clrMapOvr>
+  <p:transition advTm="1061"/>
   <p:timing>
     <p:tnLst>
       <p:par>
@@ -19448,20 +19635,26 @@
             <a:pPr lvl="1"/>
             <a:r>
               <a:rPr lang="hu-HU" dirty="0" smtClean="0"/>
-              <a:t>Tudatos fejmozgások, mint mozdulatsorok </a:t>
-            </a:r>
+              <a:t>Tudatos fejmozgások, mint mozdulatsorok felismerése</a:t>
+            </a:r>
+          </a:p>
+          <a:p>
+            <a:pPr lvl="1"/>
             <a:r>
               <a:rPr lang="hu-HU" dirty="0" smtClean="0"/>
-              <a:t>felismerése</a:t>
+              <a:t>Valósidejű felismerés kameraképeken</a:t>
             </a:r>
           </a:p>
           <a:p>
             <a:pPr lvl="1"/>
             <a:r>
               <a:rPr lang="hu-HU" dirty="0" smtClean="0"/>
-              <a:t>Valós időben, kis számú adat alapján</a:t>
-            </a:r>
-            <a:endParaRPr lang="hu-HU" dirty="0" smtClean="0"/>
+              <a:t>Kis </a:t>
+            </a:r>
+            <a:r>
+              <a:rPr lang="hu-HU" dirty="0" smtClean="0"/>
+              <a:t>számú adat alapján</a:t>
+            </a:r>
           </a:p>
           <a:p>
             <a:r>
@@ -19477,16 +19670,13 @@
             </a:r>
           </a:p>
           <a:p>
-            <a:pPr lvl="1"/>
             <a:r>
               <a:rPr lang="hu-HU" dirty="0" smtClean="0"/>
-              <a:t>Valósidejű felismerés kameraképeken</a:t>
-            </a:r>
-          </a:p>
-          <a:p>
+              <a:t>Gesztus </a:t>
+            </a:r>
             <a:r>
               <a:rPr lang="hu-HU" dirty="0" smtClean="0"/>
-              <a:t>Gesztus adatbázis</a:t>
+              <a:t>adatbázis</a:t>
             </a:r>
           </a:p>
           <a:p>
@@ -19534,6 +19724,7 @@
   <p:clrMapOvr>
     <a:masterClrMapping/>
   </p:clrMapOvr>
+  <p:transition advTm="68781"/>
   <p:timing>
     <p:tnLst>
       <p:par>
@@ -19608,28 +19799,28 @@
             <a:pPr lvl="1"/>
             <a:r>
               <a:rPr lang="hu-HU" dirty="0" smtClean="0"/>
-              <a:t>Tudatos mozgás: 3-5 sec hosszúságú</a:t>
+              <a:t>Tudatos mozgás: </a:t>
+            </a:r>
+            <a:r>
+              <a:rPr lang="hu-HU" dirty="0" smtClean="0"/>
+              <a:t>2-3 </a:t>
+            </a:r>
+            <a:r>
+              <a:rPr lang="hu-HU" dirty="0" smtClean="0"/>
+              <a:t>sec hosszúságú</a:t>
             </a:r>
           </a:p>
           <a:p>
             <a:pPr lvl="1"/>
             <a:r>
               <a:rPr lang="hu-HU" dirty="0" smtClean="0"/>
-              <a:t>Mozdulatok eltérő ütemben történő </a:t>
-            </a:r>
+              <a:t>Mozdulatok eltérő ütemben történő végrehajtása</a:t>
+            </a:r>
+          </a:p>
+          <a:p>
             <a:r>
               <a:rPr lang="hu-HU" dirty="0" smtClean="0"/>
-              <a:t>végrehajtása</a:t>
-            </a:r>
-          </a:p>
-          <a:p>
-            <a:r>
-              <a:rPr lang="hu-HU" dirty="0" smtClean="0"/>
-              <a:t>Fejmozgás behatárolása térben és </a:t>
-            </a:r>
-            <a:r>
-              <a:rPr lang="hu-HU" dirty="0" smtClean="0"/>
-              <a:t>időben</a:t>
+              <a:t>Fejmozgás behatárolása térben és időben</a:t>
             </a:r>
           </a:p>
           <a:p>
@@ -19640,29 +19831,8 @@
             </a:r>
             <a:r>
               <a:rPr lang="hu-HU" dirty="0" smtClean="0"/>
-              <a:t> </a:t>
-            </a:r>
-            <a:r>
-              <a:rPr lang="hu-HU" dirty="0" smtClean="0"/>
-              <a:t>reprezentáció: időtől </a:t>
-            </a:r>
-            <a:r>
-              <a:rPr lang="hu-HU" dirty="0" smtClean="0"/>
-              <a:t>függő sablon, ahol minden egyes pixel értéke a </a:t>
-            </a:r>
-            <a:r>
-              <a:rPr lang="hu-HU" dirty="0" smtClean="0"/>
-              <a:t>fejmozgás </a:t>
-            </a:r>
-            <a:r>
-              <a:rPr lang="hu-HU" dirty="0" smtClean="0"/>
-              <a:t>egy </a:t>
-            </a:r>
-            <a:r>
-              <a:rPr lang="hu-HU" dirty="0" smtClean="0"/>
-              <a:t>függvényeke</a:t>
-            </a:r>
-            <a:endParaRPr lang="hu-HU" dirty="0" smtClean="0"/>
+              <a:t> reprezentáció: időtől függő sablon, ahol minden egyes pixel értéke a fejmozgás egy függvényeke</a:t>
+            </a:r>
           </a:p>
           <a:p>
             <a:endParaRPr lang="hu-HU" dirty="0" smtClean="0"/>
@@ -19701,6 +19871,7 @@
   <p:clrMapOvr>
     <a:masterClrMapping/>
   </p:clrMapOvr>
+  <p:transition advTm="81932"/>
   <p:timing>
     <p:tnLst>
       <p:par>
@@ -19772,26 +19943,14 @@
             </a:r>
             <a:r>
               <a:rPr lang="hu-HU" sz="2800" dirty="0" smtClean="0"/>
-              <a:t>: képszekvencia </a:t>
-            </a:r>
-            <a:r>
-              <a:rPr lang="hu-HU" sz="2800" dirty="0" smtClean="0"/>
-              <a:t>mozgó objektumainak változásait írja </a:t>
-            </a:r>
-            <a:r>
-              <a:rPr lang="hu-HU" sz="2800" dirty="0" smtClean="0"/>
-              <a:t>le</a:t>
+              <a:t>: képszekvencia mozgó objektumainak változásait írja le</a:t>
             </a:r>
           </a:p>
           <a:p>
             <a:pPr lvl="1"/>
             <a:r>
               <a:rPr lang="hu-HU" sz="2400" dirty="0" smtClean="0"/>
-              <a:t>Több </a:t>
-            </a:r>
-            <a:r>
-              <a:rPr lang="hu-HU" sz="2400" dirty="0" smtClean="0"/>
-              <a:t>egymást követő képkockán keresztül</a:t>
+              <a:t>Több egymást követő képkockán keresztül</a:t>
             </a:r>
           </a:p>
           <a:p>
@@ -19908,6 +20067,7 @@
   <p:clrMapOvr>
     <a:masterClrMapping/>
   </p:clrMapOvr>
+  <p:transition advTm="100527"/>
   <p:timing>
     <p:tnLst>
       <p:par>
@@ -19989,44 +20149,20 @@
             </a:r>
             <a:r>
               <a:rPr lang="hu-HU" sz="2800" dirty="0" smtClean="0"/>
-              <a:t>mozgás </a:t>
-            </a:r>
+              <a:t>mozgás gradiens, fejpozíció megváltozásának iránya</a:t>
+            </a:r>
+          </a:p>
+          <a:p>
+            <a:pPr lvl="1"/>
+            <a:r>
+              <a:rPr lang="hu-HU" sz="2400" dirty="0" smtClean="0"/>
+              <a:t>Nem elég stabil, kicsi az arc felbontása</a:t>
+            </a:r>
+          </a:p>
+          <a:p>
             <a:r>
               <a:rPr lang="hu-HU" sz="2800" dirty="0" smtClean="0"/>
-              <a:t>gradiens, fejpozíció </a:t>
-            </a:r>
-            <a:r>
-              <a:rPr lang="hu-HU" sz="2800" dirty="0" smtClean="0"/>
-              <a:t>megváltozásának iránya</a:t>
-            </a:r>
-          </a:p>
-          <a:p>
-            <a:pPr lvl="1"/>
-            <a:r>
-              <a:rPr lang="hu-HU" sz="2400" dirty="0" smtClean="0"/>
-              <a:t>Nem </a:t>
-            </a:r>
-            <a:r>
-              <a:rPr lang="hu-HU" sz="2400" dirty="0" smtClean="0"/>
-              <a:t>elég </a:t>
-            </a:r>
-            <a:r>
-              <a:rPr lang="hu-HU" sz="2400" dirty="0" smtClean="0"/>
-              <a:t>stabil, kicsi </a:t>
-            </a:r>
-            <a:r>
-              <a:rPr lang="hu-HU" sz="2400" dirty="0" smtClean="0"/>
-              <a:t>az arc felbontása</a:t>
-            </a:r>
-          </a:p>
-          <a:p>
-            <a:r>
-              <a:rPr lang="hu-HU" sz="2800" dirty="0" smtClean="0"/>
-              <a:t>Feladat: a mozgás tekintetében hasznos régiók </a:t>
-            </a:r>
-            <a:r>
-              <a:rPr lang="hu-HU" sz="2800" dirty="0" smtClean="0"/>
-              <a:t>meghatározása</a:t>
+              <a:t>Feladat: a mozgás tekintetében hasznos régiók meghatározása</a:t>
             </a:r>
           </a:p>
           <a:p>
@@ -20037,20 +20173,16 @@
             </a:r>
             <a:r>
               <a:rPr lang="hu-HU" sz="2400" dirty="0" smtClean="0"/>
-              <a:t> </a:t>
-            </a:r>
-            <a:r>
-              <a:rPr lang="hu-HU" sz="2400" dirty="0" smtClean="0"/>
-              <a:t>sarokdetektor</a:t>
-            </a:r>
-            <a:endParaRPr lang="hu-HU" sz="2400" dirty="0" smtClean="0"/>
+              <a:t> sarokdetektor</a:t>
+            </a:r>
           </a:p>
           <a:p>
             <a:pPr lvl="2"/>
             <a:r>
               <a:rPr lang="hu-HU" sz="2000" dirty="0" smtClean="0"/>
-              <a:t>A kép pixeleit és azok környezetét vizsgálja</a:t>
-            </a:r>
+              <a:t>Véges számú jellemzőpont az eredménye</a:t>
+            </a:r>
+            <a:endParaRPr lang="hu-HU" sz="2000" dirty="0" smtClean="0"/>
           </a:p>
           <a:p>
             <a:pPr lvl="2"/>
@@ -20157,6 +20289,7 @@
   <p:clrMapOvr>
     <a:masterClrMapping/>
   </p:clrMapOvr>
+  <p:transition advTm="67409"/>
   <p:timing>
     <p:tnLst>
       <p:par>
@@ -20249,11 +20382,7 @@
             </a:r>
             <a:r>
               <a:rPr lang="hu-HU" dirty="0" smtClean="0"/>
-              <a:t> </a:t>
-            </a:r>
-            <a:r>
-              <a:rPr lang="hu-HU" dirty="0" smtClean="0"/>
-              <a:t>db optikai folyam vektor számtani közepe</a:t>
+              <a:t> db optikai folyam vektor számtani közepe</a:t>
             </a:r>
           </a:p>
           <a:p>
@@ -20330,6 +20459,7 @@
   <p:clrMapOvr>
     <a:masterClrMapping/>
   </p:clrMapOvr>
+  <p:transition advTm="73055"/>
   <p:timing>
     <p:tnLst>
       <p:par>
@@ -20478,6 +20608,7 @@
   <p:clrMapOvr>
     <a:masterClrMapping/>
   </p:clrMapOvr>
+  <p:transition advTm="31403"/>
   <p:timing>
     <p:tnLst>
       <p:par>
@@ -20664,6 +20795,7 @@
   <p:clrMapOvr>
     <a:masterClrMapping/>
   </p:clrMapOvr>
+  <p:transition advTm="109403"/>
   <p:timing>
     <p:tnLst>
       <p:par>
@@ -20737,7 +20869,17 @@
           <a:p>
             <a:r>
               <a:rPr lang="hu-HU" dirty="0" smtClean="0"/>
-              <a:t>Gesztus adatbázis</a:t>
+              <a:t>Komplexebb döntések hozatala</a:t>
+            </a:r>
+          </a:p>
+          <a:p>
+            <a:r>
+              <a:rPr lang="hu-HU" dirty="0" smtClean="0"/>
+              <a:t>Gesztus </a:t>
+            </a:r>
+            <a:r>
+              <a:rPr lang="hu-HU" dirty="0" smtClean="0"/>
+              <a:t>adatbázis</a:t>
             </a:r>
           </a:p>
           <a:p>
@@ -20751,23 +20893,17 @@
             <a:pPr lvl="1"/>
             <a:r>
               <a:rPr lang="hu-HU" dirty="0" smtClean="0"/>
-              <a:t>Csoportok: egy </a:t>
-            </a:r>
+              <a:t>Csoportok: egy gesztushoz, több sorozat</a:t>
+            </a:r>
+          </a:p>
+          <a:p>
             <a:r>
               <a:rPr lang="hu-HU" dirty="0" smtClean="0"/>
-              <a:t>gesztushoz, több sorozat</a:t>
-            </a:r>
-          </a:p>
-          <a:p>
+              <a:t>Felismerés </a:t>
+            </a:r>
             <a:r>
               <a:rPr lang="hu-HU" dirty="0" smtClean="0"/>
-              <a:t>Komplexebb döntések hozatala</a:t>
-            </a:r>
-          </a:p>
-          <a:p>
-            <a:r>
-              <a:rPr lang="hu-HU" dirty="0" smtClean="0"/>
-              <a:t>Felismerés javítása</a:t>
+              <a:t>javítása</a:t>
             </a:r>
           </a:p>
           <a:p>
@@ -20816,6 +20952,7 @@
   <p:clrMapOvr>
     <a:masterClrMapping/>
   </p:clrMapOvr>
+  <p:transition advTm="52900"/>
   <p:timing>
     <p:tnLst>
       <p:par>

--- a/trunk/HeadMovement/research/kepaf/ppt/bertok.kornel.kepaf.2013.pptx
+++ b/trunk/HeadMovement/research/kepaf/ppt/bertok.kornel.kepaf.2013.pptx
@@ -246,7 +246,7 @@
                   <c:v>32.359459999999999</c:v>
                 </c:pt>
                 <c:pt idx="2">
-                  <c:v>8.7906180000000003</c:v>
+                  <c:v>8.7906179999999985</c:v>
                 </c:pt>
               </c:numCache>
             </c:numRef>
@@ -295,7 +295,7 @@
                 <c:formatCode>0.0000</c:formatCode>
                 <c:ptCount val="3"/>
                 <c:pt idx="0">
-                  <c:v>45.411539999999995</c:v>
+                  <c:v>45.411540000000002</c:v>
                 </c:pt>
                 <c:pt idx="1">
                   <c:v>32.718800000000002</c:v>
@@ -310,24 +310,24 @@
         <c:dLbls>
           <c:showVal val="1"/>
         </c:dLbls>
-        <c:axId val="70488448"/>
-        <c:axId val="70491136"/>
+        <c:axId val="69146112"/>
+        <c:axId val="69147648"/>
       </c:barChart>
       <c:catAx>
-        <c:axId val="70488448"/>
+        <c:axId val="69146112"/>
         <c:scaling>
           <c:orientation val="minMax"/>
         </c:scaling>
         <c:axPos val="b"/>
         <c:tickLblPos val="nextTo"/>
-        <c:crossAx val="70491136"/>
+        <c:crossAx val="69147648"/>
         <c:crosses val="autoZero"/>
         <c:auto val="1"/>
         <c:lblAlgn val="ctr"/>
         <c:lblOffset val="100"/>
       </c:catAx>
       <c:valAx>
-        <c:axId val="70491136"/>
+        <c:axId val="69147648"/>
         <c:scaling>
           <c:orientation val="minMax"/>
         </c:scaling>
@@ -353,8 +353,8 @@
             <c:manualLayout>
               <c:xMode val="edge"/>
               <c:yMode val="edge"/>
-              <c:x val="1.6196052631578951E-2"/>
-              <c:y val="0.11570634920634924"/>
+              <c:x val="1.6196052631578955E-2"/>
+              <c:y val="0.11570634920634927"/>
             </c:manualLayout>
           </c:layout>
         </c:title>
@@ -362,7 +362,7 @@
         <c:majorTickMark val="cross"/>
         <c:minorTickMark val="in"/>
         <c:tickLblPos val="nextTo"/>
-        <c:crossAx val="70488448"/>
+        <c:crossAx val="69146112"/>
         <c:crosses val="autoZero"/>
         <c:crossBetween val="between"/>
       </c:valAx>
@@ -4341,7 +4341,7 @@
             <a:fld id="{C47046F5-0D2D-4F75-828A-F26A4AE1EC39}" type="datetime8">
               <a:rPr lang="hu-HU"/>
               <a:pPr/>
-              <a:t>2013.01.30. 14:20</a:t>
+              <a:t>2013.01.30. 18:59</a:t>
             </a:fld>
             <a:endParaRPr lang="en-US"/>
           </a:p>
@@ -4623,7 +4623,7 @@
             <a:fld id="{8E0ECF17-21A1-4F8E-B5FB-A38B67AB2214}" type="datetime8">
               <a:rPr lang="hu-HU"/>
               <a:pPr/>
-              <a:t>2013.01.30. 14:20</a:t>
+              <a:t>2013.01.30. 18:59</a:t>
             </a:fld>
             <a:endParaRPr lang="en-US"/>
           </a:p>
@@ -18605,7 +18605,7 @@
   <p:clrMapOvr>
     <a:masterClrMapping/>
   </p:clrMapOvr>
-  <p:transition advTm="11497"/>
+  <p:transition advTm="5007"/>
   <p:timing>
     <p:tnLst>
       <p:par>
@@ -18794,7 +18794,7 @@
   <p:clrMapOvr>
     <a:masterClrMapping/>
   </p:clrMapOvr>
-  <p:transition advTm="33728"/>
+  <p:transition advTm="41075"/>
   <p:timing>
     <p:tnLst>
       <p:par>
@@ -18933,13 +18933,7 @@
               <a:rPr lang="hu-HU" dirty="0" smtClean="0">
                 <a:latin typeface="+mn-lt"/>
               </a:rPr>
-              <a:t>Két eltérő ütemben elvégzett fejrázás gesztus illesztése egymáshoz. </a:t>
-            </a:r>
-            <a:r>
-              <a:rPr lang="hu-HU" dirty="0" smtClean="0">
-                <a:latin typeface="+mn-lt"/>
-              </a:rPr>
-              <a:t>A lineáris illesztést a koordináta-rendszer  (0,</a:t>
+              <a:t>Két eltérő ütemben elvégzett fejrázás gesztus illesztése egymáshoz. A lineáris illesztést a koordináta-rendszer  (0,</a:t>
             </a:r>
             <a:r>
               <a:rPr lang="hu-HU" dirty="0" err="1" smtClean="0">
@@ -18967,7 +18961,7 @@
   <p:clrMapOvr>
     <a:masterClrMapping/>
   </p:clrMapOvr>
-  <p:transition advTm="52026"/>
+  <p:transition advTm="32058"/>
   <p:timing>
     <p:tnLst>
       <p:par>
@@ -19055,19 +19049,7 @@
             <a:pPr lvl="1"/>
             <a:r>
               <a:rPr lang="hu-HU" dirty="0" smtClean="0"/>
-              <a:t>~5 </a:t>
-            </a:r>
-            <a:r>
-              <a:rPr lang="hu-HU" dirty="0" smtClean="0"/>
-              <a:t>sec, 30 FPS mellett: </a:t>
-            </a:r>
-            <a:r>
-              <a:rPr lang="hu-HU" dirty="0" smtClean="0"/>
-              <a:t>150 </a:t>
-            </a:r>
-            <a:r>
-              <a:rPr lang="hu-HU" dirty="0" smtClean="0"/>
-              <a:t>hosszúságú szögsorozatok, mint gesztusok</a:t>
+              <a:t>~5 sec, 30 FPS mellett: 150 hosszúságú szögsorozatok, mint gesztusok</a:t>
             </a:r>
           </a:p>
           <a:p>
@@ -19152,7 +19134,7 @@
   <p:clrMapOvr>
     <a:masterClrMapping/>
   </p:clrMapOvr>
-  <p:transition advTm="102477"/>
+  <p:transition advTm="72368"/>
   <p:timing>
     <p:tnLst>
       <p:par>
@@ -19307,7 +19289,7 @@
   <p:clrMapOvr>
     <a:masterClrMapping/>
   </p:clrMapOvr>
-  <p:transition advTm="60762"/>
+  <p:transition advTm="56254"/>
   <p:timing>
     <p:tnLst>
       <p:par>
@@ -19416,6 +19398,7 @@
   <p:clrMapOvr>
     <a:masterClrMapping/>
   </p:clrMapOvr>
+  <p:transition advTm="733"/>
   <p:timing>
     <p:tnLst>
       <p:par>
@@ -19560,7 +19543,7 @@
   <p:clrMapOvr>
     <a:masterClrMapping/>
   </p:clrMapOvr>
-  <p:transition advTm="1061"/>
+  <p:transition advTm="562"/>
   <p:timing>
     <p:tnLst>
       <p:par>
@@ -19649,11 +19632,7 @@
             <a:pPr lvl="1"/>
             <a:r>
               <a:rPr lang="hu-HU" dirty="0" smtClean="0"/>
-              <a:t>Kis </a:t>
-            </a:r>
-            <a:r>
-              <a:rPr lang="hu-HU" dirty="0" smtClean="0"/>
-              <a:t>számú adat alapján</a:t>
+              <a:t>Kis számú adat alapján</a:t>
             </a:r>
           </a:p>
           <a:p>
@@ -19672,11 +19651,7 @@
           <a:p>
             <a:r>
               <a:rPr lang="hu-HU" dirty="0" smtClean="0"/>
-              <a:t>Gesztus </a:t>
-            </a:r>
-            <a:r>
-              <a:rPr lang="hu-HU" dirty="0" smtClean="0"/>
-              <a:t>adatbázis</a:t>
+              <a:t>Gesztus adatbázis</a:t>
             </a:r>
           </a:p>
           <a:p>
@@ -19724,7 +19699,7 @@
   <p:clrMapOvr>
     <a:masterClrMapping/>
   </p:clrMapOvr>
-  <p:transition advTm="68781"/>
+  <p:transition advTm="77719"/>
   <p:timing>
     <p:tnLst>
       <p:par>
@@ -19799,15 +19774,7 @@
             <a:pPr lvl="1"/>
             <a:r>
               <a:rPr lang="hu-HU" dirty="0" smtClean="0"/>
-              <a:t>Tudatos mozgás: </a:t>
-            </a:r>
-            <a:r>
-              <a:rPr lang="hu-HU" dirty="0" smtClean="0"/>
-              <a:t>2-3 </a:t>
-            </a:r>
-            <a:r>
-              <a:rPr lang="hu-HU" dirty="0" smtClean="0"/>
-              <a:t>sec hosszúságú</a:t>
+              <a:t>Tudatos mozgás: 2-3 sec hosszúságú</a:t>
             </a:r>
           </a:p>
           <a:p>
@@ -19831,8 +19798,17 @@
             </a:r>
             <a:r>
               <a:rPr lang="hu-HU" dirty="0" smtClean="0"/>
-              <a:t> reprezentáció: időtől függő sablon, ahol minden egyes pixel értéke a fejmozgás egy függvényeke</a:t>
-            </a:r>
+              <a:t> reprezentáció: időtől függő sablon, ahol minden egyes pixel értéke a fejmozgás </a:t>
+            </a:r>
+            <a:r>
+              <a:rPr lang="hu-HU" smtClean="0"/>
+              <a:t>egy </a:t>
+            </a:r>
+            <a:r>
+              <a:rPr lang="hu-HU" smtClean="0"/>
+              <a:t>függvénye</a:t>
+            </a:r>
+            <a:endParaRPr lang="hu-HU" dirty="0" smtClean="0"/>
           </a:p>
           <a:p>
             <a:endParaRPr lang="hu-HU" dirty="0" smtClean="0"/>
@@ -19871,7 +19847,7 @@
   <p:clrMapOvr>
     <a:masterClrMapping/>
   </p:clrMapOvr>
-  <p:transition advTm="81932"/>
+  <p:transition advTm="85052"/>
   <p:timing>
     <p:tnLst>
       <p:par>
@@ -20067,7 +20043,7 @@
   <p:clrMapOvr>
     <a:masterClrMapping/>
   </p:clrMapOvr>
-  <p:transition advTm="100527"/>
+  <p:transition advTm="99794"/>
   <p:timing>
     <p:tnLst>
       <p:par>
@@ -20182,7 +20158,6 @@
               <a:rPr lang="hu-HU" sz="2000" dirty="0" smtClean="0"/>
               <a:t>Véges számú jellemzőpont az eredménye</a:t>
             </a:r>
-            <a:endParaRPr lang="hu-HU" sz="2000" dirty="0" smtClean="0"/>
           </a:p>
           <a:p>
             <a:pPr lvl="2"/>
@@ -20289,7 +20264,7 @@
   <p:clrMapOvr>
     <a:masterClrMapping/>
   </p:clrMapOvr>
-  <p:transition advTm="67409"/>
+  <p:transition advTm="60013"/>
   <p:timing>
     <p:tnLst>
       <p:par>
@@ -20459,7 +20434,7 @@
   <p:clrMapOvr>
     <a:masterClrMapping/>
   </p:clrMapOvr>
-  <p:transition advTm="73055"/>
+  <p:transition advTm="79202"/>
   <p:timing>
     <p:tnLst>
       <p:par>
@@ -20608,7 +20583,7 @@
   <p:clrMapOvr>
     <a:masterClrMapping/>
   </p:clrMapOvr>
-  <p:transition advTm="31403"/>
+  <p:transition advTm="20639"/>
   <p:timing>
     <p:tnLst>
       <p:par>
@@ -20726,7 +20701,11 @@
             <a:pPr lvl="1"/>
             <a:r>
               <a:rPr lang="hu-HU" dirty="0" smtClean="0"/>
-              <a:t>Szekvencia szomszédos tagjaira számított szögek sorozata</a:t>
+              <a:t>Adott szegmens szomszédos </a:t>
+            </a:r>
+            <a:r>
+              <a:rPr lang="hu-HU" dirty="0" smtClean="0"/>
+              <a:t>tagjaira számított szögek sorozata</a:t>
             </a:r>
           </a:p>
           <a:p>
@@ -20795,7 +20774,7 @@
   <p:clrMapOvr>
     <a:masterClrMapping/>
   </p:clrMapOvr>
-  <p:transition advTm="109403"/>
+  <p:transition advTm="59514"/>
   <p:timing>
     <p:tnLst>
       <p:par>
@@ -20875,11 +20854,7 @@
           <a:p>
             <a:r>
               <a:rPr lang="hu-HU" dirty="0" smtClean="0"/>
-              <a:t>Gesztus </a:t>
-            </a:r>
-            <a:r>
-              <a:rPr lang="hu-HU" dirty="0" smtClean="0"/>
-              <a:t>adatbázis</a:t>
+              <a:t>Gesztus adatbázis</a:t>
             </a:r>
           </a:p>
           <a:p>
@@ -20899,11 +20874,7 @@
           <a:p>
             <a:r>
               <a:rPr lang="hu-HU" dirty="0" smtClean="0"/>
-              <a:t>Felismerés </a:t>
-            </a:r>
-            <a:r>
-              <a:rPr lang="hu-HU" dirty="0" smtClean="0"/>
-              <a:t>javítása</a:t>
+              <a:t>Felismerés javítása</a:t>
             </a:r>
           </a:p>
           <a:p>
@@ -20952,7 +20923,7 @@
   <p:clrMapOvr>
     <a:masterClrMapping/>
   </p:clrMapOvr>
-  <p:transition advTm="52900"/>
+  <p:transition advTm="52791"/>
   <p:timing>
     <p:tnLst>
       <p:par>

--- a/trunk/HeadMovement/research/kepaf/ppt/bertok.kornel.kepaf.2013.pptx
+++ b/trunk/HeadMovement/research/kepaf/ppt/bertok.kornel.kepaf.2013.pptx
@@ -246,7 +246,7 @@
                   <c:v>32.359459999999999</c:v>
                 </c:pt>
                 <c:pt idx="2">
-                  <c:v>8.7906179999999985</c:v>
+                  <c:v>8.7906180000000003</c:v>
                 </c:pt>
               </c:numCache>
             </c:numRef>
@@ -295,7 +295,7 @@
                 <c:formatCode>0.0000</c:formatCode>
                 <c:ptCount val="3"/>
                 <c:pt idx="0">
-                  <c:v>45.411540000000002</c:v>
+                  <c:v>45.411539999999995</c:v>
                 </c:pt>
                 <c:pt idx="1">
                   <c:v>32.718800000000002</c:v>
@@ -310,24 +310,24 @@
         <c:dLbls>
           <c:showVal val="1"/>
         </c:dLbls>
-        <c:axId val="69146112"/>
-        <c:axId val="69147648"/>
+        <c:axId val="65345024"/>
+        <c:axId val="65346560"/>
       </c:barChart>
       <c:catAx>
-        <c:axId val="69146112"/>
+        <c:axId val="65345024"/>
         <c:scaling>
           <c:orientation val="minMax"/>
         </c:scaling>
         <c:axPos val="b"/>
         <c:tickLblPos val="nextTo"/>
-        <c:crossAx val="69147648"/>
+        <c:crossAx val="65346560"/>
         <c:crosses val="autoZero"/>
         <c:auto val="1"/>
         <c:lblAlgn val="ctr"/>
         <c:lblOffset val="100"/>
       </c:catAx>
       <c:valAx>
-        <c:axId val="69147648"/>
+        <c:axId val="65346560"/>
         <c:scaling>
           <c:orientation val="minMax"/>
         </c:scaling>
@@ -353,8 +353,8 @@
             <c:manualLayout>
               <c:xMode val="edge"/>
               <c:yMode val="edge"/>
-              <c:x val="1.6196052631578955E-2"/>
-              <c:y val="0.11570634920634927"/>
+              <c:x val="1.6196052631578958E-2"/>
+              <c:y val="0.1157063492063493"/>
             </c:manualLayout>
           </c:layout>
         </c:title>
@@ -362,7 +362,7 @@
         <c:majorTickMark val="cross"/>
         <c:minorTickMark val="in"/>
         <c:tickLblPos val="nextTo"/>
-        <c:crossAx val="69146112"/>
+        <c:crossAx val="65345024"/>
         <c:crosses val="autoZero"/>
         <c:crossBetween val="between"/>
       </c:valAx>
@@ -373,6 +373,15 @@
     </c:legend>
     <c:plotVisOnly val="1"/>
   </c:chart>
+  <c:spPr>
+    <a:effectLst>
+      <a:outerShdw blurRad="50800" dist="38100" dir="5400000" algn="t" rotWithShape="0">
+        <a:prstClr val="black">
+          <a:alpha val="40000"/>
+        </a:prstClr>
+      </a:outerShdw>
+    </a:effectLst>
+  </c:spPr>
   <c:txPr>
     <a:bodyPr/>
     <a:lstStyle/>
@@ -436,7 +445,7 @@
             </a:lvl1pPr>
           </a:lstStyle>
           <a:p>
-            <a:endParaRPr lang="en-US"/>
+            <a:endParaRPr lang="en-US" dirty="0"/>
           </a:p>
         </p:txBody>
       </p:sp>
@@ -470,9 +479,9 @@
             <a:fld id="{9F882934-3326-4F95-A5C3-9CE2FA4385FB}" type="datetimeFigureOut">
               <a:rPr lang="en-US" smtClean="0"/>
               <a:pPr/>
-              <a:t>1/30/2013</a:t>
+              <a:t>1/31/2013</a:t>
             </a:fld>
-            <a:endParaRPr lang="en-US"/>
+            <a:endParaRPr lang="en-US" dirty="0"/>
           </a:p>
         </p:txBody>
       </p:sp>
@@ -503,7 +512,7 @@
             </a:lvl1pPr>
           </a:lstStyle>
           <a:p>
-            <a:endParaRPr lang="en-US"/>
+            <a:endParaRPr lang="en-US" dirty="0"/>
           </a:p>
         </p:txBody>
       </p:sp>
@@ -539,7 +548,7 @@
               <a:pPr/>
               <a:t>‹#›</a:t>
             </a:fld>
-            <a:endParaRPr lang="en-US"/>
+            <a:endParaRPr lang="en-US" dirty="0"/>
           </a:p>
         </p:txBody>
       </p:sp>
@@ -613,7 +622,7 @@
             </a:lvl1pPr>
           </a:lstStyle>
           <a:p>
-            <a:endParaRPr lang="en-US"/>
+            <a:endParaRPr lang="en-US" dirty="0"/>
           </a:p>
         </p:txBody>
       </p:sp>
@@ -656,7 +665,7 @@
             </a:lvl1pPr>
           </a:lstStyle>
           <a:p>
-            <a:endParaRPr lang="en-US"/>
+            <a:endParaRPr lang="en-US" dirty="0"/>
           </a:p>
         </p:txBody>
       </p:sp>
@@ -800,7 +809,7 @@
             </a:lvl1pPr>
           </a:lstStyle>
           <a:p>
-            <a:endParaRPr lang="en-US"/>
+            <a:endParaRPr lang="en-US" dirty="0"/>
           </a:p>
         </p:txBody>
       </p:sp>
@@ -848,7 +857,7 @@
               <a:pPr/>
               <a:t>‹#›</a:t>
             </a:fld>
-            <a:endParaRPr lang="en-US"/>
+            <a:endParaRPr lang="en-US" dirty="0"/>
           </a:p>
         </p:txBody>
       </p:sp>
@@ -1019,7 +1028,7 @@
               <a:pPr/>
               <a:t>1</a:t>
             </a:fld>
-            <a:endParaRPr lang="en-US"/>
+            <a:endParaRPr lang="en-US" dirty="0"/>
           </a:p>
         </p:txBody>
       </p:sp>
@@ -1110,7 +1119,7 @@
           </a:bodyPr>
           <a:lstStyle/>
           <a:p>
-            <a:endParaRPr lang="en-US"/>
+            <a:endParaRPr lang="en-US" dirty="0"/>
           </a:p>
         </p:txBody>
       </p:sp>
@@ -1134,7 +1143,7 @@
               <a:pPr/>
               <a:t>15</a:t>
             </a:fld>
-            <a:endParaRPr lang="en-US"/>
+            <a:endParaRPr lang="en-US" dirty="0"/>
           </a:p>
         </p:txBody>
       </p:sp>
@@ -1383,7 +1392,7 @@
               <a:pPr/>
               <a:t>‹#›</a:t>
             </a:fld>
-            <a:endParaRPr lang="en-US"/>
+            <a:endParaRPr lang="en-US" dirty="0"/>
           </a:p>
         </p:txBody>
       </p:sp>
@@ -1629,7 +1638,7 @@
               <a:pPr/>
               <a:t>‹#›</a:t>
             </a:fld>
-            <a:endParaRPr lang="en-US"/>
+            <a:endParaRPr lang="en-US" dirty="0"/>
           </a:p>
         </p:txBody>
       </p:sp>
@@ -1747,7 +1756,7 @@
             </a:lvl9pPr>
           </a:lstStyle>
           <a:p>
-            <a:endParaRPr lang="hu-HU"/>
+            <a:endParaRPr lang="hu-HU" dirty="0"/>
           </a:p>
         </p:txBody>
       </p:sp>
@@ -1840,7 +1849,7 @@
               <a:pPr/>
               <a:t>‹#›</a:t>
             </a:fld>
-            <a:endParaRPr lang="en-US"/>
+            <a:endParaRPr lang="en-US" dirty="0"/>
           </a:p>
         </p:txBody>
       </p:sp>
@@ -2089,7 +2098,7 @@
               <a:pPr/>
               <a:t>‹#›</a:t>
             </a:fld>
-            <a:endParaRPr lang="en-US"/>
+            <a:endParaRPr lang="en-US" dirty="0"/>
           </a:p>
         </p:txBody>
       </p:sp>
@@ -2335,7 +2344,7 @@
               <a:pPr/>
               <a:t>‹#›</a:t>
             </a:fld>
-            <a:endParaRPr lang="en-US"/>
+            <a:endParaRPr lang="en-US" dirty="0"/>
           </a:p>
         </p:txBody>
       </p:sp>
@@ -2453,7 +2462,7 @@
             </a:lvl9pPr>
           </a:lstStyle>
           <a:p>
-            <a:endParaRPr lang="hu-HU"/>
+            <a:endParaRPr lang="hu-HU" dirty="0"/>
           </a:p>
         </p:txBody>
       </p:sp>
@@ -2546,7 +2555,7 @@
               <a:pPr/>
               <a:t>‹#›</a:t>
             </a:fld>
-            <a:endParaRPr lang="en-US"/>
+            <a:endParaRPr lang="en-US" dirty="0"/>
           </a:p>
         </p:txBody>
       </p:sp>
@@ -2795,7 +2804,7 @@
               <a:pPr/>
               <a:t>‹#›</a:t>
             </a:fld>
-            <a:endParaRPr lang="en-US"/>
+            <a:endParaRPr lang="en-US" dirty="0"/>
           </a:p>
         </p:txBody>
       </p:sp>
@@ -3041,7 +3050,7 @@
               <a:pPr/>
               <a:t>‹#›</a:t>
             </a:fld>
-            <a:endParaRPr lang="en-US"/>
+            <a:endParaRPr lang="en-US" dirty="0"/>
           </a:p>
         </p:txBody>
       </p:sp>
@@ -3169,7 +3178,7 @@
               <a:pPr/>
               <a:t>‹#›</a:t>
             </a:fld>
-            <a:endParaRPr lang="en-US"/>
+            <a:endParaRPr lang="en-US" dirty="0"/>
           </a:p>
         </p:txBody>
       </p:sp>
@@ -3287,7 +3296,7 @@
             </a:lvl9pPr>
           </a:lstStyle>
           <a:p>
-            <a:endParaRPr lang="hu-HU"/>
+            <a:endParaRPr lang="hu-HU" dirty="0"/>
           </a:p>
         </p:txBody>
       </p:sp>
@@ -3380,7 +3389,7 @@
               <a:pPr/>
               <a:t>‹#›</a:t>
             </a:fld>
-            <a:endParaRPr lang="en-US"/>
+            <a:endParaRPr lang="en-US" dirty="0"/>
           </a:p>
         </p:txBody>
       </p:sp>
@@ -3629,7 +3638,7 @@
               <a:pPr/>
               <a:t>‹#›</a:t>
             </a:fld>
-            <a:endParaRPr lang="en-US"/>
+            <a:endParaRPr lang="en-US" dirty="0"/>
           </a:p>
         </p:txBody>
       </p:sp>
@@ -3875,7 +3884,7 @@
               <a:pPr/>
               <a:t>‹#›</a:t>
             </a:fld>
-            <a:endParaRPr lang="en-US"/>
+            <a:endParaRPr lang="en-US" dirty="0"/>
           </a:p>
         </p:txBody>
       </p:sp>
@@ -3993,7 +4002,7 @@
             </a:lvl9pPr>
           </a:lstStyle>
           <a:p>
-            <a:endParaRPr lang="hu-HU"/>
+            <a:endParaRPr lang="hu-HU" dirty="0"/>
           </a:p>
         </p:txBody>
       </p:sp>
@@ -4086,7 +4095,7 @@
               <a:pPr/>
               <a:t>‹#›</a:t>
             </a:fld>
-            <a:endParaRPr lang="en-US"/>
+            <a:endParaRPr lang="en-US" dirty="0"/>
           </a:p>
         </p:txBody>
       </p:sp>
@@ -4341,9 +4350,9 @@
             <a:fld id="{C47046F5-0D2D-4F75-828A-F26A4AE1EC39}" type="datetime8">
               <a:rPr lang="hu-HU"/>
               <a:pPr/>
-              <a:t>2013.01.30. 18:59</a:t>
+              <a:t>2013.01.31. 23:36</a:t>
             </a:fld>
-            <a:endParaRPr lang="en-US"/>
+            <a:endParaRPr lang="en-US" dirty="0"/>
           </a:p>
         </p:txBody>
       </p:sp>
@@ -4371,7 +4380,7 @@
               <a:pPr/>
               <a:t>‹#›</a:t>
             </a:fld>
-            <a:endParaRPr lang="en-US"/>
+            <a:endParaRPr lang="en-US" dirty="0"/>
           </a:p>
         </p:txBody>
       </p:sp>
@@ -4623,9 +4632,9 @@
             <a:fld id="{8E0ECF17-21A1-4F8E-B5FB-A38B67AB2214}" type="datetime8">
               <a:rPr lang="hu-HU"/>
               <a:pPr/>
-              <a:t>2013.01.30. 18:59</a:t>
+              <a:t>2013.01.31. 23:36</a:t>
             </a:fld>
-            <a:endParaRPr lang="en-US"/>
+            <a:endParaRPr lang="en-US" dirty="0"/>
           </a:p>
         </p:txBody>
       </p:sp>
@@ -4653,7 +4662,7 @@
               <a:pPr/>
               <a:t>‹#›</a:t>
             </a:fld>
-            <a:endParaRPr lang="en-US"/>
+            <a:endParaRPr lang="en-US" dirty="0"/>
           </a:p>
         </p:txBody>
       </p:sp>
@@ -4771,7 +4780,7 @@
             </a:lvl9pPr>
           </a:lstStyle>
           <a:p>
-            <a:endParaRPr lang="hu-HU"/>
+            <a:endParaRPr lang="hu-HU" dirty="0"/>
           </a:p>
         </p:txBody>
       </p:sp>
@@ -4864,7 +4873,7 @@
               <a:pPr/>
               <a:t>‹#›</a:t>
             </a:fld>
-            <a:endParaRPr lang="en-US"/>
+            <a:endParaRPr lang="en-US" dirty="0"/>
           </a:p>
         </p:txBody>
       </p:sp>
@@ -5231,7 +5240,7 @@
               <a:pPr/>
               <a:t>‹#›</a:t>
             </a:fld>
-            <a:endParaRPr lang="en-US"/>
+            <a:endParaRPr lang="en-US" dirty="0"/>
           </a:p>
         </p:txBody>
       </p:sp>
@@ -5359,7 +5368,7 @@
               <a:pPr/>
               <a:t>‹#›</a:t>
             </a:fld>
-            <a:endParaRPr lang="en-US"/>
+            <a:endParaRPr lang="en-US" dirty="0"/>
           </a:p>
         </p:txBody>
       </p:sp>
@@ -5605,7 +5614,7 @@
               <a:pPr/>
               <a:t>‹#›</a:t>
             </a:fld>
-            <a:endParaRPr lang="en-US"/>
+            <a:endParaRPr lang="en-US" dirty="0"/>
           </a:p>
         </p:txBody>
       </p:sp>
@@ -5723,7 +5732,7 @@
             </a:lvl9pPr>
           </a:lstStyle>
           <a:p>
-            <a:endParaRPr lang="hu-HU"/>
+            <a:endParaRPr lang="hu-HU" dirty="0"/>
           </a:p>
         </p:txBody>
       </p:sp>
@@ -5816,7 +5825,7 @@
               <a:pPr/>
               <a:t>‹#›</a:t>
             </a:fld>
-            <a:endParaRPr lang="en-US"/>
+            <a:endParaRPr lang="en-US" dirty="0"/>
           </a:p>
         </p:txBody>
       </p:sp>
@@ -6294,7 +6303,7 @@
             </a:lvl9pPr>
           </a:lstStyle>
           <a:p>
-            <a:endParaRPr lang="hu-HU"/>
+            <a:endParaRPr lang="hu-HU" dirty="0"/>
           </a:p>
         </p:txBody>
       </p:sp>
@@ -6387,7 +6396,7 @@
               <a:pPr/>
               <a:t>‹#›</a:t>
             </a:fld>
-            <a:endParaRPr lang="en-US"/>
+            <a:endParaRPr lang="en-US" dirty="0"/>
           </a:p>
         </p:txBody>
       </p:sp>
@@ -6636,7 +6645,7 @@
               <a:pPr/>
               <a:t>‹#›</a:t>
             </a:fld>
-            <a:endParaRPr lang="en-US"/>
+            <a:endParaRPr lang="en-US" dirty="0"/>
           </a:p>
         </p:txBody>
       </p:sp>
@@ -6882,7 +6891,7 @@
               <a:pPr/>
               <a:t>‹#›</a:t>
             </a:fld>
-            <a:endParaRPr lang="en-US"/>
+            <a:endParaRPr lang="en-US" dirty="0"/>
           </a:p>
         </p:txBody>
       </p:sp>
@@ -7000,7 +7009,7 @@
             </a:lvl9pPr>
           </a:lstStyle>
           <a:p>
-            <a:endParaRPr lang="hu-HU"/>
+            <a:endParaRPr lang="hu-HU" dirty="0"/>
           </a:p>
         </p:txBody>
       </p:sp>
@@ -7093,7 +7102,7 @@
               <a:pPr/>
               <a:t>‹#›</a:t>
             </a:fld>
-            <a:endParaRPr lang="en-US"/>
+            <a:endParaRPr lang="en-US" dirty="0"/>
           </a:p>
         </p:txBody>
       </p:sp>
@@ -7503,7 +7512,7 @@
                 <a:spcPct val="50000"/>
               </a:spcBef>
             </a:pPr>
-            <a:endParaRPr lang="hu-HU" sz="1200">
+            <a:endParaRPr lang="hu-HU" sz="1200" dirty="0">
               <a:latin typeface="Trebuchet MS" pitchFamily="34" charset="0"/>
             </a:endParaRPr>
           </a:p>
@@ -7583,7 +7592,7 @@
           <a:bodyPr wrap="none" anchor="ctr"/>
           <a:lstStyle/>
           <a:p>
-            <a:endParaRPr lang="hu-HU"/>
+            <a:endParaRPr lang="hu-HU" dirty="0"/>
           </a:p>
         </p:txBody>
       </p:sp>
@@ -7622,7 +7631,7 @@
           <a:bodyPr wrap="none" anchor="ctr"/>
           <a:lstStyle/>
           <a:p>
-            <a:endParaRPr lang="hu-HU"/>
+            <a:endParaRPr lang="hu-HU" dirty="0"/>
           </a:p>
         </p:txBody>
       </p:sp>
@@ -7661,7 +7670,7 @@
           <a:bodyPr wrap="none" anchor="ctr"/>
           <a:lstStyle/>
           <a:p>
-            <a:endParaRPr lang="hu-HU"/>
+            <a:endParaRPr lang="hu-HU" dirty="0"/>
           </a:p>
         </p:txBody>
       </p:sp>
@@ -7700,7 +7709,7 @@
           <a:bodyPr wrap="none" anchor="ctr"/>
           <a:lstStyle/>
           <a:p>
-            <a:endParaRPr lang="hu-HU"/>
+            <a:endParaRPr lang="hu-HU" dirty="0"/>
           </a:p>
         </p:txBody>
       </p:sp>
@@ -7739,7 +7748,7 @@
           <a:bodyPr wrap="none" anchor="ctr"/>
           <a:lstStyle/>
           <a:p>
-            <a:endParaRPr lang="hu-HU"/>
+            <a:endParaRPr lang="hu-HU" dirty="0"/>
           </a:p>
         </p:txBody>
       </p:sp>
@@ -7778,7 +7787,7 @@
           <a:bodyPr wrap="none" anchor="ctr"/>
           <a:lstStyle/>
           <a:p>
-            <a:endParaRPr lang="hu-HU"/>
+            <a:endParaRPr lang="hu-HU" dirty="0"/>
           </a:p>
         </p:txBody>
       </p:sp>
@@ -7817,7 +7826,7 @@
           <a:bodyPr wrap="none" anchor="ctr"/>
           <a:lstStyle/>
           <a:p>
-            <a:endParaRPr lang="hu-HU"/>
+            <a:endParaRPr lang="hu-HU" dirty="0"/>
           </a:p>
         </p:txBody>
       </p:sp>
@@ -7856,7 +7865,7 @@
           <a:bodyPr wrap="none" anchor="ctr"/>
           <a:lstStyle/>
           <a:p>
-            <a:endParaRPr lang="hu-HU"/>
+            <a:endParaRPr lang="hu-HU" dirty="0"/>
           </a:p>
         </p:txBody>
       </p:sp>
@@ -7897,16 +7906,16 @@
               </a:spcBef>
             </a:pPr>
             <a:r>
-              <a:rPr lang="hu-HU" sz="1200" u="sng" noProof="0" dirty="0" smtClean="0">
+              <a:rPr lang="hu-HU" sz="1200" u="none" noProof="0" dirty="0" smtClean="0">
                 <a:solidFill>
-                  <a:srgbClr val="DDDDDD"/>
+                  <a:schemeClr val="bg1"/>
                 </a:solidFill>
               </a:rPr>
               <a:t>Bevezetés</a:t>
             </a:r>
-            <a:endParaRPr lang="en-US" sz="1200" u="sng" noProof="0" dirty="0" smtClean="0">
+            <a:endParaRPr lang="en-US" sz="1200" u="none" noProof="0" dirty="0" smtClean="0">
               <a:solidFill>
-                <a:srgbClr val="DDDDDD"/>
+                <a:schemeClr val="bg1"/>
               </a:solidFill>
             </a:endParaRPr>
           </a:p>
@@ -8835,7 +8844,7 @@
               <a:pPr/>
               <a:t>‹#›</a:t>
             </a:fld>
-            <a:endParaRPr lang="en-US"/>
+            <a:endParaRPr lang="en-US" dirty="0"/>
           </a:p>
         </p:txBody>
       </p:sp>
@@ -8875,7 +8884,7 @@
                 <a:spcPct val="50000"/>
               </a:spcBef>
             </a:pPr>
-            <a:endParaRPr lang="hu-HU" sz="1200">
+            <a:endParaRPr lang="hu-HU" sz="1200" dirty="0">
               <a:latin typeface="Trebuchet MS" pitchFamily="34" charset="0"/>
             </a:endParaRPr>
           </a:p>
@@ -8916,7 +8925,7 @@
           <a:bodyPr wrap="none" anchor="ctr"/>
           <a:lstStyle/>
           <a:p>
-            <a:endParaRPr lang="hu-HU"/>
+            <a:endParaRPr lang="hu-HU" dirty="0"/>
           </a:p>
         </p:txBody>
       </p:sp>
@@ -8994,7 +9003,7 @@
           <a:bodyPr wrap="none" anchor="ctr"/>
           <a:lstStyle/>
           <a:p>
-            <a:endParaRPr lang="hu-HU"/>
+            <a:endParaRPr lang="hu-HU" dirty="0"/>
           </a:p>
         </p:txBody>
       </p:sp>
@@ -9033,7 +9042,7 @@
           <a:bodyPr wrap="none" anchor="ctr"/>
           <a:lstStyle/>
           <a:p>
-            <a:endParaRPr lang="hu-HU"/>
+            <a:endParaRPr lang="hu-HU" dirty="0"/>
           </a:p>
         </p:txBody>
       </p:sp>
@@ -9072,7 +9081,7 @@
           <a:bodyPr wrap="none" anchor="ctr"/>
           <a:lstStyle/>
           <a:p>
-            <a:endParaRPr lang="hu-HU"/>
+            <a:endParaRPr lang="hu-HU" dirty="0"/>
           </a:p>
         </p:txBody>
       </p:sp>
@@ -9111,7 +9120,7 @@
           <a:bodyPr wrap="none" anchor="ctr"/>
           <a:lstStyle/>
           <a:p>
-            <a:endParaRPr lang="hu-HU"/>
+            <a:endParaRPr lang="hu-HU" dirty="0"/>
           </a:p>
         </p:txBody>
       </p:sp>
@@ -9150,7 +9159,7 @@
           <a:bodyPr wrap="none" anchor="ctr"/>
           <a:lstStyle/>
           <a:p>
-            <a:endParaRPr lang="hu-HU"/>
+            <a:endParaRPr lang="hu-HU" dirty="0"/>
           </a:p>
         </p:txBody>
       </p:sp>
@@ -9189,7 +9198,7 @@
           <a:bodyPr wrap="none" anchor="ctr"/>
           <a:lstStyle/>
           <a:p>
-            <a:endParaRPr lang="hu-HU"/>
+            <a:endParaRPr lang="hu-HU" dirty="0"/>
           </a:p>
         </p:txBody>
       </p:sp>
@@ -9228,7 +9237,7 @@
           <a:bodyPr wrap="none" anchor="ctr"/>
           <a:lstStyle/>
           <a:p>
-            <a:endParaRPr lang="hu-HU"/>
+            <a:endParaRPr lang="hu-HU" dirty="0"/>
           </a:p>
         </p:txBody>
       </p:sp>
@@ -9289,14 +9298,14 @@
               </a:spcBef>
             </a:pPr>
             <a:r>
-              <a:rPr lang="hu-HU" sz="1200" u="sng" noProof="0" dirty="0" smtClean="0">
+              <a:rPr lang="hu-HU" sz="1200" u="none" noProof="0" dirty="0" smtClean="0">
                 <a:solidFill>
                   <a:schemeClr val="bg1"/>
                 </a:solidFill>
               </a:rPr>
               <a:t>Fejmozgás meghatározása</a:t>
             </a:r>
-            <a:endParaRPr lang="en-US" sz="1200" u="sng" noProof="0" dirty="0" smtClean="0">
+            <a:endParaRPr lang="en-US" sz="1200" u="none" noProof="0" dirty="0" smtClean="0">
               <a:solidFill>
                 <a:schemeClr val="bg1"/>
               </a:solidFill>
@@ -10200,7 +10209,7 @@
               <a:pPr/>
               <a:t>‹#›</a:t>
             </a:fld>
-            <a:endParaRPr lang="en-US"/>
+            <a:endParaRPr lang="en-US" dirty="0"/>
           </a:p>
         </p:txBody>
       </p:sp>
@@ -10240,7 +10249,7 @@
                 <a:spcPct val="50000"/>
               </a:spcBef>
             </a:pPr>
-            <a:endParaRPr lang="hu-HU" sz="1200">
+            <a:endParaRPr lang="hu-HU" sz="1200" dirty="0">
               <a:latin typeface="Trebuchet MS" pitchFamily="34" charset="0"/>
             </a:endParaRPr>
           </a:p>
@@ -10281,7 +10290,7 @@
           <a:bodyPr wrap="none" anchor="ctr"/>
           <a:lstStyle/>
           <a:p>
-            <a:endParaRPr lang="hu-HU"/>
+            <a:endParaRPr lang="hu-HU" dirty="0"/>
           </a:p>
         </p:txBody>
       </p:sp>
@@ -10320,7 +10329,7 @@
           <a:bodyPr wrap="none" anchor="ctr"/>
           <a:lstStyle/>
           <a:p>
-            <a:endParaRPr lang="hu-HU"/>
+            <a:endParaRPr lang="hu-HU" dirty="0"/>
           </a:p>
         </p:txBody>
       </p:sp>
@@ -10359,7 +10368,7 @@
           <a:bodyPr wrap="none" anchor="ctr"/>
           <a:lstStyle/>
           <a:p>
-            <a:endParaRPr lang="hu-HU"/>
+            <a:endParaRPr lang="hu-HU" dirty="0"/>
           </a:p>
         </p:txBody>
       </p:sp>
@@ -10398,7 +10407,7 @@
           <a:bodyPr wrap="none" anchor="ctr"/>
           <a:lstStyle/>
           <a:p>
-            <a:endParaRPr lang="hu-HU"/>
+            <a:endParaRPr lang="hu-HU" dirty="0"/>
           </a:p>
         </p:txBody>
       </p:sp>
@@ -10437,7 +10446,7 @@
           <a:bodyPr wrap="none" anchor="ctr"/>
           <a:lstStyle/>
           <a:p>
-            <a:endParaRPr lang="hu-HU"/>
+            <a:endParaRPr lang="hu-HU" dirty="0"/>
           </a:p>
         </p:txBody>
       </p:sp>
@@ -10476,7 +10485,7 @@
           <a:bodyPr wrap="none" anchor="ctr"/>
           <a:lstStyle/>
           <a:p>
-            <a:endParaRPr lang="hu-HU"/>
+            <a:endParaRPr lang="hu-HU" dirty="0"/>
           </a:p>
         </p:txBody>
       </p:sp>
@@ -10515,7 +10524,7 @@
           <a:bodyPr wrap="none" anchor="ctr"/>
           <a:lstStyle/>
           <a:p>
-            <a:endParaRPr lang="hu-HU"/>
+            <a:endParaRPr lang="hu-HU" dirty="0"/>
           </a:p>
         </p:txBody>
       </p:sp>
@@ -10554,7 +10563,7 @@
           <a:bodyPr wrap="none" anchor="ctr"/>
           <a:lstStyle/>
           <a:p>
-            <a:endParaRPr lang="hu-HU"/>
+            <a:endParaRPr lang="hu-HU" dirty="0"/>
           </a:p>
         </p:txBody>
       </p:sp>
@@ -10593,7 +10602,7 @@
           <a:bodyPr wrap="none" anchor="ctr"/>
           <a:lstStyle/>
           <a:p>
-            <a:endParaRPr lang="hu-HU"/>
+            <a:endParaRPr lang="hu-HU" dirty="0"/>
           </a:p>
         </p:txBody>
       </p:sp>
@@ -10674,14 +10683,14 @@
               </a:spcBef>
             </a:pPr>
             <a:r>
-              <a:rPr lang="hu-HU" sz="1200" u="sng" noProof="0" dirty="0" smtClean="0">
+              <a:rPr lang="hu-HU" sz="1200" u="none" noProof="0" dirty="0" smtClean="0">
                 <a:solidFill>
                   <a:schemeClr val="bg1"/>
                 </a:solidFill>
               </a:rPr>
               <a:t>Fejmozgás detektálása</a:t>
             </a:r>
-            <a:endParaRPr lang="en-US" sz="1200" u="sng" noProof="0" dirty="0" smtClean="0">
+            <a:endParaRPr lang="en-US" sz="1200" u="none" noProof="0" dirty="0" smtClean="0">
               <a:solidFill>
                 <a:schemeClr val="bg1"/>
               </a:solidFill>
@@ -11565,7 +11574,7 @@
               <a:pPr/>
               <a:t>‹#›</a:t>
             </a:fld>
-            <a:endParaRPr lang="en-US"/>
+            <a:endParaRPr lang="en-US" dirty="0"/>
           </a:p>
         </p:txBody>
       </p:sp>
@@ -11605,7 +11614,7 @@
                 <a:spcPct val="50000"/>
               </a:spcBef>
             </a:pPr>
-            <a:endParaRPr lang="hu-HU" sz="1200">
+            <a:endParaRPr lang="hu-HU" sz="1200" dirty="0">
               <a:latin typeface="Trebuchet MS" pitchFamily="34" charset="0"/>
             </a:endParaRPr>
           </a:p>
@@ -11646,7 +11655,7 @@
           <a:bodyPr wrap="none" anchor="ctr"/>
           <a:lstStyle/>
           <a:p>
-            <a:endParaRPr lang="hu-HU"/>
+            <a:endParaRPr lang="hu-HU" dirty="0"/>
           </a:p>
         </p:txBody>
       </p:sp>
@@ -11685,7 +11694,7 @@
           <a:bodyPr wrap="none" anchor="ctr"/>
           <a:lstStyle/>
           <a:p>
-            <a:endParaRPr lang="hu-HU"/>
+            <a:endParaRPr lang="hu-HU" dirty="0"/>
           </a:p>
         </p:txBody>
       </p:sp>
@@ -11724,7 +11733,7 @@
           <a:bodyPr wrap="none" anchor="ctr"/>
           <a:lstStyle/>
           <a:p>
-            <a:endParaRPr lang="hu-HU"/>
+            <a:endParaRPr lang="hu-HU" dirty="0"/>
           </a:p>
         </p:txBody>
       </p:sp>
@@ -11763,7 +11772,7 @@
           <a:bodyPr wrap="none" anchor="ctr"/>
           <a:lstStyle/>
           <a:p>
-            <a:endParaRPr lang="hu-HU"/>
+            <a:endParaRPr lang="hu-HU" dirty="0"/>
           </a:p>
         </p:txBody>
       </p:sp>
@@ -11802,7 +11811,7 @@
           <a:bodyPr wrap="none" anchor="ctr"/>
           <a:lstStyle/>
           <a:p>
-            <a:endParaRPr lang="hu-HU"/>
+            <a:endParaRPr lang="hu-HU" dirty="0"/>
           </a:p>
         </p:txBody>
       </p:sp>
@@ -11841,7 +11850,7 @@
           <a:bodyPr wrap="none" anchor="ctr"/>
           <a:lstStyle/>
           <a:p>
-            <a:endParaRPr lang="hu-HU"/>
+            <a:endParaRPr lang="hu-HU" dirty="0"/>
           </a:p>
         </p:txBody>
       </p:sp>
@@ -11880,7 +11889,7 @@
           <a:bodyPr wrap="none" anchor="ctr"/>
           <a:lstStyle/>
           <a:p>
-            <a:endParaRPr lang="hu-HU"/>
+            <a:endParaRPr lang="hu-HU" dirty="0"/>
           </a:p>
         </p:txBody>
       </p:sp>
@@ -11919,7 +11928,7 @@
           <a:bodyPr wrap="none" anchor="ctr"/>
           <a:lstStyle/>
           <a:p>
-            <a:endParaRPr lang="hu-HU"/>
+            <a:endParaRPr lang="hu-HU" dirty="0"/>
           </a:p>
         </p:txBody>
       </p:sp>
@@ -11958,7 +11967,7 @@
           <a:bodyPr wrap="none" anchor="ctr"/>
           <a:lstStyle/>
           <a:p>
-            <a:endParaRPr lang="hu-HU"/>
+            <a:endParaRPr lang="hu-HU" dirty="0"/>
           </a:p>
         </p:txBody>
       </p:sp>
@@ -12059,7 +12068,7 @@
               </a:spcBef>
             </a:pPr>
             <a:r>
-              <a:rPr lang="hu-HU" sz="1200" u="sng" kern="1200" noProof="0" dirty="0" smtClean="0">
+              <a:rPr lang="hu-HU" sz="1200" u="none" kern="1200" noProof="0" dirty="0" smtClean="0">
                 <a:solidFill>
                   <a:schemeClr val="bg1"/>
                 </a:solidFill>
@@ -12070,14 +12079,14 @@
               <a:t>Fejmozgás</a:t>
             </a:r>
             <a:r>
-              <a:rPr lang="hu-HU" sz="1200" u="sng" noProof="0" dirty="0" smtClean="0">
+              <a:rPr lang="hu-HU" sz="1200" u="none" noProof="0" dirty="0" smtClean="0">
                 <a:solidFill>
                   <a:schemeClr val="bg1"/>
                 </a:solidFill>
               </a:rPr>
               <a:t> iránya</a:t>
             </a:r>
-            <a:endParaRPr lang="en-US" sz="1200" u="sng" noProof="0" dirty="0" smtClean="0">
+            <a:endParaRPr lang="en-US" sz="1200" u="none" noProof="0" dirty="0" smtClean="0">
               <a:solidFill>
                 <a:schemeClr val="bg1"/>
               </a:solidFill>
@@ -12930,7 +12939,7 @@
               <a:pPr/>
               <a:t>‹#›</a:t>
             </a:fld>
-            <a:endParaRPr lang="en-US"/>
+            <a:endParaRPr lang="en-US" dirty="0"/>
           </a:p>
         </p:txBody>
       </p:sp>
@@ -12970,7 +12979,7 @@
                 <a:spcPct val="50000"/>
               </a:spcBef>
             </a:pPr>
-            <a:endParaRPr lang="hu-HU" sz="1200">
+            <a:endParaRPr lang="hu-HU" sz="1200" dirty="0">
               <a:latin typeface="Trebuchet MS" pitchFamily="34" charset="0"/>
             </a:endParaRPr>
           </a:p>
@@ -13011,7 +13020,7 @@
           <a:bodyPr wrap="none" anchor="ctr"/>
           <a:lstStyle/>
           <a:p>
-            <a:endParaRPr lang="hu-HU"/>
+            <a:endParaRPr lang="hu-HU" dirty="0"/>
           </a:p>
         </p:txBody>
       </p:sp>
@@ -13050,7 +13059,7 @@
           <a:bodyPr wrap="none" anchor="ctr"/>
           <a:lstStyle/>
           <a:p>
-            <a:endParaRPr lang="hu-HU"/>
+            <a:endParaRPr lang="hu-HU" dirty="0"/>
           </a:p>
         </p:txBody>
       </p:sp>
@@ -13089,7 +13098,7 @@
           <a:bodyPr wrap="none" anchor="ctr"/>
           <a:lstStyle/>
           <a:p>
-            <a:endParaRPr lang="hu-HU"/>
+            <a:endParaRPr lang="hu-HU" dirty="0"/>
           </a:p>
         </p:txBody>
       </p:sp>
@@ -13128,7 +13137,7 @@
           <a:bodyPr wrap="none" anchor="ctr"/>
           <a:lstStyle/>
           <a:p>
-            <a:endParaRPr lang="hu-HU"/>
+            <a:endParaRPr lang="hu-HU" dirty="0"/>
           </a:p>
         </p:txBody>
       </p:sp>
@@ -13167,7 +13176,7 @@
           <a:bodyPr wrap="none" anchor="ctr"/>
           <a:lstStyle/>
           <a:p>
-            <a:endParaRPr lang="hu-HU"/>
+            <a:endParaRPr lang="hu-HU" dirty="0"/>
           </a:p>
         </p:txBody>
       </p:sp>
@@ -13206,7 +13215,7 @@
           <a:bodyPr wrap="none" anchor="ctr"/>
           <a:lstStyle/>
           <a:p>
-            <a:endParaRPr lang="hu-HU"/>
+            <a:endParaRPr lang="hu-HU" dirty="0"/>
           </a:p>
         </p:txBody>
       </p:sp>
@@ -13245,7 +13254,7 @@
           <a:bodyPr wrap="none" anchor="ctr"/>
           <a:lstStyle/>
           <a:p>
-            <a:endParaRPr lang="hu-HU"/>
+            <a:endParaRPr lang="hu-HU" dirty="0"/>
           </a:p>
         </p:txBody>
       </p:sp>
@@ -13284,7 +13293,7 @@
           <a:bodyPr wrap="none" anchor="ctr"/>
           <a:lstStyle/>
           <a:p>
-            <a:endParaRPr lang="hu-HU"/>
+            <a:endParaRPr lang="hu-HU" dirty="0"/>
           </a:p>
         </p:txBody>
       </p:sp>
@@ -13323,7 +13332,7 @@
           <a:bodyPr wrap="none" anchor="ctr"/>
           <a:lstStyle/>
           <a:p>
-            <a:endParaRPr lang="hu-HU"/>
+            <a:endParaRPr lang="hu-HU" dirty="0"/>
           </a:p>
         </p:txBody>
       </p:sp>
@@ -13455,14 +13464,14 @@
               </a:spcBef>
             </a:pPr>
             <a:r>
-              <a:rPr lang="hu-HU" sz="1200" u="sng" noProof="0" dirty="0" smtClean="0">
+              <a:rPr lang="hu-HU" sz="1200" u="none" noProof="0" dirty="0" smtClean="0">
                 <a:solidFill>
                   <a:schemeClr val="bg1"/>
                 </a:solidFill>
               </a:rPr>
               <a:t>Gesztus-felismerés</a:t>
             </a:r>
-            <a:endParaRPr lang="en-US" sz="1200" u="sng" noProof="0" dirty="0" smtClean="0">
+            <a:endParaRPr lang="en-US" sz="1200" u="none" noProof="0" dirty="0" smtClean="0">
               <a:solidFill>
                 <a:schemeClr val="bg1"/>
               </a:solidFill>
@@ -14295,7 +14304,7 @@
               <a:pPr/>
               <a:t>‹#›</a:t>
             </a:fld>
-            <a:endParaRPr lang="en-US"/>
+            <a:endParaRPr lang="en-US" dirty="0"/>
           </a:p>
         </p:txBody>
       </p:sp>
@@ -14335,7 +14344,7 @@
                 <a:spcPct val="50000"/>
               </a:spcBef>
             </a:pPr>
-            <a:endParaRPr lang="hu-HU" sz="1200">
+            <a:endParaRPr lang="hu-HU" sz="1200" dirty="0">
               <a:latin typeface="Trebuchet MS" pitchFamily="34" charset="0"/>
             </a:endParaRPr>
           </a:p>
@@ -14376,7 +14385,7 @@
           <a:bodyPr wrap="none" anchor="ctr"/>
           <a:lstStyle/>
           <a:p>
-            <a:endParaRPr lang="hu-HU"/>
+            <a:endParaRPr lang="hu-HU" dirty="0"/>
           </a:p>
         </p:txBody>
       </p:sp>
@@ -14415,7 +14424,7 @@
           <a:bodyPr wrap="none" anchor="ctr"/>
           <a:lstStyle/>
           <a:p>
-            <a:endParaRPr lang="hu-HU"/>
+            <a:endParaRPr lang="hu-HU" dirty="0"/>
           </a:p>
         </p:txBody>
       </p:sp>
@@ -14454,7 +14463,7 @@
           <a:bodyPr wrap="none" anchor="ctr"/>
           <a:lstStyle/>
           <a:p>
-            <a:endParaRPr lang="hu-HU"/>
+            <a:endParaRPr lang="hu-HU" dirty="0"/>
           </a:p>
         </p:txBody>
       </p:sp>
@@ -14493,7 +14502,7 @@
           <a:bodyPr wrap="none" anchor="ctr"/>
           <a:lstStyle/>
           <a:p>
-            <a:endParaRPr lang="hu-HU"/>
+            <a:endParaRPr lang="hu-HU" dirty="0"/>
           </a:p>
         </p:txBody>
       </p:sp>
@@ -14532,7 +14541,7 @@
           <a:bodyPr wrap="none" anchor="ctr"/>
           <a:lstStyle/>
           <a:p>
-            <a:endParaRPr lang="hu-HU"/>
+            <a:endParaRPr lang="hu-HU" dirty="0"/>
           </a:p>
         </p:txBody>
       </p:sp>
@@ -14571,7 +14580,7 @@
           <a:bodyPr wrap="none" anchor="ctr"/>
           <a:lstStyle/>
           <a:p>
-            <a:endParaRPr lang="hu-HU"/>
+            <a:endParaRPr lang="hu-HU" dirty="0"/>
           </a:p>
         </p:txBody>
       </p:sp>
@@ -14610,7 +14619,7 @@
           <a:bodyPr wrap="none" anchor="ctr"/>
           <a:lstStyle/>
           <a:p>
-            <a:endParaRPr lang="hu-HU"/>
+            <a:endParaRPr lang="hu-HU" dirty="0"/>
           </a:p>
         </p:txBody>
       </p:sp>
@@ -14649,7 +14658,7 @@
           <a:bodyPr wrap="none" anchor="ctr"/>
           <a:lstStyle/>
           <a:p>
-            <a:endParaRPr lang="hu-HU"/>
+            <a:endParaRPr lang="hu-HU" dirty="0"/>
           </a:p>
         </p:txBody>
       </p:sp>
@@ -14688,7 +14697,7 @@
           <a:bodyPr wrap="none" anchor="ctr"/>
           <a:lstStyle/>
           <a:p>
-            <a:endParaRPr lang="hu-HU"/>
+            <a:endParaRPr lang="hu-HU" dirty="0"/>
           </a:p>
         </p:txBody>
       </p:sp>
@@ -14840,7 +14849,7 @@
               </a:spcBef>
             </a:pPr>
             <a:r>
-              <a:rPr lang="hu-HU" sz="1200" u="sng" kern="1200" noProof="0" dirty="0" smtClean="0">
+              <a:rPr lang="hu-HU" sz="1200" u="none" kern="1200" noProof="0" dirty="0" smtClean="0">
                 <a:solidFill>
                   <a:schemeClr val="bg1"/>
                 </a:solidFill>
@@ -14850,7 +14859,7 @@
               </a:rPr>
               <a:t>Gesztus adatbázis</a:t>
             </a:r>
-            <a:endParaRPr lang="en-US" sz="1200" u="sng" kern="1200" noProof="0" dirty="0" smtClean="0">
+            <a:endParaRPr lang="en-US" sz="1200" u="none" kern="1200" noProof="0" dirty="0" smtClean="0">
               <a:solidFill>
                 <a:schemeClr val="bg1"/>
               </a:solidFill>
@@ -15660,7 +15669,7 @@
               <a:pPr/>
               <a:t>‹#›</a:t>
             </a:fld>
-            <a:endParaRPr lang="en-US"/>
+            <a:endParaRPr lang="en-US" dirty="0"/>
           </a:p>
         </p:txBody>
       </p:sp>
@@ -15700,7 +15709,7 @@
                 <a:spcPct val="50000"/>
               </a:spcBef>
             </a:pPr>
-            <a:endParaRPr lang="hu-HU" sz="1200">
+            <a:endParaRPr lang="hu-HU" sz="1200" dirty="0">
               <a:latin typeface="Trebuchet MS" pitchFamily="34" charset="0"/>
             </a:endParaRPr>
           </a:p>
@@ -15741,7 +15750,7 @@
           <a:bodyPr wrap="none" anchor="ctr"/>
           <a:lstStyle/>
           <a:p>
-            <a:endParaRPr lang="hu-HU"/>
+            <a:endParaRPr lang="hu-HU" dirty="0"/>
           </a:p>
         </p:txBody>
       </p:sp>
@@ -15780,7 +15789,7 @@
           <a:bodyPr wrap="none" anchor="ctr"/>
           <a:lstStyle/>
           <a:p>
-            <a:endParaRPr lang="hu-HU"/>
+            <a:endParaRPr lang="hu-HU" dirty="0"/>
           </a:p>
         </p:txBody>
       </p:sp>
@@ -15819,7 +15828,7 @@
           <a:bodyPr wrap="none" anchor="ctr"/>
           <a:lstStyle/>
           <a:p>
-            <a:endParaRPr lang="hu-HU"/>
+            <a:endParaRPr lang="hu-HU" dirty="0"/>
           </a:p>
         </p:txBody>
       </p:sp>
@@ -15858,7 +15867,7 @@
           <a:bodyPr wrap="none" anchor="ctr"/>
           <a:lstStyle/>
           <a:p>
-            <a:endParaRPr lang="hu-HU"/>
+            <a:endParaRPr lang="hu-HU" dirty="0"/>
           </a:p>
         </p:txBody>
       </p:sp>
@@ -15897,7 +15906,7 @@
           <a:bodyPr wrap="none" anchor="ctr"/>
           <a:lstStyle/>
           <a:p>
-            <a:endParaRPr lang="hu-HU"/>
+            <a:endParaRPr lang="hu-HU" dirty="0"/>
           </a:p>
         </p:txBody>
       </p:sp>
@@ -15936,7 +15945,7 @@
           <a:bodyPr wrap="none" anchor="ctr"/>
           <a:lstStyle/>
           <a:p>
-            <a:endParaRPr lang="hu-HU"/>
+            <a:endParaRPr lang="hu-HU" dirty="0"/>
           </a:p>
         </p:txBody>
       </p:sp>
@@ -15975,7 +15984,7 @@
           <a:bodyPr wrap="none" anchor="ctr"/>
           <a:lstStyle/>
           <a:p>
-            <a:endParaRPr lang="hu-HU"/>
+            <a:endParaRPr lang="hu-HU" dirty="0"/>
           </a:p>
         </p:txBody>
       </p:sp>
@@ -16014,7 +16023,7 @@
           <a:bodyPr wrap="none" anchor="ctr"/>
           <a:lstStyle/>
           <a:p>
-            <a:endParaRPr lang="hu-HU"/>
+            <a:endParaRPr lang="hu-HU" dirty="0"/>
           </a:p>
         </p:txBody>
       </p:sp>
@@ -16053,7 +16062,7 @@
           <a:bodyPr wrap="none" anchor="ctr"/>
           <a:lstStyle/>
           <a:p>
-            <a:endParaRPr lang="hu-HU"/>
+            <a:endParaRPr lang="hu-HU" dirty="0"/>
           </a:p>
         </p:txBody>
       </p:sp>
@@ -16231,7 +16240,7 @@
               </a:spcBef>
             </a:pPr>
             <a:r>
-              <a:rPr lang="hu-HU" sz="1200" u="sng" kern="1200" noProof="0" dirty="0" smtClean="0">
+              <a:rPr lang="hu-HU" sz="1200" u="none" kern="1200" noProof="0" dirty="0" smtClean="0">
                 <a:solidFill>
                   <a:schemeClr val="bg1"/>
                 </a:solidFill>
@@ -17025,7 +17034,7 @@
               <a:pPr/>
               <a:t>‹#›</a:t>
             </a:fld>
-            <a:endParaRPr lang="en-US"/>
+            <a:endParaRPr lang="en-US" dirty="0"/>
           </a:p>
         </p:txBody>
       </p:sp>
@@ -17065,7 +17074,7 @@
                 <a:spcPct val="50000"/>
               </a:spcBef>
             </a:pPr>
-            <a:endParaRPr lang="hu-HU" sz="1200">
+            <a:endParaRPr lang="hu-HU" sz="1200" dirty="0">
               <a:latin typeface="Trebuchet MS" pitchFamily="34" charset="0"/>
             </a:endParaRPr>
           </a:p>
@@ -17106,7 +17115,7 @@
           <a:bodyPr wrap="none" anchor="ctr"/>
           <a:lstStyle/>
           <a:p>
-            <a:endParaRPr lang="hu-HU"/>
+            <a:endParaRPr lang="hu-HU" dirty="0"/>
           </a:p>
         </p:txBody>
       </p:sp>
@@ -17145,7 +17154,7 @@
           <a:bodyPr wrap="none" anchor="ctr"/>
           <a:lstStyle/>
           <a:p>
-            <a:endParaRPr lang="hu-HU"/>
+            <a:endParaRPr lang="hu-HU" dirty="0"/>
           </a:p>
         </p:txBody>
       </p:sp>
@@ -17184,7 +17193,7 @@
           <a:bodyPr wrap="none" anchor="ctr"/>
           <a:lstStyle/>
           <a:p>
-            <a:endParaRPr lang="hu-HU"/>
+            <a:endParaRPr lang="hu-HU" dirty="0"/>
           </a:p>
         </p:txBody>
       </p:sp>
@@ -17223,7 +17232,7 @@
           <a:bodyPr wrap="none" anchor="ctr"/>
           <a:lstStyle/>
           <a:p>
-            <a:endParaRPr lang="hu-HU"/>
+            <a:endParaRPr lang="hu-HU" dirty="0"/>
           </a:p>
         </p:txBody>
       </p:sp>
@@ -17262,7 +17271,7 @@
           <a:bodyPr wrap="none" anchor="ctr"/>
           <a:lstStyle/>
           <a:p>
-            <a:endParaRPr lang="hu-HU"/>
+            <a:endParaRPr lang="hu-HU" dirty="0"/>
           </a:p>
         </p:txBody>
       </p:sp>
@@ -17301,7 +17310,7 @@
           <a:bodyPr wrap="none" anchor="ctr"/>
           <a:lstStyle/>
           <a:p>
-            <a:endParaRPr lang="hu-HU"/>
+            <a:endParaRPr lang="hu-HU" dirty="0"/>
           </a:p>
         </p:txBody>
       </p:sp>
@@ -17340,7 +17349,7 @@
           <a:bodyPr wrap="none" anchor="ctr"/>
           <a:lstStyle/>
           <a:p>
-            <a:endParaRPr lang="hu-HU"/>
+            <a:endParaRPr lang="hu-HU" dirty="0"/>
           </a:p>
         </p:txBody>
       </p:sp>
@@ -17379,7 +17388,7 @@
           <a:bodyPr wrap="none" anchor="ctr"/>
           <a:lstStyle/>
           <a:p>
-            <a:endParaRPr lang="hu-HU"/>
+            <a:endParaRPr lang="hu-HU" dirty="0"/>
           </a:p>
         </p:txBody>
       </p:sp>
@@ -17418,7 +17427,7 @@
           <a:bodyPr wrap="none" anchor="ctr"/>
           <a:lstStyle/>
           <a:p>
-            <a:endParaRPr lang="hu-HU"/>
+            <a:endParaRPr lang="hu-HU" dirty="0"/>
           </a:p>
         </p:txBody>
       </p:sp>
@@ -17614,14 +17623,14 @@
               </a:spcBef>
             </a:pPr>
             <a:r>
-              <a:rPr lang="hu-HU" sz="1200" u="sng" noProof="0" dirty="0" smtClean="0">
+              <a:rPr lang="hu-HU" sz="1200" u="none" noProof="0" dirty="0" smtClean="0">
                 <a:solidFill>
                   <a:schemeClr val="bg1"/>
                 </a:solidFill>
               </a:rPr>
               <a:t>Eredmények</a:t>
             </a:r>
-            <a:endParaRPr lang="en-US" sz="1200" u="sng" noProof="0" dirty="0" smtClean="0">
+            <a:endParaRPr lang="en-US" sz="1200" u="none" noProof="0" dirty="0" smtClean="0">
               <a:solidFill>
                 <a:schemeClr val="bg1"/>
               </a:solidFill>
@@ -18673,7 +18682,7 @@
           <a:p>
             <a:r>
               <a:rPr lang="hu-HU" dirty="0" smtClean="0"/>
-              <a:t>A képszekvencia szegmenseihez számított szögsorozatot </a:t>
+              <a:t>Illesztés: </a:t>
             </a:r>
             <a:r>
               <a:rPr lang="hu-HU" i="1" dirty="0" smtClean="0"/>
@@ -18681,15 +18690,28 @@
             </a:r>
             <a:r>
               <a:rPr lang="hu-HU" dirty="0" smtClean="0"/>
-              <a:t> segítségével illesztjük az adatbázis elemeihez</a:t>
+              <a:t> </a:t>
+            </a:r>
+            <a:r>
+              <a:rPr lang="hu-HU" dirty="0" smtClean="0"/>
+              <a:t>segítségével </a:t>
+            </a:r>
+            <a:r>
+              <a:rPr lang="hu-HU" dirty="0" smtClean="0"/>
+              <a:t>az adat-bázis </a:t>
+            </a:r>
+            <a:r>
+              <a:rPr lang="hu-HU" dirty="0" smtClean="0"/>
+              <a:t>elemeihez</a:t>
             </a:r>
           </a:p>
           <a:p>
             <a:pPr lvl="1"/>
             <a:r>
               <a:rPr lang="hu-HU" dirty="0" smtClean="0"/>
-              <a:t>Felismert gesztus: átlagosan a legkisebb távolság</a:t>
-            </a:r>
+              <a:t>Besorolás: adott osztály elemeitől vett átlagos távolság egy küszöbszám alá esik</a:t>
+            </a:r>
+            <a:endParaRPr lang="hu-HU" dirty="0" smtClean="0"/>
           </a:p>
           <a:p>
             <a:r>
@@ -18704,7 +18726,7 @@
           <a:p>
             <a:pPr lvl="1"/>
             <a:r>
-              <a:rPr lang="hu-HU" i="1" dirty="0" err="1" smtClean="0"/>
+              <a:rPr lang="hu-HU" i="1" dirty="0" smtClean="0"/>
               <a:t>nD</a:t>
             </a:r>
             <a:r>
@@ -18712,7 +18734,7 @@
               <a:t> vektor illesztése egy </a:t>
             </a:r>
             <a:r>
-              <a:rPr lang="hu-HU" i="1" dirty="0" err="1" smtClean="0"/>
+              <a:rPr lang="hu-HU" i="1" dirty="0" smtClean="0"/>
               <a:t>mD</a:t>
             </a:r>
             <a:r>
@@ -18727,7 +18749,7 @@
               <a:t>Táblázat: (0,</a:t>
             </a:r>
             <a:r>
-              <a:rPr lang="hu-HU" dirty="0" err="1" smtClean="0"/>
+              <a:rPr lang="hu-HU" dirty="0" smtClean="0"/>
               <a:t>0</a:t>
             </a:r>
             <a:r>
@@ -18735,7 +18757,7 @@
               <a:t>)</a:t>
             </a:r>
             <a:r>
-              <a:rPr lang="hu-HU" dirty="0" err="1" smtClean="0"/>
+              <a:rPr lang="hu-HU" dirty="0" smtClean="0"/>
               <a:t>-ból</a:t>
             </a:r>
             <a:r>
@@ -18743,7 +18765,7 @@
               <a:t> eljutni (n,m)</a:t>
             </a:r>
             <a:r>
-              <a:rPr lang="hu-HU" dirty="0" err="1" smtClean="0"/>
+              <a:rPr lang="hu-HU" dirty="0" smtClean="0"/>
               <a:t>-be</a:t>
             </a:r>
             <a:endParaRPr lang="hu-HU" dirty="0" smtClean="0"/>
@@ -18785,7 +18807,7 @@
               <a:pPr/>
               <a:t>10</a:t>
             </a:fld>
-            <a:endParaRPr lang="en-US"/>
+            <a:endParaRPr lang="en-US" dirty="0"/>
           </a:p>
         </p:txBody>
       </p:sp>
@@ -18865,7 +18887,7 @@
               <a:pPr/>
               <a:t>11</a:t>
             </a:fld>
-            <a:endParaRPr lang="en-US"/>
+            <a:endParaRPr lang="en-US" dirty="0"/>
           </a:p>
         </p:txBody>
       </p:sp>
@@ -18902,6 +18924,13 @@
             <a:headEnd/>
             <a:tailEnd/>
           </a:ln>
+          <a:effectLst>
+            <a:outerShdw blurRad="50800" dist="38100" dir="5400000" algn="t" rotWithShape="0">
+              <a:prstClr val="black">
+                <a:alpha val="40000"/>
+              </a:prstClr>
+            </a:outerShdw>
+          </a:effectLst>
         </p:spPr>
       </p:pic>
       <p:sp>
@@ -18936,7 +18965,7 @@
               <a:t>Két eltérő ütemben elvégzett fejrázás gesztus illesztése egymáshoz. A lineáris illesztést a koordináta-rendszer  (0,</a:t>
             </a:r>
             <a:r>
-              <a:rPr lang="hu-HU" dirty="0" err="1" smtClean="0">
+              <a:rPr lang="hu-HU" dirty="0" smtClean="0">
                 <a:latin typeface="+mn-lt"/>
               </a:rPr>
               <a:t>0</a:t>
@@ -19029,15 +19058,32 @@
           <a:p>
             <a:r>
               <a:rPr lang="hu-HU" dirty="0" smtClean="0"/>
-              <a:t>Minimális gesztushossz: &gt;1 sec</a:t>
+              <a:t>Minimális gesztushossz: </a:t>
+            </a:r>
+            <a:r>
+              <a:rPr lang="hu-HU" dirty="0" smtClean="0"/>
+              <a:t>&gt;1 </a:t>
+            </a:r>
+            <a:r>
+              <a:rPr lang="hu-HU" dirty="0" smtClean="0"/>
+              <a:t>sec</a:t>
             </a:r>
           </a:p>
           <a:p>
             <a:pPr lvl="1"/>
             <a:r>
               <a:rPr lang="hu-HU" dirty="0" smtClean="0"/>
-              <a:t>A rövid gesztusok nem illeszkednek a kicsit hasonlókra</a:t>
-            </a:r>
+              <a:t>Így a </a:t>
+            </a:r>
+            <a:r>
+              <a:rPr lang="hu-HU" dirty="0" smtClean="0"/>
+              <a:t>rövid gesztusok nem illeszkednek a kicsit </a:t>
+            </a:r>
+            <a:r>
+              <a:rPr lang="hu-HU" dirty="0" smtClean="0"/>
+              <a:t>is hasonlókra</a:t>
+            </a:r>
+            <a:endParaRPr lang="hu-HU" dirty="0" smtClean="0"/>
           </a:p>
           <a:p>
             <a:r>
@@ -19099,7 +19145,11 @@
             </a:r>
             <a:r>
               <a:rPr lang="hu-HU" dirty="0" smtClean="0"/>
-              <a:t> távolság &lt; 15</a:t>
+              <a:t> távolság </a:t>
+            </a:r>
+            <a:r>
+              <a:rPr lang="hu-HU" dirty="0" smtClean="0"/>
+              <a:t>&lt; 15</a:t>
             </a:r>
             <a:endParaRPr lang="en-US" dirty="0"/>
           </a:p>
@@ -19125,7 +19175,7 @@
               <a:pPr/>
               <a:t>12</a:t>
             </a:fld>
-            <a:endParaRPr lang="en-US"/>
+            <a:endParaRPr lang="en-US" dirty="0"/>
           </a:p>
         </p:txBody>
       </p:sp>
@@ -19205,7 +19255,7 @@
               <a:pPr/>
               <a:t>13</a:t>
             </a:fld>
-            <a:endParaRPr lang="en-US"/>
+            <a:endParaRPr lang="en-US" dirty="0"/>
           </a:p>
         </p:txBody>
       </p:sp>
@@ -19360,7 +19410,7 @@
               <a:pPr/>
               <a:t>14</a:t>
             </a:fld>
-            <a:endParaRPr lang="en-US"/>
+            <a:endParaRPr lang="en-US" dirty="0"/>
           </a:p>
         </p:txBody>
       </p:sp>
@@ -19385,14 +19435,56 @@
         </p:blipFill>
         <p:spPr>
           <a:xfrm>
-            <a:off x="1676400" y="1828800"/>
+            <a:off x="1676400" y="1368000"/>
             <a:ext cx="7179733" cy="4038600"/>
           </a:xfrm>
           <a:prstGeom prst="rect">
             <a:avLst/>
           </a:prstGeom>
+          <a:effectLst>
+            <a:outerShdw blurRad="50800" dist="38100" dir="5400000" algn="t" rotWithShape="0">
+              <a:prstClr val="black">
+                <a:alpha val="40000"/>
+              </a:prstClr>
+            </a:outerShdw>
+          </a:effectLst>
         </p:spPr>
       </p:pic>
+      <p:sp>
+        <p:nvSpPr>
+          <p:cNvPr id="6" name="Szövegdoboz 5"/>
+          <p:cNvSpPr txBox="1"/>
+          <p:nvPr/>
+        </p:nvSpPr>
+        <p:spPr>
+          <a:xfrm>
+            <a:off x="1676400" y="5580000"/>
+            <a:ext cx="7162800" cy="461665"/>
+          </a:xfrm>
+          <a:prstGeom prst="rect">
+            <a:avLst/>
+          </a:prstGeom>
+          <a:noFill/>
+        </p:spPr>
+        <p:txBody>
+          <a:bodyPr wrap="square" rtlCol="0">
+            <a:spAutoFit/>
+          </a:bodyPr>
+          <a:lstStyle/>
+          <a:p>
+            <a:pPr algn="ctr"/>
+            <a:r>
+              <a:rPr lang="hu-HU" sz="2400" dirty="0" smtClean="0">
+                <a:latin typeface="+mn-lt"/>
+              </a:rPr>
+              <a:t>KEPAF Gesztus (tudatos)</a:t>
+            </a:r>
+            <a:endParaRPr lang="en-US" sz="2400" dirty="0">
+              <a:latin typeface="+mn-lt"/>
+            </a:endParaRPr>
+          </a:p>
+        </p:txBody>
+      </p:sp>
     </p:spTree>
   </p:cSld>
   <p:clrMapOvr>
@@ -19463,8 +19555,8 @@
               </p:nextCondLst>
             </p:seq>
             <p:video fullScrn="1">
-              <p:cMediaNode>
-                <p:cTn id="7" fill="hold" display="0">
+              <p:cMediaNode mute="1">
+                <p:cTn id="7" repeatCount="indefinite" fill="hold" display="0">
                   <p:stCondLst>
                     <p:cond delay="indefinite"/>
                   </p:stCondLst>
@@ -19532,7 +19624,23 @@
                   <a:srgbClr val="AC8623"/>
                 </a:solidFill>
               </a:rPr>
-              <a:t>Köszönöm a figyelmet!</a:t>
+              <a:t>Köszönöm </a:t>
+            </a:r>
+            <a:r>
+              <a:rPr lang="hu-HU" dirty="0" smtClean="0">
+                <a:solidFill>
+                  <a:srgbClr val="AC8623"/>
+                </a:solidFill>
+              </a:rPr>
+              <a:t>a megtisztelő </a:t>
+            </a:r>
+            <a:r>
+              <a:rPr lang="hu-HU" dirty="0" smtClean="0">
+                <a:solidFill>
+                  <a:srgbClr val="AC8623"/>
+                </a:solidFill>
+              </a:rPr>
+              <a:t>figyelmet!</a:t>
             </a:r>
             <a:endParaRPr lang="en-US" dirty="0"/>
           </a:p>
@@ -19610,63 +19718,86 @@
           <a:lstStyle/>
           <a:p>
             <a:r>
-              <a:rPr lang="hu-HU" dirty="0" smtClean="0"/>
+              <a:rPr lang="hu-HU" sz="3000" dirty="0" smtClean="0"/>
               <a:t>Gesztusfelismerő rendszer</a:t>
             </a:r>
           </a:p>
           <a:p>
             <a:pPr lvl="1"/>
             <a:r>
-              <a:rPr lang="hu-HU" dirty="0" smtClean="0"/>
+              <a:rPr lang="hu-HU" sz="2600" dirty="0" smtClean="0"/>
               <a:t>Tudatos fejmozgások, mint mozdulatsorok felismerése</a:t>
             </a:r>
           </a:p>
           <a:p>
             <a:pPr lvl="1"/>
             <a:r>
-              <a:rPr lang="hu-HU" dirty="0" smtClean="0"/>
+              <a:rPr lang="hu-HU" sz="2600" dirty="0" smtClean="0"/>
               <a:t>Valósidejű felismerés kameraképeken</a:t>
             </a:r>
           </a:p>
           <a:p>
             <a:pPr lvl="1"/>
             <a:r>
-              <a:rPr lang="hu-HU" dirty="0" smtClean="0"/>
+              <a:rPr lang="hu-HU" sz="2600" dirty="0" smtClean="0"/>
               <a:t>Kis számú adat alapján</a:t>
             </a:r>
           </a:p>
           <a:p>
             <a:r>
-              <a:rPr lang="hu-HU" dirty="0" smtClean="0"/>
-              <a:t>Gesztus definiálása</a:t>
-            </a:r>
+              <a:rPr lang="hu-HU" sz="3000" dirty="0" smtClean="0"/>
+              <a:t>Gesztus </a:t>
+            </a:r>
+            <a:r>
+              <a:rPr lang="hu-HU" sz="3000" dirty="0" smtClean="0"/>
+              <a:t>modellezése</a:t>
+            </a:r>
+            <a:endParaRPr lang="hu-HU" sz="3000" dirty="0" smtClean="0"/>
           </a:p>
           <a:p>
             <a:pPr lvl="1"/>
             <a:r>
-              <a:rPr lang="hu-HU" dirty="0" smtClean="0"/>
-              <a:t>Hatékony reprezentáció: térben és időben</a:t>
-            </a:r>
-          </a:p>
-          <a:p>
-            <a:r>
-              <a:rPr lang="hu-HU" dirty="0" smtClean="0"/>
+              <a:rPr lang="hu-HU" sz="2600" dirty="0" smtClean="0"/>
+              <a:t>Hatékony reprezentáció: </a:t>
+            </a:r>
+            <a:r>
+              <a:rPr lang="hu-HU" sz="2600" dirty="0" smtClean="0"/>
+              <a:t>szegmentáció térben </a:t>
+            </a:r>
+            <a:r>
+              <a:rPr lang="hu-HU" sz="2600" dirty="0" smtClean="0"/>
+              <a:t>és időben</a:t>
+            </a:r>
+          </a:p>
+          <a:p>
+            <a:r>
+              <a:rPr lang="hu-HU" sz="3000" dirty="0" smtClean="0"/>
               <a:t>Gesztus adatbázis</a:t>
             </a:r>
           </a:p>
           <a:p>
             <a:pPr lvl="1"/>
             <a:r>
-              <a:rPr lang="hu-HU" dirty="0" smtClean="0"/>
-              <a:t>Rögzítés és elemzés</a:t>
-            </a:r>
+              <a:rPr lang="hu-HU" sz="2600" dirty="0" smtClean="0"/>
+              <a:t>Rögzítés: </a:t>
+            </a:r>
+            <a:r>
+              <a:rPr lang="hu-HU" sz="2600" dirty="0" smtClean="0"/>
+              <a:t>felismerés </a:t>
+            </a:r>
+            <a:r>
+              <a:rPr lang="hu-HU" sz="2600" dirty="0" smtClean="0"/>
+              <a:t>javítása</a:t>
+            </a:r>
+            <a:endParaRPr lang="hu-HU" sz="2600" dirty="0" smtClean="0"/>
           </a:p>
           <a:p>
             <a:pPr lvl="1"/>
             <a:r>
-              <a:rPr lang="hu-HU" dirty="0" smtClean="0"/>
-              <a:t>Felismerés javítása</a:t>
-            </a:r>
+              <a:rPr lang="hu-HU" sz="2600" dirty="0" smtClean="0"/>
+              <a:t>Később: elemzés</a:t>
+            </a:r>
+            <a:endParaRPr lang="hu-HU" sz="2600" dirty="0" smtClean="0"/>
           </a:p>
         </p:txBody>
       </p:sp>
@@ -19690,7 +19821,7 @@
               <a:pPr/>
               <a:t>2</a:t>
             </a:fld>
-            <a:endParaRPr lang="en-US"/>
+            <a:endParaRPr lang="en-US" dirty="0"/>
           </a:p>
         </p:txBody>
       </p:sp>
@@ -19767,8 +19898,9 @@
           <a:p>
             <a:r>
               <a:rPr lang="hu-HU" dirty="0" smtClean="0"/>
-              <a:t>Milyen jellegű gesztusokat szeretnénk felismerni?</a:t>
-            </a:r>
+              <a:t>Felismerni kívánt gesztusok főbb jellemzői</a:t>
+            </a:r>
+            <a:endParaRPr lang="hu-HU" dirty="0" smtClean="0"/>
           </a:p>
           <a:p>
             <a:pPr lvl="1"/>
@@ -19781,14 +19913,23 @@
             <a:pPr lvl="1"/>
             <a:r>
               <a:rPr lang="hu-HU" dirty="0" smtClean="0"/>
-              <a:t>Mozdulatok eltérő ütemben történő végrehajtása</a:t>
-            </a:r>
-          </a:p>
-          <a:p>
+              <a:t>Mozdulatsorok </a:t>
+            </a:r>
             <a:r>
               <a:rPr lang="hu-HU" dirty="0" smtClean="0"/>
-              <a:t>Fejmozgás behatárolása térben és időben</a:t>
-            </a:r>
+              <a:t>eltérő ütemben történő végrehajtása</a:t>
+            </a:r>
+          </a:p>
+          <a:p>
+            <a:r>
+              <a:rPr lang="hu-HU" dirty="0" smtClean="0"/>
+              <a:t>Fejmozgás </a:t>
+            </a:r>
+            <a:r>
+              <a:rPr lang="hu-HU" dirty="0" smtClean="0"/>
+              <a:t>térbeli behatárolása</a:t>
+            </a:r>
+            <a:endParaRPr lang="hu-HU" dirty="0" smtClean="0"/>
           </a:p>
           <a:p>
             <a:pPr lvl="1"/>
@@ -19798,17 +19939,8 @@
             </a:r>
             <a:r>
               <a:rPr lang="hu-HU" dirty="0" smtClean="0"/>
-              <a:t> reprezentáció: időtől függő sablon, ahol minden egyes pixel értéke a fejmozgás </a:t>
-            </a:r>
-            <a:r>
-              <a:rPr lang="hu-HU" smtClean="0"/>
-              <a:t>egy </a:t>
-            </a:r>
-            <a:r>
-              <a:rPr lang="hu-HU" smtClean="0"/>
-              <a:t>függvénye</a:t>
-            </a:r>
-            <a:endParaRPr lang="hu-HU" dirty="0" smtClean="0"/>
+              <a:t> reprezentáció: időtől függő sablon, ahol minden egyes pixel értéke a fejmozgás egy függvénye</a:t>
+            </a:r>
           </a:p>
           <a:p>
             <a:endParaRPr lang="hu-HU" dirty="0" smtClean="0"/>
@@ -19838,7 +19970,7 @@
               <a:pPr/>
               <a:t>3</a:t>
             </a:fld>
-            <a:endParaRPr lang="en-US"/>
+            <a:endParaRPr lang="en-US" dirty="0"/>
           </a:p>
         </p:txBody>
       </p:sp>
@@ -19908,17 +20040,22 @@
             <p:ph idx="1"/>
           </p:nvPr>
         </p:nvSpPr>
-        <p:spPr/>
+        <p:spPr>
+          <a:xfrm>
+            <a:off x="1295400" y="1219200"/>
+            <a:ext cx="4800600" cy="5486400"/>
+          </a:xfrm>
+        </p:spPr>
         <p:txBody>
           <a:bodyPr/>
           <a:lstStyle/>
           <a:p>
             <a:r>
-              <a:rPr lang="hu-HU" sz="2800" i="1" dirty="0" smtClean="0"/>
+              <a:rPr lang="hu-HU" sz="3000" i="1" dirty="0" smtClean="0"/>
               <a:t>MHI</a:t>
             </a:r>
             <a:r>
-              <a:rPr lang="hu-HU" sz="2800" dirty="0" smtClean="0"/>
+              <a:rPr lang="hu-HU" sz="3000" dirty="0" smtClean="0"/>
               <a:t>: képszekvencia mozgó objektumainak változásait írja le</a:t>
             </a:r>
           </a:p>
@@ -19933,35 +20070,21 @@
             <a:pPr lvl="1"/>
             <a:r>
               <a:rPr lang="hu-HU" sz="2400" dirty="0" smtClean="0"/>
-              <a:t>Maszk: azokat a régiókat jelöli ki, ahol mozgás volt az adott időpillanatban (</a:t>
-            </a:r>
-            <a:r>
-              <a:rPr lang="hu-HU" sz="2400" dirty="0" smtClean="0">
-                <a:sym typeface="Symbol"/>
-              </a:rPr>
-              <a:t></a:t>
+              <a:t>Maszk: </a:t>
             </a:r>
             <a:r>
               <a:rPr lang="hu-HU" sz="2400" dirty="0" smtClean="0"/>
-              <a:t>)</a:t>
-            </a:r>
+              <a:t>azok a régiók, amelyek elmozdultak</a:t>
+            </a:r>
+            <a:endParaRPr lang="hu-HU" sz="2400" dirty="0" smtClean="0"/>
           </a:p>
           <a:p>
             <a:pPr lvl="1"/>
             <a:r>
               <a:rPr lang="hu-HU" sz="2400" dirty="0" smtClean="0"/>
-              <a:t>Ahol mozgás volt, ott az összes pixel </a:t>
-            </a:r>
-            <a:r>
-              <a:rPr lang="hu-HU" sz="2400" dirty="0" smtClean="0">
-                <a:sym typeface="Symbol"/>
-              </a:rPr>
-              <a:t></a:t>
-            </a:r>
-            <a:r>
-              <a:rPr lang="hu-HU" sz="2400" dirty="0" smtClean="0"/>
-              <a:t> értéket vesz fel,</a:t>
-            </a:r>
+              <a:t>MHI: a maszk által kijelölt régiók az aktuális időbélyeg értékét veszik fel</a:t>
+            </a:r>
+            <a:endParaRPr lang="hu-HU" sz="2400" dirty="0" smtClean="0"/>
           </a:p>
           <a:p>
             <a:pPr lvl="1"/>
@@ -20002,15 +20125,15 @@
               <a:pPr/>
               <a:t>4</a:t>
             </a:fld>
-            <a:endParaRPr lang="en-US"/>
+            <a:endParaRPr lang="en-US" dirty="0"/>
           </a:p>
         </p:txBody>
       </p:sp>
       <p:pic>
         <p:nvPicPr>
-          <p:cNvPr id="6" name="Picture 9"/>
+          <p:cNvPr id="1026" name="Picture 2"/>
           <p:cNvPicPr>
-            <a:picLocks noChangeAspect="1" noChangeArrowheads="1"/>
+            <a:picLocks noChangeArrowheads="1"/>
           </p:cNvPicPr>
           <p:nvPr/>
         </p:nvPicPr>
@@ -20023,8 +20146,8 @@
         </p:blipFill>
         <p:spPr bwMode="auto">
           <a:xfrm>
-            <a:off x="2628000" y="4716000"/>
-            <a:ext cx="5252728" cy="1980000"/>
+            <a:off x="6192000" y="1728000"/>
+            <a:ext cx="2628000" cy="1980000"/>
           </a:xfrm>
           <a:prstGeom prst="rect">
             <a:avLst/>
@@ -20036,6 +20159,52 @@
             <a:headEnd/>
             <a:tailEnd/>
           </a:ln>
+          <a:effectLst>
+            <a:outerShdw blurRad="50800" dist="38100" dir="5400000" algn="t" rotWithShape="0">
+              <a:prstClr val="black">
+                <a:alpha val="40000"/>
+              </a:prstClr>
+            </a:outerShdw>
+          </a:effectLst>
+        </p:spPr>
+      </p:pic>
+      <p:pic>
+        <p:nvPicPr>
+          <p:cNvPr id="1027" name="Picture 3"/>
+          <p:cNvPicPr>
+            <a:picLocks noChangeArrowheads="1"/>
+          </p:cNvPicPr>
+          <p:nvPr/>
+        </p:nvPicPr>
+        <p:blipFill>
+          <a:blip r:embed="rId3" cstate="print"/>
+          <a:srcRect/>
+          <a:stretch>
+            <a:fillRect/>
+          </a:stretch>
+        </p:blipFill>
+        <p:spPr bwMode="auto">
+          <a:xfrm>
+            <a:off x="6192000" y="4176000"/>
+            <a:ext cx="2628000" cy="1980000"/>
+          </a:xfrm>
+          <a:prstGeom prst="rect">
+            <a:avLst/>
+          </a:prstGeom>
+          <a:noFill/>
+          <a:ln w="9525">
+            <a:noFill/>
+            <a:miter lim="800000"/>
+            <a:headEnd/>
+            <a:tailEnd/>
+          </a:ln>
+          <a:effectLst>
+            <a:outerShdw blurRad="50800" dist="38100" dir="5400000" algn="t" rotWithShape="0">
+              <a:prstClr val="black">
+                <a:alpha val="40000"/>
+              </a:prstClr>
+            </a:outerShdw>
+          </a:effectLst>
         </p:spPr>
       </p:pic>
     </p:spTree>
@@ -20104,66 +20273,97 @@
             <p:ph idx="1"/>
           </p:nvPr>
         </p:nvSpPr>
-        <p:spPr/>
+        <p:spPr>
+          <a:xfrm>
+            <a:off x="1295400" y="1219200"/>
+            <a:ext cx="4876800" cy="5486400"/>
+          </a:xfrm>
+        </p:spPr>
         <p:txBody>
           <a:bodyPr/>
           <a:lstStyle/>
           <a:p>
             <a:r>
-              <a:rPr lang="hu-HU" sz="2800" i="1" dirty="0" smtClean="0"/>
+              <a:rPr lang="hu-HU" sz="3000" i="1" dirty="0" smtClean="0"/>
               <a:t>MHI</a:t>
             </a:r>
             <a:r>
-              <a:rPr lang="hu-HU" sz="2800" dirty="0" smtClean="0"/>
+              <a:rPr lang="hu-HU" sz="3000" dirty="0" smtClean="0"/>
               <a:t> </a:t>
             </a:r>
             <a:r>
-              <a:rPr lang="hu-HU" sz="2800" dirty="0" smtClean="0">
+              <a:rPr lang="hu-HU" sz="3000" dirty="0" smtClean="0">
                 <a:sym typeface="Symbol"/>
               </a:rPr>
               <a:t> </a:t>
             </a:r>
             <a:r>
-              <a:rPr lang="hu-HU" sz="2800" dirty="0" smtClean="0"/>
-              <a:t>mozgás gradiens, fejpozíció megváltozásának iránya</a:t>
+              <a:rPr lang="hu-HU" sz="3000" dirty="0" smtClean="0">
+                <a:sym typeface="Symbol"/>
+              </a:rPr>
+              <a:t>M</a:t>
+            </a:r>
+            <a:r>
+              <a:rPr lang="hu-HU" sz="3000" dirty="0" smtClean="0"/>
+              <a:t>ozgás gradiens </a:t>
             </a:r>
           </a:p>
           <a:p>
             <a:pPr lvl="1"/>
             <a:r>
-              <a:rPr lang="hu-HU" sz="2400" dirty="0" smtClean="0"/>
+              <a:rPr lang="hu-HU" sz="2600" dirty="0" smtClean="0"/>
+              <a:t>Fejpozíció megváltozá-sának </a:t>
+            </a:r>
+            <a:r>
+              <a:rPr lang="hu-HU" sz="2600" dirty="0" smtClean="0"/>
+              <a:t>iránya</a:t>
+            </a:r>
+          </a:p>
+          <a:p>
+            <a:pPr lvl="1"/>
+            <a:r>
+              <a:rPr lang="hu-HU" sz="2600" dirty="0" smtClean="0"/>
               <a:t>Nem elég stabil, kicsi az arc felbontása</a:t>
             </a:r>
           </a:p>
           <a:p>
             <a:r>
-              <a:rPr lang="hu-HU" sz="2800" dirty="0" smtClean="0"/>
+              <a:rPr lang="hu-HU" sz="3000" dirty="0" smtClean="0"/>
               <a:t>Feladat: a mozgás tekintetében hasznos régiók meghatározása</a:t>
             </a:r>
           </a:p>
           <a:p>
             <a:pPr lvl="1"/>
             <a:r>
-              <a:rPr lang="hu-HU" sz="2400" i="1" dirty="0" smtClean="0"/>
+              <a:rPr lang="hu-HU" sz="2600" i="1" dirty="0" smtClean="0"/>
               <a:t>FAST</a:t>
             </a:r>
             <a:r>
-              <a:rPr lang="hu-HU" sz="2400" dirty="0" smtClean="0"/>
+              <a:rPr lang="hu-HU" sz="2600" dirty="0" smtClean="0"/>
               <a:t> sarokdetektor</a:t>
             </a:r>
           </a:p>
           <a:p>
-            <a:pPr lvl="2"/>
-            <a:r>
-              <a:rPr lang="hu-HU" sz="2000" dirty="0" smtClean="0"/>
-              <a:t>Véges számú jellemzőpont az eredménye</a:t>
-            </a:r>
-          </a:p>
-          <a:p>
-            <a:pPr lvl="2"/>
-            <a:r>
-              <a:rPr lang="hu-HU" sz="2000" dirty="0" smtClean="0"/>
-              <a:t>Eredményét korlátozzuk az arcra</a:t>
+            <a:pPr lvl="1"/>
+            <a:r>
+              <a:rPr lang="hu-HU" sz="2600" dirty="0" smtClean="0"/>
+              <a:t>Véges számú </a:t>
+            </a:r>
+            <a:r>
+              <a:rPr lang="hu-HU" sz="2600" dirty="0" smtClean="0"/>
+              <a:t>jellemzőpont</a:t>
+            </a:r>
+            <a:endParaRPr lang="hu-HU" sz="2600" dirty="0" smtClean="0"/>
+          </a:p>
+          <a:p>
+            <a:pPr lvl="1"/>
+            <a:r>
+              <a:rPr lang="hu-HU" sz="2600" dirty="0" smtClean="0"/>
+              <a:t>Korlátozzuk </a:t>
+            </a:r>
+            <a:r>
+              <a:rPr lang="hu-HU" sz="2600" dirty="0" smtClean="0"/>
+              <a:t>az arcra</a:t>
             </a:r>
           </a:p>
           <a:p>
@@ -20199,7 +20399,7 @@
         <p:nvPicPr>
           <p:cNvPr id="5" name="Kép 4"/>
           <p:cNvPicPr>
-            <a:picLocks noChangeAspect="1"/>
+            <a:picLocks/>
           </p:cNvPicPr>
           <p:nvPr/>
         </p:nvPicPr>
@@ -20212,8 +20412,8 @@
         </p:blipFill>
         <p:spPr bwMode="auto">
           <a:xfrm>
-            <a:off x="2376000" y="4860000"/>
-            <a:ext cx="2490538" cy="1800000"/>
+            <a:off x="6192000" y="1728000"/>
+            <a:ext cx="2628000" cy="1980000"/>
           </a:xfrm>
           <a:prstGeom prst="rect">
             <a:avLst/>
@@ -20225,13 +20425,20 @@
             <a:headEnd/>
             <a:tailEnd/>
           </a:ln>
+          <a:effectLst>
+            <a:outerShdw blurRad="50800" dist="38100" dir="5400000" algn="t" rotWithShape="0">
+              <a:prstClr val="black">
+                <a:alpha val="40000"/>
+              </a:prstClr>
+            </a:outerShdw>
+          </a:effectLst>
         </p:spPr>
       </p:pic>
       <p:pic>
         <p:nvPicPr>
           <p:cNvPr id="6" name="Kép 5"/>
           <p:cNvPicPr>
-            <a:picLocks noChangeAspect="1"/>
+            <a:picLocks/>
           </p:cNvPicPr>
           <p:nvPr/>
         </p:nvPicPr>
@@ -20244,8 +20451,8 @@
         </p:blipFill>
         <p:spPr bwMode="auto">
           <a:xfrm>
-            <a:off x="5724000" y="4860000"/>
-            <a:ext cx="2490530" cy="1800000"/>
+            <a:off x="6192000" y="4176000"/>
+            <a:ext cx="2628000" cy="1980000"/>
           </a:xfrm>
           <a:prstGeom prst="rect">
             <a:avLst/>
@@ -20257,6 +20464,13 @@
             <a:headEnd/>
             <a:tailEnd/>
           </a:ln>
+          <a:effectLst>
+            <a:outerShdw blurRad="50800" dist="38100" dir="5400000" algn="t" rotWithShape="0">
+              <a:prstClr val="black">
+                <a:alpha val="40000"/>
+              </a:prstClr>
+            </a:outerShdw>
+          </a:effectLst>
         </p:spPr>
       </p:pic>
     </p:spTree>
@@ -20343,7 +20557,15 @@
             </a:r>
             <a:r>
               <a:rPr lang="hu-HU" dirty="0" smtClean="0"/>
-              <a:t> jellemzőpontok alapján, az aktuális és a következő képkocka között</a:t>
+              <a:t> jellemzőpontok </a:t>
+            </a:r>
+            <a:r>
+              <a:rPr lang="hu-HU" dirty="0" smtClean="0"/>
+              <a:t>alapján az aktuális-, </a:t>
+            </a:r>
+            <a:r>
+              <a:rPr lang="hu-HU" dirty="0" smtClean="0"/>
+              <a:t>és a következő képkocka között</a:t>
             </a:r>
           </a:p>
           <a:p>
@@ -20364,7 +20586,11 @@
             <a:pPr lvl="1"/>
             <a:r>
               <a:rPr lang="hu-HU" dirty="0" smtClean="0"/>
-              <a:t>Irányszög: a vektornak az </a:t>
+              <a:t>Irány: </a:t>
+            </a:r>
+            <a:r>
+              <a:rPr lang="hu-HU" dirty="0" smtClean="0"/>
+              <a:t>a vektornak az </a:t>
             </a:r>
             <a:r>
               <a:rPr lang="hu-HU" i="1" dirty="0" smtClean="0"/>
@@ -20379,17 +20605,25 @@
             <a:pPr lvl="1"/>
             <a:r>
               <a:rPr lang="hu-HU" dirty="0" smtClean="0"/>
-              <a:t>Probléma: túl sok lehetséges érték a [0,2</a:t>
-            </a:r>
-            <a:r>
-              <a:rPr lang="hu-HU" dirty="0" smtClean="0">
+              <a:t>Probléma: túl sok lehetséges érték a </a:t>
+            </a:r>
+            <a:r>
+              <a:rPr lang="hu-HU" i="1" dirty="0" smtClean="0"/>
+              <a:t>[0,2</a:t>
+            </a:r>
+            <a:r>
+              <a:rPr lang="hu-HU" i="1" dirty="0" smtClean="0">
                 <a:sym typeface="Symbol"/>
               </a:rPr>
               <a:t></a:t>
             </a:r>
             <a:r>
+              <a:rPr lang="hu-HU" i="1" dirty="0" smtClean="0"/>
+              <a:t>] </a:t>
+            </a:r>
+            <a:r>
               <a:rPr lang="hu-HU" dirty="0" smtClean="0"/>
-              <a:t>] intervallumból</a:t>
+              <a:t>intervallumból</a:t>
             </a:r>
           </a:p>
           <a:p>
@@ -20425,7 +20659,7 @@
               <a:pPr/>
               <a:t>6</a:t>
             </a:fld>
-            <a:endParaRPr lang="en-US"/>
+            <a:endParaRPr lang="en-US" dirty="0"/>
           </a:p>
         </p:txBody>
       </p:sp>
@@ -20505,7 +20739,7 @@
               <a:pPr/>
               <a:t>7</a:t>
             </a:fld>
-            <a:endParaRPr lang="en-US"/>
+            <a:endParaRPr lang="en-US" dirty="0"/>
           </a:p>
         </p:txBody>
       </p:sp>
@@ -20528,8 +20762,8 @@
         </p:blipFill>
         <p:spPr bwMode="auto">
           <a:xfrm>
-            <a:off x="2772000" y="1764000"/>
-            <a:ext cx="4757039" cy="3564000"/>
+            <a:off x="2736000" y="1764000"/>
+            <a:ext cx="4805090" cy="3600000"/>
           </a:xfrm>
           <a:prstGeom prst="rect">
             <a:avLst/>
@@ -20541,6 +20775,13 @@
             <a:headEnd/>
             <a:tailEnd/>
           </a:ln>
+          <a:effectLst>
+            <a:outerShdw blurRad="50800" dist="38100" dir="5400000" algn="t" rotWithShape="0">
+              <a:prstClr val="black">
+                <a:alpha val="40000"/>
+              </a:prstClr>
+            </a:outerShdw>
+          </a:effectLst>
         </p:spPr>
       </p:pic>
       <p:sp>
@@ -20681,7 +20922,11 @@
             <a:pPr lvl="1"/>
             <a:r>
               <a:rPr lang="hu-HU" dirty="0" smtClean="0"/>
-              <a:t>Képkockák sorozata</a:t>
+              <a:t>Képkockák </a:t>
+            </a:r>
+            <a:r>
+              <a:rPr lang="hu-HU" dirty="0" smtClean="0"/>
+              <a:t>sorozata</a:t>
             </a:r>
           </a:p>
           <a:p>
@@ -20701,11 +20946,7 @@
             <a:pPr lvl="1"/>
             <a:r>
               <a:rPr lang="hu-HU" dirty="0" smtClean="0"/>
-              <a:t>Adott szegmens szomszédos </a:t>
-            </a:r>
-            <a:r>
-              <a:rPr lang="hu-HU" dirty="0" smtClean="0"/>
-              <a:t>tagjaira számított szögek sorozata</a:t>
+              <a:t>Adott szegmens szomszédos tagjaira számított szögek sorozata</a:t>
             </a:r>
           </a:p>
           <a:p>
@@ -20715,7 +20956,7 @@
               <a:t>{"fejrázás";  [90°,</a:t>
             </a:r>
             <a:r>
-              <a:rPr lang="hu-HU" sz="2400" i="1" dirty="0" err="1" smtClean="0"/>
+              <a:rPr lang="hu-HU" sz="2400" i="1" dirty="0" smtClean="0"/>
               <a:t>90°</a:t>
             </a:r>
             <a:r>
@@ -20723,7 +20964,7 @@
               <a:t>,</a:t>
             </a:r>
             <a:r>
-              <a:rPr lang="hu-HU" sz="2400" i="1" dirty="0" err="1" smtClean="0"/>
+              <a:rPr lang="hu-HU" sz="2400" i="1" dirty="0" smtClean="0"/>
               <a:t>90°</a:t>
             </a:r>
             <a:r>
@@ -20731,7 +20972,7 @@
               <a:t>,270°,</a:t>
             </a:r>
             <a:r>
-              <a:rPr lang="hu-HU" sz="2400" i="1" dirty="0" err="1" smtClean="0"/>
+              <a:rPr lang="hu-HU" sz="2400" i="1" dirty="0" smtClean="0"/>
               <a:t>270°</a:t>
             </a:r>
             <a:r>
@@ -20765,7 +21006,7 @@
               <a:pPr/>
               <a:t>8</a:t>
             </a:fld>
-            <a:endParaRPr lang="en-US"/>
+            <a:endParaRPr lang="en-US" dirty="0"/>
           </a:p>
         </p:txBody>
       </p:sp>
@@ -20848,27 +21089,36 @@
           <a:p>
             <a:r>
               <a:rPr lang="hu-HU" dirty="0" smtClean="0"/>
+              <a:t>Gesztus adatbázis</a:t>
+            </a:r>
+          </a:p>
+          <a:p>
+            <a:pPr lvl="1"/>
+            <a:r>
+              <a:rPr lang="hu-HU" dirty="0" smtClean="0"/>
               <a:t>Komplexebb döntések hozatala</a:t>
             </a:r>
           </a:p>
           <a:p>
+            <a:pPr lvl="1"/>
             <a:r>
               <a:rPr lang="hu-HU" dirty="0" smtClean="0"/>
-              <a:t>Gesztus adatbázis</a:t>
+              <a:t>Szögsorozatok </a:t>
+            </a:r>
+            <a:r>
+              <a:rPr lang="hu-HU" dirty="0" smtClean="0"/>
+              <a:t>gyűjteménye</a:t>
             </a:r>
           </a:p>
           <a:p>
             <a:pPr lvl="1"/>
             <a:r>
               <a:rPr lang="hu-HU" dirty="0" smtClean="0"/>
-              <a:t>Szögsorozatok gyűjteménye</a:t>
-            </a:r>
-          </a:p>
-          <a:p>
-            <a:pPr lvl="1"/>
+              <a:t>Osztály: </a:t>
+            </a:r>
             <a:r>
               <a:rPr lang="hu-HU" dirty="0" smtClean="0"/>
-              <a:t>Csoportok: egy gesztushoz, több sorozat</a:t>
+              <a:t>egy gesztushoz, több sorozat</a:t>
             </a:r>
           </a:p>
           <a:p>
@@ -20881,16 +21131,36 @@
             <a:pPr lvl="1"/>
             <a:r>
               <a:rPr lang="hu-HU" dirty="0" smtClean="0"/>
-              <a:t>Menet közben felvesszük a felismert gesztusokat az adatbázisba</a:t>
+              <a:t>Több adat a szeparáláshoz</a:t>
             </a:r>
           </a:p>
           <a:p>
             <a:pPr lvl="1"/>
             <a:r>
               <a:rPr lang="hu-HU" dirty="0" smtClean="0"/>
-              <a:t>Igazodás a felhasználói szokásokhoz</a:t>
-            </a:r>
-            <a:endParaRPr lang="en-US" dirty="0"/>
+              <a:t>Igazodás </a:t>
+            </a:r>
+            <a:r>
+              <a:rPr lang="hu-HU" dirty="0" smtClean="0"/>
+              <a:t>a </a:t>
+            </a:r>
+            <a:r>
+              <a:rPr lang="hu-HU" dirty="0" smtClean="0"/>
+              <a:t>felhasználóhoz: futás </a:t>
+            </a:r>
+            <a:r>
+              <a:rPr lang="hu-HU" dirty="0" smtClean="0"/>
+              <a:t>során bővítjük a </a:t>
+            </a:r>
+            <a:r>
+              <a:rPr lang="hu-HU" dirty="0" smtClean="0"/>
+              <a:t>felismert </a:t>
+            </a:r>
+            <a:r>
+              <a:rPr lang="hu-HU" dirty="0" smtClean="0"/>
+              <a:t>gesztusokkal</a:t>
+            </a:r>
+            <a:endParaRPr lang="hu-HU" dirty="0" smtClean="0"/>
           </a:p>
         </p:txBody>
       </p:sp>
@@ -20914,7 +21184,7 @@
               <a:pPr/>
               <a:t>9</a:t>
             </a:fld>
-            <a:endParaRPr lang="en-US"/>
+            <a:endParaRPr lang="en-US" dirty="0"/>
           </a:p>
         </p:txBody>
       </p:sp>
